--- a/Gestion de projet/Présentation projet_OPA.pptx
+++ b/Gestion de projet/Présentation projet_OPA.pptx
@@ -5,24 +5,28 @@
     <p:sldMasterId id="2147483648" r:id="rId1"/>
     <p:sldMasterId id="2147483661" r:id="rId2"/>
     <p:sldMasterId id="2147483674" r:id="rId3"/>
+    <p:sldMasterId id="2147483687" r:id="rId4"/>
   </p:sldMasterIdLst>
   <p:notesMasterIdLst>
-    <p:notesMasterId r:id="rId17"/>
+    <p:notesMasterId r:id="rId21"/>
   </p:notesMasterIdLst>
   <p:sldIdLst>
-    <p:sldId id="256" r:id="rId4"/>
-    <p:sldId id="257" r:id="rId5"/>
-    <p:sldId id="258" r:id="rId6"/>
-    <p:sldId id="268" r:id="rId7"/>
-    <p:sldId id="259" r:id="rId8"/>
-    <p:sldId id="260" r:id="rId9"/>
-    <p:sldId id="261" r:id="rId10"/>
-    <p:sldId id="262" r:id="rId11"/>
-    <p:sldId id="263" r:id="rId12"/>
-    <p:sldId id="264" r:id="rId13"/>
-    <p:sldId id="265" r:id="rId14"/>
-    <p:sldId id="266" r:id="rId15"/>
-    <p:sldId id="267" r:id="rId16"/>
+    <p:sldId id="256" r:id="rId5"/>
+    <p:sldId id="257" r:id="rId6"/>
+    <p:sldId id="258" r:id="rId7"/>
+    <p:sldId id="268" r:id="rId8"/>
+    <p:sldId id="259" r:id="rId9"/>
+    <p:sldId id="260" r:id="rId10"/>
+    <p:sldId id="261" r:id="rId11"/>
+    <p:sldId id="262" r:id="rId12"/>
+    <p:sldId id="305" r:id="rId13"/>
+    <p:sldId id="263" r:id="rId14"/>
+    <p:sldId id="306" r:id="rId15"/>
+    <p:sldId id="264" r:id="rId16"/>
+    <p:sldId id="307" r:id="rId17"/>
+    <p:sldId id="265" r:id="rId18"/>
+    <p:sldId id="266" r:id="rId19"/>
+    <p:sldId id="267" r:id="rId20"/>
   </p:sldIdLst>
   <p:sldSz cx="12192000" cy="6858000"/>
   <p:notesSz cx="6858000" cy="9144000"/>
@@ -121,6 +125,11 @@
       </a:defRPr>
     </a:lvl9pPr>
   </p:defaultTextStyle>
+  <p:extLst>
+    <p:ext uri="{EFAFB233-063F-42B5-8137-9DF3F51BA10A}">
+      <p15:sldGuideLst xmlns:p15="http://schemas.microsoft.com/office/powerpoint/2012/main"/>
+    </p:ext>
+  </p:extLst>
 </p:presentation>
 </file>
 
@@ -1624,8 +1633,8 @@
       </dsp:nvSpPr>
       <dsp:spPr>
         <a:xfrm>
-          <a:off x="352043" y="1639269"/>
-          <a:ext cx="1810512" cy="447073"/>
+          <a:off x="352031" y="1639123"/>
+          <a:ext cx="1810447" cy="447033"/>
         </a:xfrm>
         <a:prstGeom prst="homePlate">
           <a:avLst>
@@ -1675,12 +1684,12 @@
         </a:fontRef>
       </dsp:style>
       <dsp:txBody>
-        <a:bodyPr spcFirstLastPara="0" vert="horz" wrap="square" lIns="83820" tIns="83820" rIns="83820" bIns="83820" numCol="1" spcCol="1270" rtlCol="0" anchor="ctr" anchorCtr="0">
+        <a:bodyPr spcFirstLastPara="0" vert="horz" wrap="square" lIns="91440" tIns="91440" rIns="91440" bIns="91440" numCol="1" spcCol="1270" rtlCol="0" anchor="ctr" anchorCtr="0">
           <a:noAutofit/>
         </a:bodyPr>
         <a:lstStyle/>
         <a:p>
-          <a:pPr marL="0" lvl="0" indent="0" algn="ctr" defTabSz="488950" rtl="0">
+          <a:pPr marL="0" lvl="0" indent="0" algn="ctr" defTabSz="533400" rtl="0">
             <a:lnSpc>
               <a:spcPct val="90000"/>
             </a:lnSpc>
@@ -1693,14 +1702,14 @@
             <a:buNone/>
           </a:pPr>
           <a:r>
-            <a:rPr lang="fr-FR" sz="1100" kern="1200" noProof="0" dirty="0"/>
+            <a:rPr lang="fr-FR" sz="1200" kern="1200" noProof="0" dirty="0"/>
             <a:t>2015</a:t>
           </a:r>
         </a:p>
       </dsp:txBody>
       <dsp:txXfrm>
-        <a:off x="352043" y="1639269"/>
-        <a:ext cx="1721097" cy="447073"/>
+        <a:off x="352031" y="1639123"/>
+        <a:ext cx="1721040" cy="447033"/>
       </dsp:txXfrm>
     </dsp:sp>
     <dsp:sp modelId="{3F8C8DF1-69FF-4267-9807-429FE1F669A4}">
@@ -1711,7 +1720,7 @@
       <dsp:spPr>
         <a:xfrm>
           <a:off x="0" y="0"/>
-          <a:ext cx="2514600" cy="1192195"/>
+          <a:ext cx="2514510" cy="1192089"/>
         </a:xfrm>
         <a:prstGeom prst="rect">
           <a:avLst/>
@@ -1735,12 +1744,12 @@
         <a:fontRef idx="minor"/>
       </dsp:style>
       <dsp:txBody>
-        <a:bodyPr spcFirstLastPara="0" vert="horz" wrap="square" lIns="0" tIns="97790" rIns="0" bIns="97790" numCol="1" spcCol="1270" rtlCol="0" anchor="b" anchorCtr="1">
+        <a:bodyPr spcFirstLastPara="0" vert="horz" wrap="square" lIns="0" tIns="106680" rIns="0" bIns="106680" numCol="1" spcCol="1270" rtlCol="0" anchor="b" anchorCtr="1">
           <a:noAutofit/>
         </a:bodyPr>
         <a:lstStyle/>
         <a:p>
-          <a:pPr marL="0" lvl="0" indent="0" algn="ctr" defTabSz="488950" rtl="0">
+          <a:pPr marL="0" lvl="0" indent="0" algn="ctr" defTabSz="533400" rtl="0">
             <a:lnSpc>
               <a:spcPct val="90000"/>
             </a:lnSpc>
@@ -1753,47 +1762,47 @@
             <a:buNone/>
           </a:pPr>
           <a:r>
-            <a:rPr lang="fr-FR" sz="1100" kern="1200" noProof="0" dirty="0" err="1"/>
+            <a:rPr lang="fr-FR" sz="1200" kern="1200" noProof="0" dirty="0" err="1"/>
             <a:t>Lorem</a:t>
           </a:r>
           <a:r>
-            <a:rPr lang="fr-FR" sz="1100" kern="1200" noProof="0" dirty="0"/>
+            <a:rPr lang="fr-FR" sz="1200" kern="1200" noProof="0" dirty="0"/>
             <a:t> </a:t>
           </a:r>
           <a:r>
-            <a:rPr lang="fr-FR" sz="1100" kern="1200" noProof="0" dirty="0" err="1"/>
+            <a:rPr lang="fr-FR" sz="1200" kern="1200" noProof="0" dirty="0" err="1"/>
             <a:t>ipsum</a:t>
           </a:r>
           <a:r>
-            <a:rPr lang="fr-FR" sz="1100" kern="1200" noProof="0" dirty="0"/>
+            <a:rPr lang="fr-FR" sz="1200" kern="1200" noProof="0" dirty="0"/>
             <a:t> </a:t>
           </a:r>
           <a:r>
-            <a:rPr lang="fr-FR" sz="1100" kern="1200" noProof="0" dirty="0" err="1"/>
+            <a:rPr lang="fr-FR" sz="1200" kern="1200" noProof="0" dirty="0" err="1"/>
             <a:t>dolor</a:t>
           </a:r>
           <a:r>
-            <a:rPr lang="fr-FR" sz="1100" kern="1200" noProof="0" dirty="0"/>
+            <a:rPr lang="fr-FR" sz="1200" kern="1200" noProof="0" dirty="0"/>
             <a:t> </a:t>
           </a:r>
           <a:r>
-            <a:rPr lang="fr-FR" sz="1100" kern="1200" noProof="0" dirty="0" err="1"/>
+            <a:rPr lang="fr-FR" sz="1200" kern="1200" noProof="0" dirty="0" err="1"/>
             <a:t>sit</a:t>
           </a:r>
           <a:r>
-            <a:rPr lang="fr-FR" sz="1100" kern="1200" noProof="0" dirty="0"/>
+            <a:rPr lang="fr-FR" sz="1200" kern="1200" noProof="0" dirty="0"/>
             <a:t> </a:t>
           </a:r>
           <a:r>
-            <a:rPr lang="fr-FR" sz="1100" kern="1200" noProof="0" dirty="0" err="1"/>
+            <a:rPr lang="fr-FR" sz="1200" kern="1200" noProof="0" dirty="0" err="1"/>
             <a:t>amet</a:t>
           </a:r>
-          <a:endParaRPr lang="fr-FR" sz="1100" kern="1200" noProof="0" dirty="0"/>
+          <a:endParaRPr lang="fr-FR" sz="1200" kern="1200" noProof="0" dirty="0"/>
         </a:p>
       </dsp:txBody>
       <dsp:txXfrm>
         <a:off x="0" y="0"/>
-        <a:ext cx="2514600" cy="1192195"/>
+        <a:ext cx="2514510" cy="1192089"/>
       </dsp:txXfrm>
     </dsp:sp>
     <dsp:sp modelId="{0EDA1889-E3C7-4C7B-AA49-EF34A4D5D342}">
@@ -1803,8 +1812,8 @@
       </dsp:nvSpPr>
       <dsp:spPr>
         <a:xfrm>
-          <a:off x="2162555" y="1862806"/>
-          <a:ext cx="704087" cy="0"/>
+          <a:off x="2162478" y="1862640"/>
+          <a:ext cx="704062" cy="0"/>
         </a:xfrm>
         <a:custGeom>
           <a:avLst/>
@@ -1818,7 +1827,7 @@
                 <a:pt x="0" y="0"/>
               </a:moveTo>
               <a:lnTo>
-                <a:pt x="704087" y="0"/>
+                <a:pt x="704062" y="0"/>
               </a:lnTo>
             </a:path>
           </a:pathLst>
@@ -1858,8 +1867,8 @@
       </dsp:nvSpPr>
       <dsp:spPr>
         <a:xfrm>
-          <a:off x="1257299" y="1266708"/>
-          <a:ext cx="0" cy="372561"/>
+          <a:off x="1257255" y="1266595"/>
+          <a:ext cx="0" cy="372528"/>
         </a:xfrm>
         <a:prstGeom prst="line">
           <a:avLst/>
@@ -1899,8 +1908,8 @@
       </dsp:nvSpPr>
       <dsp:spPr>
         <a:xfrm>
-          <a:off x="1220043" y="1192195"/>
-          <a:ext cx="74512" cy="74512"/>
+          <a:off x="1220002" y="1192089"/>
+          <a:ext cx="74505" cy="74505"/>
         </a:xfrm>
         <a:prstGeom prst="rect">
           <a:avLst/>
@@ -1955,8 +1964,8 @@
       </dsp:nvSpPr>
       <dsp:spPr>
         <a:xfrm>
-          <a:off x="2866643" y="1639269"/>
-          <a:ext cx="1810512" cy="447073"/>
+          <a:off x="2866541" y="1639123"/>
+          <a:ext cx="1810447" cy="447033"/>
         </a:xfrm>
         <a:prstGeom prst="hexagon">
           <a:avLst>
@@ -2007,12 +2016,12 @@
         </a:fontRef>
       </dsp:style>
       <dsp:txBody>
-        <a:bodyPr spcFirstLastPara="0" vert="horz" wrap="square" lIns="83820" tIns="83820" rIns="83820" bIns="83820" numCol="1" spcCol="1270" rtlCol="0" anchor="ctr" anchorCtr="0">
+        <a:bodyPr spcFirstLastPara="0" vert="horz" wrap="square" lIns="91440" tIns="91440" rIns="91440" bIns="91440" numCol="1" spcCol="1270" rtlCol="0" anchor="ctr" anchorCtr="0">
           <a:noAutofit/>
         </a:bodyPr>
         <a:lstStyle/>
         <a:p>
-          <a:pPr marL="0" lvl="0" indent="0" algn="ctr" defTabSz="488950" rtl="0">
+          <a:pPr marL="0" lvl="0" indent="0" algn="ctr" defTabSz="533400" rtl="0">
             <a:lnSpc>
               <a:spcPct val="90000"/>
             </a:lnSpc>
@@ -2025,14 +2034,14 @@
             <a:buNone/>
           </a:pPr>
           <a:r>
-            <a:rPr lang="fr-FR" sz="1100" kern="1200" noProof="0" dirty="0"/>
+            <a:rPr lang="fr-FR" sz="1200" kern="1200" noProof="0" dirty="0"/>
             <a:t>2016</a:t>
           </a:r>
         </a:p>
       </dsp:txBody>
       <dsp:txXfrm>
-        <a:off x="3077129" y="1691245"/>
-        <a:ext cx="1389540" cy="343121"/>
+        <a:off x="3077016" y="1691093"/>
+        <a:ext cx="1389497" cy="343093"/>
       </dsp:txXfrm>
     </dsp:sp>
     <dsp:sp modelId="{7197D426-886B-449E-A886-FD13F5E0AC97}">
@@ -2042,8 +2051,8 @@
       </dsp:nvSpPr>
       <dsp:spPr>
         <a:xfrm>
-          <a:off x="2514599" y="2533416"/>
-          <a:ext cx="2514600" cy="1192195"/>
+          <a:off x="2514510" y="2533190"/>
+          <a:ext cx="2514510" cy="1192089"/>
         </a:xfrm>
         <a:prstGeom prst="rect">
           <a:avLst/>
@@ -2067,12 +2076,12 @@
         <a:fontRef idx="minor"/>
       </dsp:style>
       <dsp:txBody>
-        <a:bodyPr spcFirstLastPara="0" vert="horz" wrap="square" lIns="0" tIns="97790" rIns="0" bIns="97790" numCol="1" spcCol="1270" rtlCol="0" anchor="t" anchorCtr="1">
+        <a:bodyPr spcFirstLastPara="0" vert="horz" wrap="square" lIns="0" tIns="106680" rIns="0" bIns="106680" numCol="1" spcCol="1270" rtlCol="0" anchor="t" anchorCtr="1">
           <a:noAutofit/>
         </a:bodyPr>
         <a:lstStyle/>
         <a:p>
-          <a:pPr marL="0" lvl="0" indent="0" algn="ctr" defTabSz="488950" rtl="0">
+          <a:pPr marL="0" lvl="0" indent="0" algn="ctr" defTabSz="533400" rtl="0">
             <a:lnSpc>
               <a:spcPct val="90000"/>
             </a:lnSpc>
@@ -2085,47 +2094,47 @@
             <a:buNone/>
           </a:pPr>
           <a:r>
-            <a:rPr lang="fr-FR" sz="1100" kern="1200" noProof="0" dirty="0" err="1"/>
+            <a:rPr lang="fr-FR" sz="1200" kern="1200" noProof="0" dirty="0" err="1"/>
             <a:t>Lorem</a:t>
           </a:r>
           <a:r>
-            <a:rPr lang="fr-FR" sz="1100" kern="1200" noProof="0" dirty="0"/>
+            <a:rPr lang="fr-FR" sz="1200" kern="1200" noProof="0" dirty="0"/>
             <a:t> </a:t>
           </a:r>
           <a:r>
-            <a:rPr lang="fr-FR" sz="1100" kern="1200" noProof="0" dirty="0" err="1"/>
+            <a:rPr lang="fr-FR" sz="1200" kern="1200" noProof="0" dirty="0" err="1"/>
             <a:t>ipsum</a:t>
           </a:r>
           <a:r>
-            <a:rPr lang="fr-FR" sz="1100" kern="1200" noProof="0" dirty="0"/>
+            <a:rPr lang="fr-FR" sz="1200" kern="1200" noProof="0" dirty="0"/>
             <a:t> </a:t>
           </a:r>
           <a:r>
-            <a:rPr lang="fr-FR" sz="1100" kern="1200" noProof="0" dirty="0" err="1"/>
+            <a:rPr lang="fr-FR" sz="1200" kern="1200" noProof="0" dirty="0" err="1"/>
             <a:t>dolor</a:t>
           </a:r>
           <a:r>
-            <a:rPr lang="fr-FR" sz="1100" kern="1200" noProof="0" dirty="0"/>
+            <a:rPr lang="fr-FR" sz="1200" kern="1200" noProof="0" dirty="0"/>
             <a:t> </a:t>
           </a:r>
           <a:r>
-            <a:rPr lang="fr-FR" sz="1100" kern="1200" noProof="0" dirty="0" err="1"/>
+            <a:rPr lang="fr-FR" sz="1200" kern="1200" noProof="0" dirty="0" err="1"/>
             <a:t>sit</a:t>
           </a:r>
           <a:r>
-            <a:rPr lang="fr-FR" sz="1100" kern="1200" noProof="0" dirty="0"/>
+            <a:rPr lang="fr-FR" sz="1200" kern="1200" noProof="0" dirty="0"/>
             <a:t> </a:t>
           </a:r>
           <a:r>
-            <a:rPr lang="fr-FR" sz="1100" kern="1200" noProof="0" dirty="0" err="1"/>
+            <a:rPr lang="fr-FR" sz="1200" kern="1200" noProof="0" dirty="0" err="1"/>
             <a:t>amet</a:t>
           </a:r>
-          <a:endParaRPr lang="fr-FR" sz="1100" kern="1200" noProof="0" dirty="0"/>
+          <a:endParaRPr lang="fr-FR" sz="1200" kern="1200" noProof="0" dirty="0"/>
         </a:p>
       </dsp:txBody>
       <dsp:txXfrm>
-        <a:off x="2514599" y="2533416"/>
-        <a:ext cx="2514600" cy="1192195"/>
+        <a:off x="2514510" y="2533190"/>
+        <a:ext cx="2514510" cy="1192089"/>
       </dsp:txXfrm>
     </dsp:sp>
     <dsp:sp modelId="{1E3B17F3-BEE3-4918-AC1A-690DF45EE902}">
@@ -2135,8 +2144,8 @@
       </dsp:nvSpPr>
       <dsp:spPr>
         <a:xfrm>
-          <a:off x="4677156" y="1862806"/>
-          <a:ext cx="704087" cy="0"/>
+          <a:off x="4676988" y="1862640"/>
+          <a:ext cx="704062" cy="0"/>
         </a:xfrm>
         <a:custGeom>
           <a:avLst/>
@@ -2150,7 +2159,7 @@
                 <a:pt x="0" y="0"/>
               </a:moveTo>
               <a:lnTo>
-                <a:pt x="704087" y="0"/>
+                <a:pt x="704062" y="0"/>
               </a:lnTo>
             </a:path>
           </a:pathLst>
@@ -2190,8 +2199,8 @@
       </dsp:nvSpPr>
       <dsp:spPr>
         <a:xfrm>
-          <a:off x="3771899" y="2086342"/>
-          <a:ext cx="0" cy="372561"/>
+          <a:off x="3771764" y="2086156"/>
+          <a:ext cx="0" cy="372528"/>
         </a:xfrm>
         <a:prstGeom prst="line">
           <a:avLst/>
@@ -2231,8 +2240,8 @@
       </dsp:nvSpPr>
       <dsp:spPr>
         <a:xfrm>
-          <a:off x="3734643" y="2458903"/>
-          <a:ext cx="74512" cy="74512"/>
+          <a:off x="3734512" y="2458684"/>
+          <a:ext cx="74505" cy="74505"/>
         </a:xfrm>
         <a:prstGeom prst="rect">
           <a:avLst/>
@@ -2287,8 +2296,8 @@
       </dsp:nvSpPr>
       <dsp:spPr>
         <a:xfrm>
-          <a:off x="5381243" y="1639269"/>
-          <a:ext cx="1810512" cy="447073"/>
+          <a:off x="5381051" y="1639123"/>
+          <a:ext cx="1810447" cy="447033"/>
         </a:xfrm>
         <a:prstGeom prst="hexagon">
           <a:avLst>
@@ -2339,12 +2348,12 @@
         </a:fontRef>
       </dsp:style>
       <dsp:txBody>
-        <a:bodyPr spcFirstLastPara="0" vert="horz" wrap="square" lIns="83820" tIns="83820" rIns="83820" bIns="83820" numCol="1" spcCol="1270" rtlCol="0" anchor="ctr" anchorCtr="0">
+        <a:bodyPr spcFirstLastPara="0" vert="horz" wrap="square" lIns="91440" tIns="91440" rIns="91440" bIns="91440" numCol="1" spcCol="1270" rtlCol="0" anchor="ctr" anchorCtr="0">
           <a:noAutofit/>
         </a:bodyPr>
         <a:lstStyle/>
         <a:p>
-          <a:pPr marL="0" lvl="0" indent="0" algn="ctr" defTabSz="488950" rtl="0">
+          <a:pPr marL="0" lvl="0" indent="0" algn="ctr" defTabSz="533400" rtl="0">
             <a:lnSpc>
               <a:spcPct val="90000"/>
             </a:lnSpc>
@@ -2357,14 +2366,14 @@
             <a:buNone/>
           </a:pPr>
           <a:r>
-            <a:rPr lang="fr-FR" sz="1100" kern="1200" noProof="0" dirty="0"/>
+            <a:rPr lang="fr-FR" sz="1200" kern="1200" noProof="0" dirty="0"/>
             <a:t>2017</a:t>
           </a:r>
         </a:p>
       </dsp:txBody>
       <dsp:txXfrm>
-        <a:off x="5591729" y="1691245"/>
-        <a:ext cx="1389540" cy="343121"/>
+        <a:off x="5591526" y="1691093"/>
+        <a:ext cx="1389497" cy="343093"/>
       </dsp:txXfrm>
     </dsp:sp>
     <dsp:sp modelId="{DEDEAEC8-775B-4A0E-BDF8-C0B5BC0821DF}">
@@ -2374,8 +2383,8 @@
       </dsp:nvSpPr>
       <dsp:spPr>
         <a:xfrm>
-          <a:off x="5029199" y="0"/>
-          <a:ext cx="2514600" cy="1192195"/>
+          <a:off x="5029020" y="0"/>
+          <a:ext cx="2514510" cy="1192089"/>
         </a:xfrm>
         <a:prstGeom prst="rect">
           <a:avLst/>
@@ -2399,12 +2408,12 @@
         <a:fontRef idx="minor"/>
       </dsp:style>
       <dsp:txBody>
-        <a:bodyPr spcFirstLastPara="0" vert="horz" wrap="square" lIns="0" tIns="97790" rIns="0" bIns="97790" numCol="1" spcCol="1270" rtlCol="0" anchor="b" anchorCtr="1">
+        <a:bodyPr spcFirstLastPara="0" vert="horz" wrap="square" lIns="0" tIns="106680" rIns="0" bIns="106680" numCol="1" spcCol="1270" rtlCol="0" anchor="b" anchorCtr="1">
           <a:noAutofit/>
         </a:bodyPr>
         <a:lstStyle/>
         <a:p>
-          <a:pPr marL="0" lvl="0" indent="0" algn="ctr" defTabSz="488950" rtl="0">
+          <a:pPr marL="0" lvl="0" indent="0" algn="ctr" defTabSz="533400" rtl="0">
             <a:lnSpc>
               <a:spcPct val="90000"/>
             </a:lnSpc>
@@ -2417,47 +2426,47 @@
             <a:buNone/>
           </a:pPr>
           <a:r>
-            <a:rPr lang="fr-FR" sz="1100" kern="1200" noProof="0" dirty="0" err="1"/>
+            <a:rPr lang="fr-FR" sz="1200" kern="1200" noProof="0" dirty="0" err="1"/>
             <a:t>Lorem</a:t>
           </a:r>
           <a:r>
-            <a:rPr lang="fr-FR" sz="1100" kern="1200" noProof="0" dirty="0"/>
+            <a:rPr lang="fr-FR" sz="1200" kern="1200" noProof="0" dirty="0"/>
             <a:t> </a:t>
           </a:r>
           <a:r>
-            <a:rPr lang="fr-FR" sz="1100" kern="1200" noProof="0" dirty="0" err="1"/>
+            <a:rPr lang="fr-FR" sz="1200" kern="1200" noProof="0" dirty="0" err="1"/>
             <a:t>ipsum</a:t>
           </a:r>
           <a:r>
-            <a:rPr lang="fr-FR" sz="1100" kern="1200" noProof="0" dirty="0"/>
+            <a:rPr lang="fr-FR" sz="1200" kern="1200" noProof="0" dirty="0"/>
             <a:t> </a:t>
           </a:r>
           <a:r>
-            <a:rPr lang="fr-FR" sz="1100" kern="1200" noProof="0" dirty="0" err="1"/>
+            <a:rPr lang="fr-FR" sz="1200" kern="1200" noProof="0" dirty="0" err="1"/>
             <a:t>dolor</a:t>
           </a:r>
           <a:r>
-            <a:rPr lang="fr-FR" sz="1100" kern="1200" noProof="0" dirty="0"/>
+            <a:rPr lang="fr-FR" sz="1200" kern="1200" noProof="0" dirty="0"/>
             <a:t> </a:t>
           </a:r>
           <a:r>
-            <a:rPr lang="fr-FR" sz="1100" kern="1200" noProof="0" dirty="0" err="1"/>
+            <a:rPr lang="fr-FR" sz="1200" kern="1200" noProof="0" dirty="0" err="1"/>
             <a:t>sit</a:t>
           </a:r>
           <a:r>
-            <a:rPr lang="fr-FR" sz="1100" kern="1200" noProof="0" dirty="0"/>
+            <a:rPr lang="fr-FR" sz="1200" kern="1200" noProof="0" dirty="0"/>
             <a:t> </a:t>
           </a:r>
           <a:r>
-            <a:rPr lang="fr-FR" sz="1100" kern="1200" noProof="0" dirty="0" err="1"/>
+            <a:rPr lang="fr-FR" sz="1200" kern="1200" noProof="0" dirty="0" err="1"/>
             <a:t>amet</a:t>
           </a:r>
-          <a:endParaRPr lang="fr-FR" sz="1100" kern="1200" noProof="0" dirty="0"/>
+          <a:endParaRPr lang="fr-FR" sz="1200" kern="1200" noProof="0" dirty="0"/>
         </a:p>
       </dsp:txBody>
       <dsp:txXfrm>
-        <a:off x="5029199" y="0"/>
-        <a:ext cx="2514600" cy="1192195"/>
+        <a:off x="5029020" y="0"/>
+        <a:ext cx="2514510" cy="1192089"/>
       </dsp:txXfrm>
     </dsp:sp>
     <dsp:sp modelId="{601495B8-8CCC-4CA7-9BCE-B7441480B866}">
@@ -2467,8 +2476,8 @@
       </dsp:nvSpPr>
       <dsp:spPr>
         <a:xfrm>
-          <a:off x="7191756" y="1862806"/>
-          <a:ext cx="704087" cy="0"/>
+          <a:off x="7191498" y="1862640"/>
+          <a:ext cx="704062" cy="0"/>
         </a:xfrm>
         <a:custGeom>
           <a:avLst/>
@@ -2482,7 +2491,7 @@
                 <a:pt x="0" y="0"/>
               </a:moveTo>
               <a:lnTo>
-                <a:pt x="704087" y="0"/>
+                <a:pt x="704062" y="0"/>
               </a:lnTo>
             </a:path>
           </a:pathLst>
@@ -2522,8 +2531,8 @@
       </dsp:nvSpPr>
       <dsp:spPr>
         <a:xfrm>
-          <a:off x="6286499" y="1266708"/>
-          <a:ext cx="0" cy="372561"/>
+          <a:off x="6286275" y="1266595"/>
+          <a:ext cx="0" cy="372528"/>
         </a:xfrm>
         <a:prstGeom prst="line">
           <a:avLst/>
@@ -2563,8 +2572,8 @@
       </dsp:nvSpPr>
       <dsp:spPr>
         <a:xfrm>
-          <a:off x="6249243" y="1192195"/>
-          <a:ext cx="74512" cy="74512"/>
+          <a:off x="6249022" y="1192089"/>
+          <a:ext cx="74505" cy="74505"/>
         </a:xfrm>
         <a:prstGeom prst="rect">
           <a:avLst/>
@@ -2619,8 +2628,8 @@
       </dsp:nvSpPr>
       <dsp:spPr>
         <a:xfrm rot="10800000">
-          <a:off x="7895844" y="1639269"/>
-          <a:ext cx="1810512" cy="447073"/>
+          <a:off x="7895561" y="1639123"/>
+          <a:ext cx="1810447" cy="447033"/>
         </a:xfrm>
         <a:prstGeom prst="homePlate">
           <a:avLst>
@@ -2670,12 +2679,12 @@
         </a:fontRef>
       </dsp:style>
       <dsp:txBody>
-        <a:bodyPr spcFirstLastPara="0" vert="horz" wrap="square" lIns="83820" tIns="83820" rIns="83820" bIns="83820" numCol="1" spcCol="1270" rtlCol="0" anchor="ctr" anchorCtr="0">
+        <a:bodyPr spcFirstLastPara="0" vert="horz" wrap="square" lIns="91440" tIns="91440" rIns="91440" bIns="91440" numCol="1" spcCol="1270" rtlCol="0" anchor="ctr" anchorCtr="0">
           <a:noAutofit/>
         </a:bodyPr>
         <a:lstStyle/>
         <a:p>
-          <a:pPr marL="0" lvl="0" indent="0" algn="ctr" defTabSz="488950" rtl="0">
+          <a:pPr marL="0" lvl="0" indent="0" algn="ctr" defTabSz="533400" rtl="0">
             <a:lnSpc>
               <a:spcPct val="90000"/>
             </a:lnSpc>
@@ -2688,14 +2697,14 @@
             <a:buNone/>
           </a:pPr>
           <a:r>
-            <a:rPr lang="fr-FR" sz="1100" kern="1200" noProof="0" dirty="0"/>
+            <a:rPr lang="fr-FR" sz="1200" kern="1200" noProof="0" dirty="0"/>
             <a:t>2018</a:t>
           </a:r>
         </a:p>
       </dsp:txBody>
       <dsp:txXfrm rot="10800000">
-        <a:off x="7985259" y="1639269"/>
-        <a:ext cx="1721097" cy="447073"/>
+        <a:off x="7984968" y="1639123"/>
+        <a:ext cx="1721040" cy="447033"/>
       </dsp:txXfrm>
     </dsp:sp>
     <dsp:sp modelId="{BFDCC47A-3FE9-44B5-9256-8406C22486BA}">
@@ -2705,8 +2714,8 @@
       </dsp:nvSpPr>
       <dsp:spPr>
         <a:xfrm>
-          <a:off x="7543800" y="2533416"/>
-          <a:ext cx="2514600" cy="1192195"/>
+          <a:off x="7543530" y="2533190"/>
+          <a:ext cx="2514510" cy="1192089"/>
         </a:xfrm>
         <a:prstGeom prst="rect">
           <a:avLst/>
@@ -2730,12 +2739,12 @@
         <a:fontRef idx="minor"/>
       </dsp:style>
       <dsp:txBody>
-        <a:bodyPr spcFirstLastPara="0" vert="horz" wrap="square" lIns="0" tIns="97790" rIns="0" bIns="97790" numCol="1" spcCol="1270" rtlCol="0" anchor="t" anchorCtr="1">
+        <a:bodyPr spcFirstLastPara="0" vert="horz" wrap="square" lIns="0" tIns="106680" rIns="0" bIns="106680" numCol="1" spcCol="1270" rtlCol="0" anchor="t" anchorCtr="1">
           <a:noAutofit/>
         </a:bodyPr>
         <a:lstStyle/>
         <a:p>
-          <a:pPr marL="0" lvl="0" indent="0" algn="ctr" defTabSz="488950" rtl="0">
+          <a:pPr marL="0" lvl="0" indent="0" algn="ctr" defTabSz="533400" rtl="0">
             <a:lnSpc>
               <a:spcPct val="90000"/>
             </a:lnSpc>
@@ -2748,47 +2757,47 @@
             <a:buNone/>
           </a:pPr>
           <a:r>
-            <a:rPr lang="fr-FR" sz="1100" kern="1200" noProof="0" dirty="0" err="1"/>
+            <a:rPr lang="fr-FR" sz="1200" kern="1200" noProof="0" dirty="0" err="1"/>
             <a:t>Lorem</a:t>
           </a:r>
           <a:r>
-            <a:rPr lang="fr-FR" sz="1100" kern="1200" noProof="0" dirty="0"/>
+            <a:rPr lang="fr-FR" sz="1200" kern="1200" noProof="0" dirty="0"/>
             <a:t> </a:t>
           </a:r>
           <a:r>
-            <a:rPr lang="fr-FR" sz="1100" kern="1200" noProof="0" dirty="0" err="1"/>
+            <a:rPr lang="fr-FR" sz="1200" kern="1200" noProof="0" dirty="0" err="1"/>
             <a:t>ipsum</a:t>
           </a:r>
           <a:r>
-            <a:rPr lang="fr-FR" sz="1100" kern="1200" noProof="0" dirty="0"/>
+            <a:rPr lang="fr-FR" sz="1200" kern="1200" noProof="0" dirty="0"/>
             <a:t> </a:t>
           </a:r>
           <a:r>
-            <a:rPr lang="fr-FR" sz="1100" kern="1200" noProof="0" dirty="0" err="1"/>
+            <a:rPr lang="fr-FR" sz="1200" kern="1200" noProof="0" dirty="0" err="1"/>
             <a:t>dolor</a:t>
           </a:r>
           <a:r>
-            <a:rPr lang="fr-FR" sz="1100" kern="1200" noProof="0" dirty="0"/>
+            <a:rPr lang="fr-FR" sz="1200" kern="1200" noProof="0" dirty="0"/>
             <a:t> </a:t>
           </a:r>
           <a:r>
-            <a:rPr lang="fr-FR" sz="1100" kern="1200" noProof="0" dirty="0" err="1"/>
+            <a:rPr lang="fr-FR" sz="1200" kern="1200" noProof="0" dirty="0" err="1"/>
             <a:t>sit</a:t>
           </a:r>
           <a:r>
-            <a:rPr lang="fr-FR" sz="1100" kern="1200" noProof="0" dirty="0"/>
+            <a:rPr lang="fr-FR" sz="1200" kern="1200" noProof="0" dirty="0"/>
             <a:t> </a:t>
           </a:r>
           <a:r>
-            <a:rPr lang="fr-FR" sz="1100" kern="1200" noProof="0" dirty="0" err="1"/>
+            <a:rPr lang="fr-FR" sz="1200" kern="1200" noProof="0" dirty="0" err="1"/>
             <a:t>amet</a:t>
           </a:r>
-          <a:endParaRPr lang="fr-FR" sz="1100" kern="1200" noProof="0" dirty="0"/>
+          <a:endParaRPr lang="fr-FR" sz="1200" kern="1200" noProof="0" dirty="0"/>
         </a:p>
       </dsp:txBody>
       <dsp:txXfrm>
-        <a:off x="7543800" y="2533416"/>
-        <a:ext cx="2514600" cy="1192195"/>
+        <a:off x="7543530" y="2533190"/>
+        <a:ext cx="2514510" cy="1192089"/>
       </dsp:txXfrm>
     </dsp:sp>
     <dsp:sp modelId="{DF12EC0F-ABC1-486B-A916-C06438CBEF0F}">
@@ -2798,8 +2807,8 @@
       </dsp:nvSpPr>
       <dsp:spPr>
         <a:xfrm>
-          <a:off x="8801100" y="2086342"/>
-          <a:ext cx="0" cy="372561"/>
+          <a:off x="8800785" y="2086156"/>
+          <a:ext cx="0" cy="372528"/>
         </a:xfrm>
         <a:prstGeom prst="line">
           <a:avLst/>
@@ -2839,8 +2848,8 @@
       </dsp:nvSpPr>
       <dsp:spPr>
         <a:xfrm>
-          <a:off x="8763843" y="2458903"/>
-          <a:ext cx="74512" cy="74512"/>
+          <a:off x="8763532" y="2458684"/>
+          <a:ext cx="74505" cy="74505"/>
         </a:xfrm>
         <a:prstGeom prst="rect">
           <a:avLst/>
@@ -4829,7 +4838,7 @@
         <p:spPr>
           <a:xfrm>
             <a:off x="685800" y="1143000"/>
-            <a:ext cx="5486040" cy="3085920"/>
+            <a:ext cx="5486400" cy="3086100"/>
           </a:xfrm>
           <a:prstGeom prst="rect">
             <a:avLst/>
@@ -4940,6 +4949,643 @@
         </p:txBody>
       </p:sp>
     </p:spTree>
+  </p:cSld>
+  <p:clrMapOvr>
+    <a:masterClrMapping/>
+  </p:clrMapOvr>
+</p:notes>
+</file>
+
+<file path=ppt/notesSlides/notesSlide3.xml><?xml version="1.0" encoding="utf-8"?>
+<p:notes xmlns:a="http://schemas.openxmlformats.org/drawingml/2006/main" xmlns:r="http://schemas.openxmlformats.org/officeDocument/2006/relationships" xmlns:p="http://schemas.openxmlformats.org/presentationml/2006/main">
+  <p:cSld>
+    <p:spTree>
+      <p:nvGrpSpPr>
+        <p:cNvPr id="1" name=""/>
+        <p:cNvGrpSpPr/>
+        <p:nvPr/>
+      </p:nvGrpSpPr>
+      <p:grpSpPr>
+        <a:xfrm>
+          <a:off x="0" y="0"/>
+          <a:ext cx="0" cy="0"/>
+          <a:chOff x="0" y="0"/>
+          <a:chExt cx="0" cy="0"/>
+        </a:xfrm>
+      </p:grpSpPr>
+      <p:sp>
+        <p:nvSpPr>
+          <p:cNvPr id="2" name="Espace réservé de l'image des diapositives 1"/>
+          <p:cNvSpPr>
+            <a:spLocks noGrp="1" noRot="1" noChangeAspect="1"/>
+          </p:cNvSpPr>
+          <p:nvPr>
+            <p:ph type="sldImg"/>
+          </p:nvPr>
+        </p:nvSpPr>
+        <p:spPr>
+          <a:xfrm>
+            <a:off x="217488" y="812800"/>
+            <a:ext cx="7124700" cy="4008438"/>
+          </a:xfrm>
+        </p:spPr>
+      </p:sp>
+      <p:sp>
+        <p:nvSpPr>
+          <p:cNvPr id="3" name="Espace réservé des notes 2"/>
+          <p:cNvSpPr>
+            <a:spLocks noGrp="1"/>
+          </p:cNvSpPr>
+          <p:nvPr>
+            <p:ph type="body" idx="1"/>
+          </p:nvPr>
+        </p:nvSpPr>
+        <p:spPr/>
+        <p:txBody>
+          <a:bodyPr/>
+          <a:lstStyle/>
+          <a:p>
+            <a:r>
+              <a:rPr lang="fr-FR" dirty="0"/>
+              <a:t>Inconvénients: </a:t>
+            </a:r>
+          </a:p>
+          <a:p>
+            <a:r>
+              <a:rPr lang="fr-FR" dirty="0"/>
+              <a:t>scrap : plus complexe, chgt de structure des sites web, nécessite plusieurs scripts (1 par site?)</a:t>
+            </a:r>
+          </a:p>
+          <a:p>
+            <a:r>
+              <a:rPr lang="fr-FR" dirty="0"/>
+              <a:t>Blockchain: une par monnaies donc multiplication des scripts aussi</a:t>
+            </a:r>
+          </a:p>
+          <a:p>
+            <a:r>
+              <a:rPr lang="fr-FR" dirty="0"/>
+              <a:t>BDD: solution clé en main mais pas de contrôle sur le format et les données</a:t>
+            </a:r>
+          </a:p>
+          <a:p>
+            <a:pPr marL="0" marR="0" lvl="0" indent="0" algn="l" defTabSz="914400" rtl="0" eaLnBrk="1" fontAlgn="auto" latinLnBrk="0" hangingPunct="1">
+              <a:lnSpc>
+                <a:spcPct val="100000"/>
+              </a:lnSpc>
+              <a:spcBef>
+                <a:spcPts val="0"/>
+              </a:spcBef>
+              <a:spcAft>
+                <a:spcPts val="0"/>
+              </a:spcAft>
+              <a:buClrTx/>
+              <a:buSzTx/>
+              <a:buFontTx/>
+              <a:buNone/>
+              <a:tabLst/>
+              <a:defRPr/>
+            </a:pPr>
+            <a:r>
+              <a:rPr lang="fr-FR" dirty="0"/>
+              <a:t>Réseau ou forum : plus utiles pour récolter un sentiment que des données brutes</a:t>
+            </a:r>
+          </a:p>
+          <a:p>
+            <a:pPr marL="0" marR="0" lvl="0" indent="0" algn="l" defTabSz="914400" rtl="0" eaLnBrk="1" fontAlgn="auto" latinLnBrk="0" hangingPunct="1">
+              <a:lnSpc>
+                <a:spcPct val="100000"/>
+              </a:lnSpc>
+              <a:spcBef>
+                <a:spcPts val="0"/>
+              </a:spcBef>
+              <a:spcAft>
+                <a:spcPts val="0"/>
+              </a:spcAft>
+              <a:buClrTx/>
+              <a:buSzTx/>
+              <a:buFontTx/>
+              <a:buNone/>
+              <a:tabLst/>
+              <a:defRPr/>
+            </a:pPr>
+            <a:endParaRPr lang="fr-FR" dirty="0"/>
+          </a:p>
+          <a:p>
+            <a:pPr marL="0" marR="0" lvl="0" indent="0" algn="l" defTabSz="914400" rtl="0" eaLnBrk="1" fontAlgn="auto" latinLnBrk="0" hangingPunct="1">
+              <a:lnSpc>
+                <a:spcPct val="100000"/>
+              </a:lnSpc>
+              <a:spcBef>
+                <a:spcPts val="0"/>
+              </a:spcBef>
+              <a:spcAft>
+                <a:spcPts val="0"/>
+              </a:spcAft>
+              <a:buClrTx/>
+              <a:buSzTx/>
+              <a:buFontTx/>
+              <a:buNone/>
+              <a:tabLst/>
+              <a:defRPr/>
+            </a:pPr>
+            <a:r>
+              <a:rPr lang="fr-FR" dirty="0"/>
+              <a:t>Avantages Binance: langages supporté : </a:t>
+            </a:r>
+            <a:r>
+              <a:rPr lang="fr-FR" b="0" i="0" dirty="0">
+                <a:solidFill>
+                  <a:srgbClr val="D1D5DB"/>
+                </a:solidFill>
+                <a:effectLst/>
+                <a:latin typeface="Söhne"/>
+              </a:rPr>
+              <a:t>Python, JavaScript, Java, C# et autres</a:t>
+            </a:r>
+          </a:p>
+          <a:p>
+            <a:pPr marL="0" marR="0" lvl="0" indent="0" algn="l" defTabSz="914400" rtl="0" eaLnBrk="1" fontAlgn="auto" latinLnBrk="0" hangingPunct="1">
+              <a:lnSpc>
+                <a:spcPct val="100000"/>
+              </a:lnSpc>
+              <a:spcBef>
+                <a:spcPts val="0"/>
+              </a:spcBef>
+              <a:spcAft>
+                <a:spcPts val="0"/>
+              </a:spcAft>
+              <a:buClrTx/>
+              <a:buSzTx/>
+              <a:buFontTx/>
+              <a:buNone/>
+              <a:tabLst/>
+              <a:defRPr/>
+            </a:pPr>
+            <a:r>
+              <a:rPr lang="fr-FR" b="0" i="0" dirty="0">
+                <a:solidFill>
+                  <a:srgbClr val="D1D5DB"/>
+                </a:solidFill>
+                <a:effectLst/>
+                <a:latin typeface="Söhne"/>
+              </a:rPr>
+              <a:t>Doc: exemples de code et des guides pour intégrer l'API dans les applications</a:t>
+            </a:r>
+          </a:p>
+          <a:p>
+            <a:pPr marL="0" marR="0" lvl="0" indent="0" algn="l" defTabSz="914400" rtl="0" eaLnBrk="1" fontAlgn="auto" latinLnBrk="0" hangingPunct="1">
+              <a:lnSpc>
+                <a:spcPct val="100000"/>
+              </a:lnSpc>
+              <a:spcBef>
+                <a:spcPts val="0"/>
+              </a:spcBef>
+              <a:spcAft>
+                <a:spcPts val="0"/>
+              </a:spcAft>
+              <a:buClrTx/>
+              <a:buSzTx/>
+              <a:buFontTx/>
+              <a:buNone/>
+              <a:tabLst/>
+              <a:defRPr/>
+            </a:pPr>
+            <a:r>
+              <a:rPr lang="fr-FR" b="0" i="0" dirty="0">
+                <a:solidFill>
+                  <a:srgbClr val="D1D5DB"/>
+                </a:solidFill>
+                <a:effectLst/>
+                <a:latin typeface="Söhne"/>
+              </a:rPr>
+              <a:t>Volume: gros volumes = bcp de datas</a:t>
+            </a:r>
+            <a:endParaRPr lang="fr-FR" dirty="0"/>
+          </a:p>
+          <a:p>
+            <a:endParaRPr lang="fr-FR" dirty="0"/>
+          </a:p>
+        </p:txBody>
+      </p:sp>
+      <p:sp>
+        <p:nvSpPr>
+          <p:cNvPr id="4" name="Espace réservé du numéro de diapositive 3"/>
+          <p:cNvSpPr>
+            <a:spLocks noGrp="1"/>
+          </p:cNvSpPr>
+          <p:nvPr>
+            <p:ph type="sldNum" sz="quarter" idx="5"/>
+          </p:nvPr>
+        </p:nvSpPr>
+        <p:spPr/>
+        <p:txBody>
+          <a:bodyPr/>
+          <a:lstStyle/>
+          <a:p>
+            <a:pPr marL="0" marR="0" lvl="0" indent="0" algn="r" defTabSz="914400" rtl="0" eaLnBrk="1" fontAlgn="auto" latinLnBrk="0" hangingPunct="1">
+              <a:lnSpc>
+                <a:spcPct val="100000"/>
+              </a:lnSpc>
+              <a:spcBef>
+                <a:spcPts val="0"/>
+              </a:spcBef>
+              <a:spcAft>
+                <a:spcPts val="0"/>
+              </a:spcAft>
+              <a:buClrTx/>
+              <a:buSzTx/>
+              <a:buFontTx/>
+              <a:buNone/>
+              <a:tabLst/>
+              <a:defRPr/>
+            </a:pPr>
+            <a:fld id="{FC506EC4-24F6-4D00-BF5E-EA6796A76C61}" type="slidenum">
+              <a:rPr kumimoji="0" lang="fr-FR" sz="1200" b="0" i="0" u="none" strike="noStrike" kern="1200" cap="none" spc="0" normalizeH="0" baseline="0" noProof="0" smtClean="0">
+                <a:ln>
+                  <a:noFill/>
+                </a:ln>
+                <a:solidFill>
+                  <a:prstClr val="black"/>
+                </a:solidFill>
+                <a:effectLst/>
+                <a:uLnTx/>
+                <a:uFillTx/>
+                <a:latin typeface="Calibri" panose="020F0502020204030204"/>
+                <a:ea typeface="+mn-ea"/>
+                <a:cs typeface="+mn-cs"/>
+              </a:rPr>
+              <a:pPr marL="0" marR="0" lvl="0" indent="0" algn="r" defTabSz="914400" rtl="0" eaLnBrk="1" fontAlgn="auto" latinLnBrk="0" hangingPunct="1">
+                <a:lnSpc>
+                  <a:spcPct val="100000"/>
+                </a:lnSpc>
+                <a:spcBef>
+                  <a:spcPts val="0"/>
+                </a:spcBef>
+                <a:spcAft>
+                  <a:spcPts val="0"/>
+                </a:spcAft>
+                <a:buClrTx/>
+                <a:buSzTx/>
+                <a:buFontTx/>
+                <a:buNone/>
+                <a:tabLst/>
+                <a:defRPr/>
+              </a:pPr>
+              <a:t>9</a:t>
+            </a:fld>
+            <a:endParaRPr kumimoji="0" lang="fr-FR" sz="1200" b="0" i="0" u="none" strike="noStrike" kern="1200" cap="none" spc="0" normalizeH="0" baseline="0" noProof="0" dirty="0">
+              <a:ln>
+                <a:noFill/>
+              </a:ln>
+              <a:solidFill>
+                <a:prstClr val="black"/>
+              </a:solidFill>
+              <a:effectLst/>
+              <a:uLnTx/>
+              <a:uFillTx/>
+              <a:latin typeface="Calibri" panose="020F0502020204030204"/>
+              <a:ea typeface="+mn-ea"/>
+              <a:cs typeface="+mn-cs"/>
+            </a:endParaRPr>
+          </a:p>
+        </p:txBody>
+      </p:sp>
+    </p:spTree>
+    <p:extLst>
+      <p:ext uri="{BB962C8B-B14F-4D97-AF65-F5344CB8AC3E}">
+        <p14:creationId xmlns:p14="http://schemas.microsoft.com/office/powerpoint/2010/main" val="3964761539"/>
+      </p:ext>
+    </p:extLst>
+  </p:cSld>
+  <p:clrMapOvr>
+    <a:masterClrMapping/>
+  </p:clrMapOvr>
+</p:notes>
+</file>
+
+<file path=ppt/notesSlides/notesSlide4.xml><?xml version="1.0" encoding="utf-8"?>
+<p:notes xmlns:a="http://schemas.openxmlformats.org/drawingml/2006/main" xmlns:r="http://schemas.openxmlformats.org/officeDocument/2006/relationships" xmlns:p="http://schemas.openxmlformats.org/presentationml/2006/main">
+  <p:cSld>
+    <p:spTree>
+      <p:nvGrpSpPr>
+        <p:cNvPr id="1" name=""/>
+        <p:cNvGrpSpPr/>
+        <p:nvPr/>
+      </p:nvGrpSpPr>
+      <p:grpSpPr>
+        <a:xfrm>
+          <a:off x="0" y="0"/>
+          <a:ext cx="0" cy="0"/>
+          <a:chOff x="0" y="0"/>
+          <a:chExt cx="0" cy="0"/>
+        </a:xfrm>
+      </p:grpSpPr>
+      <p:sp>
+        <p:nvSpPr>
+          <p:cNvPr id="2" name="Espace réservé de l'image des diapositives 1"/>
+          <p:cNvSpPr>
+            <a:spLocks noGrp="1" noRot="1" noChangeAspect="1"/>
+          </p:cNvSpPr>
+          <p:nvPr>
+            <p:ph type="sldImg"/>
+          </p:nvPr>
+        </p:nvSpPr>
+        <p:spPr>
+          <a:xfrm>
+            <a:off x="217488" y="812800"/>
+            <a:ext cx="7124700" cy="4008438"/>
+          </a:xfrm>
+        </p:spPr>
+      </p:sp>
+      <p:sp>
+        <p:nvSpPr>
+          <p:cNvPr id="3" name="Espace réservé des notes 2"/>
+          <p:cNvSpPr>
+            <a:spLocks noGrp="1"/>
+          </p:cNvSpPr>
+          <p:nvPr>
+            <p:ph type="body" idx="1"/>
+          </p:nvPr>
+        </p:nvSpPr>
+        <p:spPr/>
+        <p:txBody>
+          <a:bodyPr/>
+          <a:lstStyle/>
+          <a:p>
+            <a:r>
+              <a:rPr lang="fr-FR" dirty="0"/>
+              <a:t>Librairie </a:t>
+            </a:r>
+            <a:r>
+              <a:rPr lang="fr-FR" dirty="0" err="1"/>
+              <a:t>binance</a:t>
+            </a:r>
+            <a:r>
+              <a:rPr lang="fr-FR" dirty="0"/>
+              <a:t>: initialisation du client, récupération des différents </a:t>
+            </a:r>
+            <a:r>
+              <a:rPr lang="fr-FR" dirty="0" err="1"/>
+              <a:t>tickers</a:t>
+            </a:r>
+            <a:r>
+              <a:rPr lang="fr-FR" dirty="0"/>
+              <a:t>, détermination du type de donnée, de la durée </a:t>
+            </a:r>
+            <a:r>
+              <a:rPr lang="fr-FR" dirty="0" err="1"/>
+              <a:t>etc</a:t>
+            </a:r>
+            <a:endParaRPr lang="fr-FR" dirty="0"/>
+          </a:p>
+        </p:txBody>
+      </p:sp>
+      <p:sp>
+        <p:nvSpPr>
+          <p:cNvPr id="4" name="Espace réservé du numéro de diapositive 3"/>
+          <p:cNvSpPr>
+            <a:spLocks noGrp="1"/>
+          </p:cNvSpPr>
+          <p:nvPr>
+            <p:ph type="sldNum" sz="quarter" idx="5"/>
+          </p:nvPr>
+        </p:nvSpPr>
+        <p:spPr/>
+        <p:txBody>
+          <a:bodyPr/>
+          <a:lstStyle/>
+          <a:p>
+            <a:pPr marL="0" marR="0" lvl="0" indent="0" algn="r" defTabSz="914400" rtl="0" eaLnBrk="1" fontAlgn="auto" latinLnBrk="0" hangingPunct="1">
+              <a:lnSpc>
+                <a:spcPct val="100000"/>
+              </a:lnSpc>
+              <a:spcBef>
+                <a:spcPts val="0"/>
+              </a:spcBef>
+              <a:spcAft>
+                <a:spcPts val="0"/>
+              </a:spcAft>
+              <a:buClrTx/>
+              <a:buSzTx/>
+              <a:buFontTx/>
+              <a:buNone/>
+              <a:tabLst/>
+              <a:defRPr/>
+            </a:pPr>
+            <a:fld id="{FC506EC4-24F6-4D00-BF5E-EA6796A76C61}" type="slidenum">
+              <a:rPr kumimoji="0" lang="fr-FR" sz="1200" b="0" i="0" u="none" strike="noStrike" kern="1200" cap="none" spc="0" normalizeH="0" baseline="0" noProof="0" smtClean="0">
+                <a:ln>
+                  <a:noFill/>
+                </a:ln>
+                <a:solidFill>
+                  <a:prstClr val="black"/>
+                </a:solidFill>
+                <a:effectLst/>
+                <a:uLnTx/>
+                <a:uFillTx/>
+                <a:latin typeface="Calibri" panose="020F0502020204030204"/>
+                <a:ea typeface="+mn-ea"/>
+                <a:cs typeface="+mn-cs"/>
+              </a:rPr>
+              <a:pPr marL="0" marR="0" lvl="0" indent="0" algn="r" defTabSz="914400" rtl="0" eaLnBrk="1" fontAlgn="auto" latinLnBrk="0" hangingPunct="1">
+                <a:lnSpc>
+                  <a:spcPct val="100000"/>
+                </a:lnSpc>
+                <a:spcBef>
+                  <a:spcPts val="0"/>
+                </a:spcBef>
+                <a:spcAft>
+                  <a:spcPts val="0"/>
+                </a:spcAft>
+                <a:buClrTx/>
+                <a:buSzTx/>
+                <a:buFontTx/>
+                <a:buNone/>
+                <a:tabLst/>
+                <a:defRPr/>
+              </a:pPr>
+              <a:t>11</a:t>
+            </a:fld>
+            <a:endParaRPr kumimoji="0" lang="fr-FR" sz="1200" b="0" i="0" u="none" strike="noStrike" kern="1200" cap="none" spc="0" normalizeH="0" baseline="0" noProof="0" dirty="0">
+              <a:ln>
+                <a:noFill/>
+              </a:ln>
+              <a:solidFill>
+                <a:prstClr val="black"/>
+              </a:solidFill>
+              <a:effectLst/>
+              <a:uLnTx/>
+              <a:uFillTx/>
+              <a:latin typeface="Calibri" panose="020F0502020204030204"/>
+              <a:ea typeface="+mn-ea"/>
+              <a:cs typeface="+mn-cs"/>
+            </a:endParaRPr>
+          </a:p>
+        </p:txBody>
+      </p:sp>
+    </p:spTree>
+    <p:extLst>
+      <p:ext uri="{BB962C8B-B14F-4D97-AF65-F5344CB8AC3E}">
+        <p14:creationId xmlns:p14="http://schemas.microsoft.com/office/powerpoint/2010/main" val="2030656504"/>
+      </p:ext>
+    </p:extLst>
+  </p:cSld>
+  <p:clrMapOvr>
+    <a:masterClrMapping/>
+  </p:clrMapOvr>
+</p:notes>
+</file>
+
+<file path=ppt/notesSlides/notesSlide5.xml><?xml version="1.0" encoding="utf-8"?>
+<p:notes xmlns:a="http://schemas.openxmlformats.org/drawingml/2006/main" xmlns:r="http://schemas.openxmlformats.org/officeDocument/2006/relationships" xmlns:p="http://schemas.openxmlformats.org/presentationml/2006/main">
+  <p:cSld>
+    <p:spTree>
+      <p:nvGrpSpPr>
+        <p:cNvPr id="1" name=""/>
+        <p:cNvGrpSpPr/>
+        <p:nvPr/>
+      </p:nvGrpSpPr>
+      <p:grpSpPr>
+        <a:xfrm>
+          <a:off x="0" y="0"/>
+          <a:ext cx="0" cy="0"/>
+          <a:chOff x="0" y="0"/>
+          <a:chExt cx="0" cy="0"/>
+        </a:xfrm>
+      </p:grpSpPr>
+      <p:sp>
+        <p:nvSpPr>
+          <p:cNvPr id="2" name="Espace réservé de l'image des diapositives 1"/>
+          <p:cNvSpPr>
+            <a:spLocks noGrp="1" noRot="1" noChangeAspect="1"/>
+          </p:cNvSpPr>
+          <p:nvPr>
+            <p:ph type="sldImg"/>
+          </p:nvPr>
+        </p:nvSpPr>
+        <p:spPr/>
+      </p:sp>
+      <p:sp>
+        <p:nvSpPr>
+          <p:cNvPr id="3" name="Espace réservé des notes 2"/>
+          <p:cNvSpPr>
+            <a:spLocks noGrp="1"/>
+          </p:cNvSpPr>
+          <p:nvPr>
+            <p:ph type="body" idx="1"/>
+          </p:nvPr>
+        </p:nvSpPr>
+        <p:spPr/>
+        <p:txBody>
+          <a:bodyPr/>
+          <a:lstStyle/>
+          <a:p>
+            <a:r>
+              <a:rPr lang="fr-FR" altLang="fr-FR" b="1" dirty="0"/>
+              <a:t>Mentionnez que cette classe permet de gérer les </a:t>
+            </a:r>
+            <a:r>
+              <a:rPr lang="fr-FR" altLang="fr-FR" b="1" dirty="0" err="1"/>
+              <a:t>websockets</a:t>
+            </a:r>
+            <a:r>
+              <a:rPr lang="fr-FR" altLang="fr-FR" b="1" dirty="0"/>
+              <a:t> dans différents threads, ce qui rend le processus plus efficace et réactif.</a:t>
+            </a:r>
+            <a:endParaRPr lang="fr-FR" dirty="0"/>
+          </a:p>
+        </p:txBody>
+      </p:sp>
+      <p:sp>
+        <p:nvSpPr>
+          <p:cNvPr id="4" name="Espace réservé du numéro de diapositive 3"/>
+          <p:cNvSpPr>
+            <a:spLocks noGrp="1"/>
+          </p:cNvSpPr>
+          <p:nvPr>
+            <p:ph type="sldNum" sz="quarter" idx="5"/>
+          </p:nvPr>
+        </p:nvSpPr>
+        <p:spPr/>
+        <p:txBody>
+          <a:bodyPr/>
+          <a:lstStyle/>
+          <a:p>
+            <a:pPr marL="0" marR="0" lvl="0" indent="0" algn="r" defTabSz="914400" rtl="0" eaLnBrk="1" fontAlgn="auto" latinLnBrk="0" hangingPunct="1">
+              <a:lnSpc>
+                <a:spcPct val="100000"/>
+              </a:lnSpc>
+              <a:spcBef>
+                <a:spcPts val="0"/>
+              </a:spcBef>
+              <a:spcAft>
+                <a:spcPts val="0"/>
+              </a:spcAft>
+              <a:buClrTx/>
+              <a:buSzTx/>
+              <a:buFontTx/>
+              <a:buNone/>
+              <a:tabLst/>
+              <a:defRPr/>
+            </a:pPr>
+            <a:fld id="{FC506EC4-24F6-4D00-BF5E-EA6796A76C61}" type="slidenum">
+              <a:rPr kumimoji="0" lang="fr-FR" sz="1200" b="0" i="0" u="none" strike="noStrike" kern="1200" cap="none" spc="0" normalizeH="0" baseline="0" noProof="0" smtClean="0">
+                <a:ln>
+                  <a:noFill/>
+                </a:ln>
+                <a:solidFill>
+                  <a:prstClr val="black"/>
+                </a:solidFill>
+                <a:effectLst/>
+                <a:uLnTx/>
+                <a:uFillTx/>
+                <a:latin typeface="Calibri" panose="020F0502020204030204"/>
+                <a:ea typeface="+mn-ea"/>
+                <a:cs typeface="+mn-cs"/>
+              </a:rPr>
+              <a:pPr marL="0" marR="0" lvl="0" indent="0" algn="r" defTabSz="914400" rtl="0" eaLnBrk="1" fontAlgn="auto" latinLnBrk="0" hangingPunct="1">
+                <a:lnSpc>
+                  <a:spcPct val="100000"/>
+                </a:lnSpc>
+                <a:spcBef>
+                  <a:spcPts val="0"/>
+                </a:spcBef>
+                <a:spcAft>
+                  <a:spcPts val="0"/>
+                </a:spcAft>
+                <a:buClrTx/>
+                <a:buSzTx/>
+                <a:buFontTx/>
+                <a:buNone/>
+                <a:tabLst/>
+                <a:defRPr/>
+              </a:pPr>
+              <a:t>13</a:t>
+            </a:fld>
+            <a:endParaRPr kumimoji="0" lang="fr-FR" sz="1200" b="0" i="0" u="none" strike="noStrike" kern="1200" cap="none" spc="0" normalizeH="0" baseline="0" noProof="0" dirty="0">
+              <a:ln>
+                <a:noFill/>
+              </a:ln>
+              <a:solidFill>
+                <a:prstClr val="black"/>
+              </a:solidFill>
+              <a:effectLst/>
+              <a:uLnTx/>
+              <a:uFillTx/>
+              <a:latin typeface="Calibri" panose="020F0502020204030204"/>
+              <a:ea typeface="+mn-ea"/>
+              <a:cs typeface="+mn-cs"/>
+            </a:endParaRPr>
+          </a:p>
+        </p:txBody>
+      </p:sp>
+    </p:spTree>
+    <p:extLst>
+      <p:ext uri="{BB962C8B-B14F-4D97-AF65-F5344CB8AC3E}">
+        <p14:creationId xmlns:p14="http://schemas.microsoft.com/office/powerpoint/2010/main" val="3287018638"/>
+      </p:ext>
+    </p:extLst>
   </p:cSld>
   <p:clrMapOvr>
     <a:masterClrMapping/>
@@ -11564,6 +12210,1382 @@
 </p:sldLayout>
 </file>
 
+<file path=ppt/slideLayouts/slideLayout37.xml><?xml version="1.0" encoding="utf-8"?>
+<p:sldLayout xmlns:a="http://schemas.openxmlformats.org/drawingml/2006/main" xmlns:r="http://schemas.openxmlformats.org/officeDocument/2006/relationships" xmlns:p="http://schemas.openxmlformats.org/presentationml/2006/main" showMasterSp="0" type="title" preserve="1">
+  <p:cSld name="Diapositive de titre">
+    <p:spTree>
+      <p:nvGrpSpPr>
+        <p:cNvPr id="1" name=""/>
+        <p:cNvGrpSpPr/>
+        <p:nvPr/>
+      </p:nvGrpSpPr>
+      <p:grpSpPr>
+        <a:xfrm>
+          <a:off x="0" y="0"/>
+          <a:ext cx="0" cy="0"/>
+          <a:chOff x="0" y="0"/>
+          <a:chExt cx="0" cy="0"/>
+        </a:xfrm>
+      </p:grpSpPr>
+      <p:sp>
+        <p:nvSpPr>
+          <p:cNvPr id="5" name="Rectangle 4">
+            <a:extLst>
+              <a:ext uri="{FF2B5EF4-FFF2-40B4-BE49-F238E27FC236}">
+                <a16:creationId xmlns:a16="http://schemas.microsoft.com/office/drawing/2014/main" id="{904DB13E-F722-4ED6-BB00-556651E95281}"/>
+              </a:ext>
+            </a:extLst>
+          </p:cNvPr>
+          <p:cNvSpPr/>
+          <p:nvPr/>
+        </p:nvSpPr>
+        <p:spPr>
+          <a:xfrm>
+            <a:off x="0" y="0"/>
+            <a:ext cx="12192000" cy="6858000"/>
+          </a:xfrm>
+          <a:prstGeom prst="rect">
+            <a:avLst/>
+          </a:prstGeom>
+          <a:solidFill>
+            <a:schemeClr val="tx1">
+              <a:lumMod val="65000"/>
+              <a:lumOff val="35000"/>
+            </a:schemeClr>
+          </a:solidFill>
+          <a:ln>
+            <a:noFill/>
+          </a:ln>
+        </p:spPr>
+        <p:style>
+          <a:lnRef idx="2">
+            <a:schemeClr val="accent1">
+              <a:shade val="50000"/>
+            </a:schemeClr>
+          </a:lnRef>
+          <a:fillRef idx="1">
+            <a:schemeClr val="accent1"/>
+          </a:fillRef>
+          <a:effectRef idx="0">
+            <a:schemeClr val="accent1"/>
+          </a:effectRef>
+          <a:fontRef idx="minor">
+            <a:schemeClr val="lt1"/>
+          </a:fontRef>
+        </p:style>
+        <p:txBody>
+          <a:bodyPr rtlCol="0" anchor="ctr"/>
+          <a:lstStyle/>
+          <a:p>
+            <a:pPr algn="ctr" rtl="0"/>
+            <a:endParaRPr lang="fr-FR" noProof="0" dirty="0"/>
+          </a:p>
+        </p:txBody>
+      </p:sp>
+      <p:sp useBgFill="1">
+        <p:nvSpPr>
+          <p:cNvPr id="10" name="Rectangle 9"/>
+          <p:cNvSpPr/>
+          <p:nvPr/>
+        </p:nvSpPr>
+        <p:spPr>
+          <a:xfrm>
+            <a:off x="1307870" y="1267730"/>
+            <a:ext cx="9576262" cy="4307950"/>
+          </a:xfrm>
+          <a:prstGeom prst="rect">
+            <a:avLst/>
+          </a:prstGeom>
+          <a:ln w="6350" cap="flat" cmpd="sng" algn="ctr">
+            <a:noFill/>
+            <a:prstDash val="solid"/>
+          </a:ln>
+          <a:effectLst>
+            <a:outerShdw blurRad="50800" algn="ctr" rotWithShape="0">
+              <a:prstClr val="black">
+                <a:alpha val="66000"/>
+              </a:prstClr>
+            </a:outerShdw>
+            <a:softEdge rad="0"/>
+          </a:effectLst>
+        </p:spPr>
+      </p:sp>
+      <p:sp>
+        <p:nvSpPr>
+          <p:cNvPr id="11" name="Rectangle 10"/>
+          <p:cNvSpPr/>
+          <p:nvPr/>
+        </p:nvSpPr>
+        <p:spPr>
+          <a:xfrm>
+            <a:off x="1447801" y="1411615"/>
+            <a:ext cx="9296400" cy="4034770"/>
+          </a:xfrm>
+          <a:prstGeom prst="rect">
+            <a:avLst/>
+          </a:prstGeom>
+          <a:noFill/>
+          <a:ln w="6350" cap="sq" cmpd="sng" algn="ctr">
+            <a:solidFill>
+              <a:schemeClr val="tx1">
+                <a:lumMod val="75000"/>
+                <a:lumOff val="25000"/>
+              </a:schemeClr>
+            </a:solidFill>
+            <a:prstDash val="solid"/>
+            <a:miter lim="800000"/>
+          </a:ln>
+          <a:effectLst/>
+        </p:spPr>
+      </p:sp>
+      <p:sp>
+        <p:nvSpPr>
+          <p:cNvPr id="15" name="Rectangle 14"/>
+          <p:cNvSpPr/>
+          <p:nvPr/>
+        </p:nvSpPr>
+        <p:spPr>
+          <a:xfrm>
+            <a:off x="5135880" y="1267730"/>
+            <a:ext cx="1920240" cy="731520"/>
+          </a:xfrm>
+          <a:prstGeom prst="rect">
+            <a:avLst/>
+          </a:prstGeom>
+          <a:solidFill>
+            <a:schemeClr val="accent1"/>
+          </a:solidFill>
+          <a:ln>
+            <a:noFill/>
+          </a:ln>
+        </p:spPr>
+        <p:style>
+          <a:lnRef idx="2">
+            <a:schemeClr val="accent1">
+              <a:shade val="50000"/>
+            </a:schemeClr>
+          </a:lnRef>
+          <a:fillRef idx="1">
+            <a:schemeClr val="accent1"/>
+          </a:fillRef>
+          <a:effectRef idx="0">
+            <a:schemeClr val="accent1"/>
+          </a:effectRef>
+          <a:fontRef idx="minor">
+            <a:schemeClr val="lt1"/>
+          </a:fontRef>
+        </p:style>
+      </p:sp>
+      <p:grpSp>
+        <p:nvGrpSpPr>
+          <p:cNvPr id="7" name="Groupe 6">
+            <a:extLst>
+              <a:ext uri="{FF2B5EF4-FFF2-40B4-BE49-F238E27FC236}">
+                <a16:creationId xmlns:a16="http://schemas.microsoft.com/office/drawing/2014/main" id="{E26428D7-C6F3-473D-A360-A3F5C3E8728C}"/>
+              </a:ext>
+            </a:extLst>
+          </p:cNvPr>
+          <p:cNvGrpSpPr/>
+          <p:nvPr/>
+        </p:nvGrpSpPr>
+        <p:grpSpPr>
+          <a:xfrm>
+            <a:off x="5250180" y="1267730"/>
+            <a:ext cx="1691640" cy="615934"/>
+            <a:chOff x="5250180" y="1267730"/>
+            <a:chExt cx="1691640" cy="615934"/>
+          </a:xfrm>
+        </p:grpSpPr>
+        <p:cxnSp>
+          <p:nvCxnSpPr>
+            <p:cNvPr id="17" name="Connecteur droit 16"/>
+            <p:cNvCxnSpPr/>
+            <p:nvPr/>
+          </p:nvCxnSpPr>
+          <p:spPr>
+            <a:xfrm>
+              <a:off x="5250180" y="1267730"/>
+              <a:ext cx="0" cy="612648"/>
+            </a:xfrm>
+            <a:prstGeom prst="line">
+              <a:avLst/>
+            </a:prstGeom>
+            <a:solidFill>
+              <a:schemeClr val="tx1">
+                <a:lumMod val="85000"/>
+                <a:lumOff val="15000"/>
+              </a:schemeClr>
+            </a:solidFill>
+            <a:ln>
+              <a:solidFill>
+                <a:srgbClr val="FFFFFF"/>
+              </a:solidFill>
+              <a:miter lim="800000"/>
+            </a:ln>
+          </p:spPr>
+          <p:style>
+            <a:lnRef idx="1">
+              <a:schemeClr val="accent1"/>
+            </a:lnRef>
+            <a:fillRef idx="0">
+              <a:schemeClr val="accent1"/>
+            </a:fillRef>
+            <a:effectRef idx="0">
+              <a:schemeClr val="accent1"/>
+            </a:effectRef>
+            <a:fontRef idx="minor">
+              <a:schemeClr val="tx1"/>
+            </a:fontRef>
+          </p:style>
+        </p:cxnSp>
+        <p:cxnSp>
+          <p:nvCxnSpPr>
+            <p:cNvPr id="18" name="Connecteur droit 17"/>
+            <p:cNvCxnSpPr/>
+            <p:nvPr/>
+          </p:nvCxnSpPr>
+          <p:spPr>
+            <a:xfrm>
+              <a:off x="6941820" y="1267730"/>
+              <a:ext cx="0" cy="612648"/>
+            </a:xfrm>
+            <a:prstGeom prst="line">
+              <a:avLst/>
+            </a:prstGeom>
+            <a:solidFill>
+              <a:schemeClr val="tx1">
+                <a:lumMod val="85000"/>
+                <a:lumOff val="15000"/>
+              </a:schemeClr>
+            </a:solidFill>
+            <a:ln>
+              <a:solidFill>
+                <a:srgbClr val="FFFFFF"/>
+              </a:solidFill>
+              <a:miter lim="800000"/>
+            </a:ln>
+          </p:spPr>
+          <p:style>
+            <a:lnRef idx="1">
+              <a:schemeClr val="accent1"/>
+            </a:lnRef>
+            <a:fillRef idx="0">
+              <a:schemeClr val="accent1"/>
+            </a:fillRef>
+            <a:effectRef idx="0">
+              <a:schemeClr val="accent1"/>
+            </a:effectRef>
+            <a:fontRef idx="minor">
+              <a:schemeClr val="tx1"/>
+            </a:fontRef>
+          </p:style>
+        </p:cxnSp>
+        <p:cxnSp>
+          <p:nvCxnSpPr>
+            <p:cNvPr id="19" name="Connecteur droit 18"/>
+            <p:cNvCxnSpPr/>
+            <p:nvPr/>
+          </p:nvCxnSpPr>
+          <p:spPr>
+            <a:xfrm>
+              <a:off x="5250180" y="1883664"/>
+              <a:ext cx="1691640" cy="0"/>
+            </a:xfrm>
+            <a:prstGeom prst="line">
+              <a:avLst/>
+            </a:prstGeom>
+            <a:solidFill>
+              <a:schemeClr val="tx1">
+                <a:lumMod val="85000"/>
+                <a:lumOff val="15000"/>
+              </a:schemeClr>
+            </a:solidFill>
+            <a:ln>
+              <a:solidFill>
+                <a:srgbClr val="FFFFFF"/>
+              </a:solidFill>
+              <a:miter lim="800000"/>
+            </a:ln>
+          </p:spPr>
+          <p:style>
+            <a:lnRef idx="1">
+              <a:schemeClr val="accent1"/>
+            </a:lnRef>
+            <a:fillRef idx="0">
+              <a:schemeClr val="accent1"/>
+            </a:fillRef>
+            <a:effectRef idx="0">
+              <a:schemeClr val="accent1"/>
+            </a:effectRef>
+            <a:fontRef idx="minor">
+              <a:schemeClr val="tx1"/>
+            </a:fontRef>
+          </p:style>
+        </p:cxnSp>
+      </p:grpSp>
+      <p:sp>
+        <p:nvSpPr>
+          <p:cNvPr id="2" name="Titre 1"/>
+          <p:cNvSpPr>
+            <a:spLocks noGrp="1"/>
+          </p:cNvSpPr>
+          <p:nvPr>
+            <p:ph type="ctrTitle"/>
+          </p:nvPr>
+        </p:nvSpPr>
+        <p:spPr>
+          <a:xfrm>
+            <a:off x="1629103" y="2244830"/>
+            <a:ext cx="8933796" cy="2437232"/>
+          </a:xfrm>
+        </p:spPr>
+        <p:txBody>
+          <a:bodyPr tIns="45720" bIns="45720" rtlCol="0" anchor="ctr">
+            <a:normAutofit/>
+          </a:bodyPr>
+          <a:lstStyle>
+            <a:lvl1pPr algn="ctr">
+              <a:lnSpc>
+                <a:spcPct val="83000"/>
+              </a:lnSpc>
+              <a:defRPr lang="en-US" sz="6800" b="0" kern="1200" cap="all" spc="-100" baseline="0" dirty="0">
+                <a:solidFill>
+                  <a:schemeClr val="tx1">
+                    <a:lumMod val="85000"/>
+                    <a:lumOff val="15000"/>
+                  </a:schemeClr>
+                </a:solidFill>
+                <a:effectLst/>
+                <a:latin typeface="+mj-lt"/>
+                <a:ea typeface="+mn-ea"/>
+                <a:cs typeface="+mn-cs"/>
+              </a:defRPr>
+            </a:lvl1pPr>
+          </a:lstStyle>
+          <a:p>
+            <a:pPr rtl="0"/>
+            <a:r>
+              <a:rPr lang="fr-FR" noProof="0"/>
+              <a:t>Modifiez le style du titre</a:t>
+            </a:r>
+            <a:endParaRPr lang="fr-FR" noProof="0" dirty="0"/>
+          </a:p>
+        </p:txBody>
+      </p:sp>
+      <p:sp>
+        <p:nvSpPr>
+          <p:cNvPr id="3" name="Sous-titre 2"/>
+          <p:cNvSpPr>
+            <a:spLocks noGrp="1"/>
+          </p:cNvSpPr>
+          <p:nvPr>
+            <p:ph type="subTitle" idx="1"/>
+          </p:nvPr>
+        </p:nvSpPr>
+        <p:spPr>
+          <a:xfrm>
+            <a:off x="1629101" y="4682062"/>
+            <a:ext cx="8936846" cy="457201"/>
+          </a:xfrm>
+        </p:spPr>
+        <p:txBody>
+          <a:bodyPr rtlCol="0">
+            <a:normAutofit/>
+          </a:bodyPr>
+          <a:lstStyle>
+            <a:lvl1pPr marL="0" indent="0" algn="ctr">
+              <a:spcBef>
+                <a:spcPts val="0"/>
+              </a:spcBef>
+              <a:buNone/>
+              <a:defRPr sz="1800" spc="80" baseline="0">
+                <a:solidFill>
+                  <a:schemeClr val="tx1">
+                    <a:lumMod val="95000"/>
+                    <a:lumOff val="5000"/>
+                  </a:schemeClr>
+                </a:solidFill>
+              </a:defRPr>
+            </a:lvl1pPr>
+            <a:lvl2pPr marL="457200" indent="0" algn="ctr">
+              <a:buNone/>
+              <a:defRPr sz="1600"/>
+            </a:lvl2pPr>
+            <a:lvl3pPr marL="914400" indent="0" algn="ctr">
+              <a:buNone/>
+              <a:defRPr sz="1600"/>
+            </a:lvl3pPr>
+            <a:lvl4pPr marL="1371600" indent="0" algn="ctr">
+              <a:buNone/>
+              <a:defRPr sz="1600"/>
+            </a:lvl4pPr>
+            <a:lvl5pPr marL="1828800" indent="0" algn="ctr">
+              <a:buNone/>
+              <a:defRPr sz="1600"/>
+            </a:lvl5pPr>
+            <a:lvl6pPr marL="2286000" indent="0" algn="ctr">
+              <a:buNone/>
+              <a:defRPr sz="1600"/>
+            </a:lvl6pPr>
+            <a:lvl7pPr marL="2743200" indent="0" algn="ctr">
+              <a:buNone/>
+              <a:defRPr sz="1600"/>
+            </a:lvl7pPr>
+            <a:lvl8pPr marL="3200400" indent="0" algn="ctr">
+              <a:buNone/>
+              <a:defRPr sz="1600"/>
+            </a:lvl8pPr>
+            <a:lvl9pPr marL="3657600" indent="0" algn="ctr">
+              <a:buNone/>
+              <a:defRPr sz="1600"/>
+            </a:lvl9pPr>
+          </a:lstStyle>
+          <a:p>
+            <a:pPr rtl="0"/>
+            <a:r>
+              <a:rPr lang="fr-FR" noProof="0"/>
+              <a:t>Modifiez le style des sous-titres du masque</a:t>
+            </a:r>
+            <a:endParaRPr lang="fr-FR" noProof="0" dirty="0"/>
+          </a:p>
+        </p:txBody>
+      </p:sp>
+      <p:sp>
+        <p:nvSpPr>
+          <p:cNvPr id="20" name="Espace réservé de la date 19"/>
+          <p:cNvSpPr>
+            <a:spLocks noGrp="1"/>
+          </p:cNvSpPr>
+          <p:nvPr>
+            <p:ph type="dt" sz="half" idx="10"/>
+          </p:nvPr>
+        </p:nvSpPr>
+        <p:spPr>
+          <a:xfrm>
+            <a:off x="5318760" y="1341256"/>
+            <a:ext cx="1554480" cy="485546"/>
+          </a:xfrm>
+        </p:spPr>
+        <p:txBody>
+          <a:bodyPr rtlCol="0"/>
+          <a:lstStyle>
+            <a:lvl1pPr algn="ctr">
+              <a:defRPr sz="1300" spc="0" baseline="0">
+                <a:solidFill>
+                  <a:srgbClr val="FFFFFF"/>
+                </a:solidFill>
+                <a:latin typeface="+mn-lt"/>
+              </a:defRPr>
+            </a:lvl1pPr>
+          </a:lstStyle>
+          <a:p>
+            <a:pPr rtl="0"/>
+            <a:fld id="{B7F610D7-475A-479D-B6A3-83CC46A64A41}" type="datetime1">
+              <a:rPr lang="fr-FR" noProof="0" smtClean="0"/>
+              <a:t>05/10/2023</a:t>
+            </a:fld>
+            <a:endParaRPr lang="fr-FR" noProof="0" dirty="0"/>
+          </a:p>
+        </p:txBody>
+      </p:sp>
+      <p:sp>
+        <p:nvSpPr>
+          <p:cNvPr id="21" name="Espace réservé du pied de page 20"/>
+          <p:cNvSpPr>
+            <a:spLocks noGrp="1"/>
+          </p:cNvSpPr>
+          <p:nvPr>
+            <p:ph type="ftr" sz="quarter" idx="11"/>
+          </p:nvPr>
+        </p:nvSpPr>
+        <p:spPr>
+          <a:xfrm>
+            <a:off x="1629100" y="5177408"/>
+            <a:ext cx="5730295" cy="228600"/>
+          </a:xfrm>
+        </p:spPr>
+        <p:txBody>
+          <a:bodyPr rtlCol="0"/>
+          <a:lstStyle>
+            <a:lvl1pPr algn="l">
+              <a:defRPr>
+                <a:solidFill>
+                  <a:schemeClr val="tx1">
+                    <a:lumMod val="85000"/>
+                    <a:lumOff val="15000"/>
+                  </a:schemeClr>
+                </a:solidFill>
+              </a:defRPr>
+            </a:lvl1pPr>
+          </a:lstStyle>
+          <a:p>
+            <a:pPr rtl="0"/>
+            <a:endParaRPr lang="fr-FR" noProof="0" dirty="0"/>
+          </a:p>
+        </p:txBody>
+      </p:sp>
+      <p:sp>
+        <p:nvSpPr>
+          <p:cNvPr id="22" name="Espace réservé du numéro de diapositive 21"/>
+          <p:cNvSpPr>
+            <a:spLocks noGrp="1"/>
+          </p:cNvSpPr>
+          <p:nvPr>
+            <p:ph type="sldNum" sz="quarter" idx="12"/>
+          </p:nvPr>
+        </p:nvSpPr>
+        <p:spPr>
+          <a:xfrm>
+            <a:off x="8606920" y="5177408"/>
+            <a:ext cx="1955980" cy="228600"/>
+          </a:xfrm>
+        </p:spPr>
+        <p:txBody>
+          <a:bodyPr rtlCol="0"/>
+          <a:lstStyle>
+            <a:lvl1pPr>
+              <a:defRPr>
+                <a:solidFill>
+                  <a:schemeClr val="tx1">
+                    <a:lumMod val="85000"/>
+                    <a:lumOff val="15000"/>
+                  </a:schemeClr>
+                </a:solidFill>
+              </a:defRPr>
+            </a:lvl1pPr>
+          </a:lstStyle>
+          <a:p>
+            <a:pPr rtl="0"/>
+            <a:fld id="{34B7E4EF-A1BD-40F4-AB7B-04F084DD991D}" type="slidenum">
+              <a:rPr lang="fr-FR" noProof="0" smtClean="0"/>
+              <a:t>‹N°›</a:t>
+            </a:fld>
+            <a:endParaRPr lang="fr-FR" noProof="0" dirty="0"/>
+          </a:p>
+        </p:txBody>
+      </p:sp>
+    </p:spTree>
+    <p:extLst>
+      <p:ext uri="{BB962C8B-B14F-4D97-AF65-F5344CB8AC3E}">
+        <p14:creationId xmlns:p14="http://schemas.microsoft.com/office/powerpoint/2010/main" val="918567879"/>
+      </p:ext>
+    </p:extLst>
+  </p:cSld>
+  <p:clrMapOvr>
+    <a:masterClrMapping/>
+  </p:clrMapOvr>
+</p:sldLayout>
+</file>
+
+<file path=ppt/slideLayouts/slideLayout38.xml><?xml version="1.0" encoding="utf-8"?>
+<p:sldLayout xmlns:a="http://schemas.openxmlformats.org/drawingml/2006/main" xmlns:r="http://schemas.openxmlformats.org/officeDocument/2006/relationships" xmlns:p="http://schemas.openxmlformats.org/presentationml/2006/main" type="obj" preserve="1">
+  <p:cSld name="Titre et contenu">
+    <p:spTree>
+      <p:nvGrpSpPr>
+        <p:cNvPr id="1" name=""/>
+        <p:cNvGrpSpPr/>
+        <p:nvPr/>
+      </p:nvGrpSpPr>
+      <p:grpSpPr>
+        <a:xfrm>
+          <a:off x="0" y="0"/>
+          <a:ext cx="0" cy="0"/>
+          <a:chOff x="0" y="0"/>
+          <a:chExt cx="0" cy="0"/>
+        </a:xfrm>
+      </p:grpSpPr>
+      <p:sp>
+        <p:nvSpPr>
+          <p:cNvPr id="2" name="Titre 1"/>
+          <p:cNvSpPr>
+            <a:spLocks noGrp="1"/>
+          </p:cNvSpPr>
+          <p:nvPr>
+            <p:ph type="title"/>
+          </p:nvPr>
+        </p:nvSpPr>
+        <p:spPr/>
+        <p:txBody>
+          <a:bodyPr rtlCol="0"/>
+          <a:lstStyle/>
+          <a:p>
+            <a:pPr rtl="0"/>
+            <a:r>
+              <a:rPr lang="fr-FR" noProof="0"/>
+              <a:t>Modifiez le style du titre</a:t>
+            </a:r>
+            <a:endParaRPr lang="fr-FR" noProof="0" dirty="0"/>
+          </a:p>
+        </p:txBody>
+      </p:sp>
+      <p:sp>
+        <p:nvSpPr>
+          <p:cNvPr id="3" name="Espace réservé du contenu 2"/>
+          <p:cNvSpPr>
+            <a:spLocks noGrp="1"/>
+          </p:cNvSpPr>
+          <p:nvPr>
+            <p:ph idx="1"/>
+          </p:nvPr>
+        </p:nvSpPr>
+        <p:spPr/>
+        <p:txBody>
+          <a:bodyPr rtlCol="0"/>
+          <a:lstStyle/>
+          <a:p>
+            <a:pPr lvl="0" rtl="0"/>
+            <a:r>
+              <a:rPr lang="fr-FR" noProof="0"/>
+              <a:t>Cliquez pour modifier les styles du texte du masque</a:t>
+            </a:r>
+          </a:p>
+          <a:p>
+            <a:pPr lvl="1" rtl="0"/>
+            <a:r>
+              <a:rPr lang="fr-FR" noProof="0"/>
+              <a:t>Deuxième niveau</a:t>
+            </a:r>
+          </a:p>
+          <a:p>
+            <a:pPr lvl="2" rtl="0"/>
+            <a:r>
+              <a:rPr lang="fr-FR" noProof="0"/>
+              <a:t>Troisième niveau</a:t>
+            </a:r>
+          </a:p>
+          <a:p>
+            <a:pPr lvl="3" rtl="0"/>
+            <a:r>
+              <a:rPr lang="fr-FR" noProof="0"/>
+              <a:t>Quatrième niveau</a:t>
+            </a:r>
+          </a:p>
+          <a:p>
+            <a:pPr lvl="4" rtl="0"/>
+            <a:r>
+              <a:rPr lang="fr-FR" noProof="0"/>
+              <a:t>Cinquième niveau</a:t>
+            </a:r>
+            <a:endParaRPr lang="fr-FR" noProof="0" dirty="0"/>
+          </a:p>
+        </p:txBody>
+      </p:sp>
+      <p:sp>
+        <p:nvSpPr>
+          <p:cNvPr id="4" name="Espace réservé de la date 3"/>
+          <p:cNvSpPr>
+            <a:spLocks noGrp="1"/>
+          </p:cNvSpPr>
+          <p:nvPr>
+            <p:ph type="dt" sz="half" idx="10"/>
+          </p:nvPr>
+        </p:nvSpPr>
+        <p:spPr/>
+        <p:txBody>
+          <a:bodyPr rtlCol="0"/>
+          <a:lstStyle/>
+          <a:p>
+            <a:pPr rtl="0"/>
+            <a:fld id="{AD528031-0E0D-4788-8247-5022B17E025F}" type="datetime1">
+              <a:rPr lang="fr-FR" noProof="0" smtClean="0"/>
+              <a:t>05/10/2023</a:t>
+            </a:fld>
+            <a:endParaRPr lang="fr-FR" noProof="0" dirty="0"/>
+          </a:p>
+        </p:txBody>
+      </p:sp>
+      <p:sp>
+        <p:nvSpPr>
+          <p:cNvPr id="5" name="Espace réservé du pied de page 4"/>
+          <p:cNvSpPr>
+            <a:spLocks noGrp="1"/>
+          </p:cNvSpPr>
+          <p:nvPr>
+            <p:ph type="ftr" sz="quarter" idx="11"/>
+          </p:nvPr>
+        </p:nvSpPr>
+        <p:spPr/>
+        <p:txBody>
+          <a:bodyPr rtlCol="0"/>
+          <a:lstStyle/>
+          <a:p>
+            <a:pPr rtl="0"/>
+            <a:endParaRPr lang="fr-FR" noProof="0" dirty="0"/>
+          </a:p>
+        </p:txBody>
+      </p:sp>
+      <p:sp>
+        <p:nvSpPr>
+          <p:cNvPr id="6" name="Espace réservé du numéro de diapositive 5"/>
+          <p:cNvSpPr>
+            <a:spLocks noGrp="1"/>
+          </p:cNvSpPr>
+          <p:nvPr>
+            <p:ph type="sldNum" sz="quarter" idx="12"/>
+          </p:nvPr>
+        </p:nvSpPr>
+        <p:spPr/>
+        <p:txBody>
+          <a:bodyPr rtlCol="0"/>
+          <a:lstStyle/>
+          <a:p>
+            <a:pPr rtl="0"/>
+            <a:fld id="{34B7E4EF-A1BD-40F4-AB7B-04F084DD991D}" type="slidenum">
+              <a:rPr lang="fr-FR" noProof="0" smtClean="0"/>
+              <a:t>‹N°›</a:t>
+            </a:fld>
+            <a:endParaRPr lang="fr-FR" noProof="0" dirty="0"/>
+          </a:p>
+        </p:txBody>
+      </p:sp>
+    </p:spTree>
+    <p:extLst>
+      <p:ext uri="{BB962C8B-B14F-4D97-AF65-F5344CB8AC3E}">
+        <p14:creationId xmlns:p14="http://schemas.microsoft.com/office/powerpoint/2010/main" val="3945941128"/>
+      </p:ext>
+    </p:extLst>
+  </p:cSld>
+  <p:clrMapOvr>
+    <a:masterClrMapping/>
+  </p:clrMapOvr>
+</p:sldLayout>
+</file>
+
+<file path=ppt/slideLayouts/slideLayout39.xml><?xml version="1.0" encoding="utf-8"?>
+<p:sldLayout xmlns:a="http://schemas.openxmlformats.org/drawingml/2006/main" xmlns:r="http://schemas.openxmlformats.org/officeDocument/2006/relationships" xmlns:p="http://schemas.openxmlformats.org/presentationml/2006/main" showMasterSp="0" type="secHead" preserve="1">
+  <p:cSld name="En-tête de section">
+    <p:spTree>
+      <p:nvGrpSpPr>
+        <p:cNvPr id="1" name=""/>
+        <p:cNvGrpSpPr/>
+        <p:nvPr/>
+      </p:nvGrpSpPr>
+      <p:grpSpPr>
+        <a:xfrm>
+          <a:off x="0" y="0"/>
+          <a:ext cx="0" cy="0"/>
+          <a:chOff x="0" y="0"/>
+          <a:chExt cx="0" cy="0"/>
+        </a:xfrm>
+      </p:grpSpPr>
+      <p:sp>
+        <p:nvSpPr>
+          <p:cNvPr id="15" name="Rectangle 14">
+            <a:extLst>
+              <a:ext uri="{FF2B5EF4-FFF2-40B4-BE49-F238E27FC236}">
+                <a16:creationId xmlns:a16="http://schemas.microsoft.com/office/drawing/2014/main" id="{0A4A1889-E37C-4EC3-9E41-9DAD221CF389}"/>
+              </a:ext>
+            </a:extLst>
+          </p:cNvPr>
+          <p:cNvSpPr/>
+          <p:nvPr/>
+        </p:nvSpPr>
+        <p:spPr>
+          <a:xfrm>
+            <a:off x="0" y="0"/>
+            <a:ext cx="12192000" cy="6858000"/>
+          </a:xfrm>
+          <a:prstGeom prst="rect">
+            <a:avLst/>
+          </a:prstGeom>
+          <a:solidFill>
+            <a:schemeClr val="tx1">
+              <a:lumMod val="65000"/>
+              <a:lumOff val="35000"/>
+            </a:schemeClr>
+          </a:solidFill>
+          <a:ln>
+            <a:noFill/>
+          </a:ln>
+        </p:spPr>
+        <p:style>
+          <a:lnRef idx="2">
+            <a:schemeClr val="accent1">
+              <a:shade val="50000"/>
+            </a:schemeClr>
+          </a:lnRef>
+          <a:fillRef idx="1">
+            <a:schemeClr val="accent1"/>
+          </a:fillRef>
+          <a:effectRef idx="0">
+            <a:schemeClr val="accent1"/>
+          </a:effectRef>
+          <a:fontRef idx="minor">
+            <a:schemeClr val="lt1"/>
+          </a:fontRef>
+        </p:style>
+        <p:txBody>
+          <a:bodyPr rtlCol="0" anchor="ctr"/>
+          <a:lstStyle/>
+          <a:p>
+            <a:pPr algn="ctr" rtl="0"/>
+            <a:endParaRPr lang="fr-FR" noProof="0" dirty="0"/>
+          </a:p>
+        </p:txBody>
+      </p:sp>
+      <p:sp useBgFill="1">
+        <p:nvSpPr>
+          <p:cNvPr id="23" name="Rectangle 22"/>
+          <p:cNvSpPr/>
+          <p:nvPr/>
+        </p:nvSpPr>
+        <p:spPr>
+          <a:xfrm>
+            <a:off x="1307870" y="1267730"/>
+            <a:ext cx="9576262" cy="4307950"/>
+          </a:xfrm>
+          <a:prstGeom prst="rect">
+            <a:avLst/>
+          </a:prstGeom>
+          <a:ln w="6350" cap="flat" cmpd="sng" algn="ctr">
+            <a:noFill/>
+            <a:prstDash val="solid"/>
+          </a:ln>
+          <a:effectLst>
+            <a:outerShdw blurRad="50800" algn="ctr" rotWithShape="0">
+              <a:prstClr val="black">
+                <a:alpha val="66000"/>
+              </a:prstClr>
+            </a:outerShdw>
+            <a:softEdge rad="0"/>
+          </a:effectLst>
+        </p:spPr>
+      </p:sp>
+      <p:sp>
+        <p:nvSpPr>
+          <p:cNvPr id="24" name="Rectangle 23"/>
+          <p:cNvSpPr/>
+          <p:nvPr/>
+        </p:nvSpPr>
+        <p:spPr>
+          <a:xfrm>
+            <a:off x="1447801" y="1411615"/>
+            <a:ext cx="9296400" cy="4034770"/>
+          </a:xfrm>
+          <a:prstGeom prst="rect">
+            <a:avLst/>
+          </a:prstGeom>
+          <a:noFill/>
+          <a:ln w="6350" cap="sq" cmpd="sng" algn="ctr">
+            <a:solidFill>
+              <a:schemeClr val="tx1">
+                <a:lumMod val="75000"/>
+                <a:lumOff val="25000"/>
+              </a:schemeClr>
+            </a:solidFill>
+            <a:prstDash val="solid"/>
+            <a:miter lim="800000"/>
+          </a:ln>
+          <a:effectLst/>
+        </p:spPr>
+      </p:sp>
+      <p:sp>
+        <p:nvSpPr>
+          <p:cNvPr id="30" name="Rectangle 29"/>
+          <p:cNvSpPr/>
+          <p:nvPr/>
+        </p:nvSpPr>
+        <p:spPr>
+          <a:xfrm>
+            <a:off x="5135880" y="1267730"/>
+            <a:ext cx="1920240" cy="731520"/>
+          </a:xfrm>
+          <a:prstGeom prst="rect">
+            <a:avLst/>
+          </a:prstGeom>
+          <a:solidFill>
+            <a:schemeClr val="accent2"/>
+          </a:solidFill>
+          <a:ln>
+            <a:noFill/>
+          </a:ln>
+        </p:spPr>
+        <p:style>
+          <a:lnRef idx="2">
+            <a:schemeClr val="accent1">
+              <a:shade val="50000"/>
+            </a:schemeClr>
+          </a:lnRef>
+          <a:fillRef idx="1">
+            <a:schemeClr val="accent1"/>
+          </a:fillRef>
+          <a:effectRef idx="0">
+            <a:schemeClr val="accent1"/>
+          </a:effectRef>
+          <a:fontRef idx="minor">
+            <a:schemeClr val="lt1"/>
+          </a:fontRef>
+        </p:style>
+      </p:sp>
+      <p:sp>
+        <p:nvSpPr>
+          <p:cNvPr id="2" name="Titre 1"/>
+          <p:cNvSpPr>
+            <a:spLocks noGrp="1"/>
+          </p:cNvSpPr>
+          <p:nvPr>
+            <p:ph type="title"/>
+          </p:nvPr>
+        </p:nvSpPr>
+        <p:spPr>
+          <a:xfrm>
+            <a:off x="1629156" y="2275165"/>
+            <a:ext cx="8933688" cy="2406895"/>
+          </a:xfrm>
+        </p:spPr>
+        <p:txBody>
+          <a:bodyPr rtlCol="0" anchor="ctr">
+            <a:normAutofit/>
+          </a:bodyPr>
+          <a:lstStyle>
+            <a:lvl1pPr algn="ctr">
+              <a:lnSpc>
+                <a:spcPct val="83000"/>
+              </a:lnSpc>
+              <a:defRPr lang="en-US" sz="6800" kern="1200" cap="all" spc="-100" baseline="0" dirty="0">
+                <a:solidFill>
+                  <a:schemeClr val="tx1">
+                    <a:lumMod val="85000"/>
+                    <a:lumOff val="15000"/>
+                  </a:schemeClr>
+                </a:solidFill>
+                <a:effectLst/>
+                <a:latin typeface="+mj-lt"/>
+                <a:ea typeface="+mn-ea"/>
+                <a:cs typeface="+mn-cs"/>
+              </a:defRPr>
+            </a:lvl1pPr>
+          </a:lstStyle>
+          <a:p>
+            <a:pPr rtl="0"/>
+            <a:r>
+              <a:rPr lang="fr-FR" noProof="0"/>
+              <a:t>Modifiez le style du titre</a:t>
+            </a:r>
+            <a:endParaRPr lang="fr-FR" noProof="0" dirty="0"/>
+          </a:p>
+        </p:txBody>
+      </p:sp>
+      <p:grpSp>
+        <p:nvGrpSpPr>
+          <p:cNvPr id="16" name="Groupe 15">
+            <a:extLst>
+              <a:ext uri="{FF2B5EF4-FFF2-40B4-BE49-F238E27FC236}">
+                <a16:creationId xmlns:a16="http://schemas.microsoft.com/office/drawing/2014/main" id="{1683EB04-C23E-490C-A1A6-030CF79D23C8}"/>
+              </a:ext>
+            </a:extLst>
+          </p:cNvPr>
+          <p:cNvGrpSpPr/>
+          <p:nvPr/>
+        </p:nvGrpSpPr>
+        <p:grpSpPr>
+          <a:xfrm>
+            <a:off x="5250180" y="1267730"/>
+            <a:ext cx="1691640" cy="615934"/>
+            <a:chOff x="5250180" y="1267730"/>
+            <a:chExt cx="1691640" cy="615934"/>
+          </a:xfrm>
+        </p:grpSpPr>
+        <p:cxnSp>
+          <p:nvCxnSpPr>
+            <p:cNvPr id="17" name="Connecteur droit 16">
+              <a:extLst>
+                <a:ext uri="{FF2B5EF4-FFF2-40B4-BE49-F238E27FC236}">
+                  <a16:creationId xmlns:a16="http://schemas.microsoft.com/office/drawing/2014/main" id="{F8A84C03-E1CA-4A4E-81D6-9BB0C335B7A0}"/>
+                </a:ext>
+              </a:extLst>
+            </p:cNvPr>
+            <p:cNvCxnSpPr/>
+            <p:nvPr/>
+          </p:nvCxnSpPr>
+          <p:spPr>
+            <a:xfrm>
+              <a:off x="5250180" y="1267730"/>
+              <a:ext cx="0" cy="612648"/>
+            </a:xfrm>
+            <a:prstGeom prst="line">
+              <a:avLst/>
+            </a:prstGeom>
+            <a:solidFill>
+              <a:schemeClr val="tx1">
+                <a:lumMod val="85000"/>
+                <a:lumOff val="15000"/>
+              </a:schemeClr>
+            </a:solidFill>
+            <a:ln>
+              <a:solidFill>
+                <a:srgbClr val="FFFFFF"/>
+              </a:solidFill>
+              <a:miter lim="800000"/>
+            </a:ln>
+          </p:spPr>
+          <p:style>
+            <a:lnRef idx="1">
+              <a:schemeClr val="accent1"/>
+            </a:lnRef>
+            <a:fillRef idx="0">
+              <a:schemeClr val="accent1"/>
+            </a:fillRef>
+            <a:effectRef idx="0">
+              <a:schemeClr val="accent1"/>
+            </a:effectRef>
+            <a:fontRef idx="minor">
+              <a:schemeClr val="tx1"/>
+            </a:fontRef>
+          </p:style>
+        </p:cxnSp>
+        <p:cxnSp>
+          <p:nvCxnSpPr>
+            <p:cNvPr id="18" name="Connecteur droit 17">
+              <a:extLst>
+                <a:ext uri="{FF2B5EF4-FFF2-40B4-BE49-F238E27FC236}">
+                  <a16:creationId xmlns:a16="http://schemas.microsoft.com/office/drawing/2014/main" id="{4A26FB5A-D5D1-4DAB-AC43-7F51A7F2D197}"/>
+                </a:ext>
+              </a:extLst>
+            </p:cNvPr>
+            <p:cNvCxnSpPr/>
+            <p:nvPr/>
+          </p:nvCxnSpPr>
+          <p:spPr>
+            <a:xfrm>
+              <a:off x="6941820" y="1267730"/>
+              <a:ext cx="0" cy="612648"/>
+            </a:xfrm>
+            <a:prstGeom prst="line">
+              <a:avLst/>
+            </a:prstGeom>
+            <a:solidFill>
+              <a:schemeClr val="tx1">
+                <a:lumMod val="85000"/>
+                <a:lumOff val="15000"/>
+              </a:schemeClr>
+            </a:solidFill>
+            <a:ln>
+              <a:solidFill>
+                <a:srgbClr val="FFFFFF"/>
+              </a:solidFill>
+              <a:miter lim="800000"/>
+            </a:ln>
+          </p:spPr>
+          <p:style>
+            <a:lnRef idx="1">
+              <a:schemeClr val="accent1"/>
+            </a:lnRef>
+            <a:fillRef idx="0">
+              <a:schemeClr val="accent1"/>
+            </a:fillRef>
+            <a:effectRef idx="0">
+              <a:schemeClr val="accent1"/>
+            </a:effectRef>
+            <a:fontRef idx="minor">
+              <a:schemeClr val="tx1"/>
+            </a:fontRef>
+          </p:style>
+        </p:cxnSp>
+        <p:cxnSp>
+          <p:nvCxnSpPr>
+            <p:cNvPr id="19" name="Connecteur droit 18">
+              <a:extLst>
+                <a:ext uri="{FF2B5EF4-FFF2-40B4-BE49-F238E27FC236}">
+                  <a16:creationId xmlns:a16="http://schemas.microsoft.com/office/drawing/2014/main" id="{49303F14-E560-4C02-94F4-B4695FE26813}"/>
+                </a:ext>
+              </a:extLst>
+            </p:cNvPr>
+            <p:cNvCxnSpPr/>
+            <p:nvPr/>
+          </p:nvCxnSpPr>
+          <p:spPr>
+            <a:xfrm>
+              <a:off x="5250180" y="1883664"/>
+              <a:ext cx="1691640" cy="0"/>
+            </a:xfrm>
+            <a:prstGeom prst="line">
+              <a:avLst/>
+            </a:prstGeom>
+            <a:solidFill>
+              <a:schemeClr val="tx1">
+                <a:lumMod val="85000"/>
+                <a:lumOff val="15000"/>
+              </a:schemeClr>
+            </a:solidFill>
+            <a:ln>
+              <a:solidFill>
+                <a:srgbClr val="FFFFFF"/>
+              </a:solidFill>
+              <a:miter lim="800000"/>
+            </a:ln>
+          </p:spPr>
+          <p:style>
+            <a:lnRef idx="1">
+              <a:schemeClr val="accent1"/>
+            </a:lnRef>
+            <a:fillRef idx="0">
+              <a:schemeClr val="accent1"/>
+            </a:fillRef>
+            <a:effectRef idx="0">
+              <a:schemeClr val="accent1"/>
+            </a:effectRef>
+            <a:fontRef idx="minor">
+              <a:schemeClr val="tx1"/>
+            </a:fontRef>
+          </p:style>
+        </p:cxnSp>
+      </p:grpSp>
+      <p:sp>
+        <p:nvSpPr>
+          <p:cNvPr id="3" name="Espace réservé du texte 2"/>
+          <p:cNvSpPr>
+            <a:spLocks noGrp="1"/>
+          </p:cNvSpPr>
+          <p:nvPr>
+            <p:ph type="body" idx="1"/>
+          </p:nvPr>
+        </p:nvSpPr>
+        <p:spPr>
+          <a:xfrm>
+            <a:off x="1629156" y="4682062"/>
+            <a:ext cx="8939784" cy="457200"/>
+          </a:xfrm>
+        </p:spPr>
+        <p:txBody>
+          <a:bodyPr rtlCol="0" anchor="t">
+            <a:normAutofit/>
+          </a:bodyPr>
+          <a:lstStyle>
+            <a:lvl1pPr marL="0" indent="0" algn="ctr">
+              <a:buNone/>
+              <a:tabLst>
+                <a:tab pos="2633663" algn="l"/>
+              </a:tabLst>
+              <a:defRPr sz="1800">
+                <a:solidFill>
+                  <a:schemeClr val="tx1">
+                    <a:lumMod val="95000"/>
+                    <a:lumOff val="5000"/>
+                  </a:schemeClr>
+                </a:solidFill>
+                <a:effectLst/>
+              </a:defRPr>
+            </a:lvl1pPr>
+            <a:lvl2pPr marL="457200" indent="0">
+              <a:buNone/>
+              <a:defRPr sz="1600">
+                <a:solidFill>
+                  <a:schemeClr val="tx1">
+                    <a:tint val="75000"/>
+                  </a:schemeClr>
+                </a:solidFill>
+              </a:defRPr>
+            </a:lvl2pPr>
+            <a:lvl3pPr marL="914400" indent="0">
+              <a:buNone/>
+              <a:defRPr sz="1600">
+                <a:solidFill>
+                  <a:schemeClr val="tx1">
+                    <a:tint val="75000"/>
+                  </a:schemeClr>
+                </a:solidFill>
+              </a:defRPr>
+            </a:lvl3pPr>
+            <a:lvl4pPr marL="1371600" indent="0">
+              <a:buNone/>
+              <a:defRPr sz="1400">
+                <a:solidFill>
+                  <a:schemeClr val="tx1">
+                    <a:tint val="75000"/>
+                  </a:schemeClr>
+                </a:solidFill>
+              </a:defRPr>
+            </a:lvl4pPr>
+            <a:lvl5pPr marL="1828800" indent="0">
+              <a:buNone/>
+              <a:defRPr sz="1400">
+                <a:solidFill>
+                  <a:schemeClr val="tx1">
+                    <a:tint val="75000"/>
+                  </a:schemeClr>
+                </a:solidFill>
+              </a:defRPr>
+            </a:lvl5pPr>
+            <a:lvl6pPr marL="2286000" indent="0">
+              <a:buNone/>
+              <a:defRPr sz="1400">
+                <a:solidFill>
+                  <a:schemeClr val="tx1">
+                    <a:tint val="75000"/>
+                  </a:schemeClr>
+                </a:solidFill>
+              </a:defRPr>
+            </a:lvl6pPr>
+            <a:lvl7pPr marL="2743200" indent="0">
+              <a:buNone/>
+              <a:defRPr sz="1400">
+                <a:solidFill>
+                  <a:schemeClr val="tx1">
+                    <a:tint val="75000"/>
+                  </a:schemeClr>
+                </a:solidFill>
+              </a:defRPr>
+            </a:lvl7pPr>
+            <a:lvl8pPr marL="3200400" indent="0">
+              <a:buNone/>
+              <a:defRPr sz="1400">
+                <a:solidFill>
+                  <a:schemeClr val="tx1">
+                    <a:tint val="75000"/>
+                  </a:schemeClr>
+                </a:solidFill>
+              </a:defRPr>
+            </a:lvl8pPr>
+            <a:lvl9pPr marL="3657600" indent="0">
+              <a:buNone/>
+              <a:defRPr sz="1400">
+                <a:solidFill>
+                  <a:schemeClr val="tx1">
+                    <a:tint val="75000"/>
+                  </a:schemeClr>
+                </a:solidFill>
+              </a:defRPr>
+            </a:lvl9pPr>
+          </a:lstStyle>
+          <a:p>
+            <a:pPr lvl="0" rtl="0"/>
+            <a:r>
+              <a:rPr lang="fr-FR" noProof="0"/>
+              <a:t>Cliquez pour modifier les styles du texte du masque</a:t>
+            </a:r>
+          </a:p>
+        </p:txBody>
+      </p:sp>
+      <p:sp>
+        <p:nvSpPr>
+          <p:cNvPr id="4" name="Espace réservé de la date 3"/>
+          <p:cNvSpPr>
+            <a:spLocks noGrp="1"/>
+          </p:cNvSpPr>
+          <p:nvPr>
+            <p:ph type="dt" sz="half" idx="10"/>
+          </p:nvPr>
+        </p:nvSpPr>
+        <p:spPr>
+          <a:xfrm>
+            <a:off x="5318760" y="1344502"/>
+            <a:ext cx="1554480" cy="498781"/>
+          </a:xfrm>
+        </p:spPr>
+        <p:txBody>
+          <a:bodyPr rtlCol="0"/>
+          <a:lstStyle>
+            <a:lvl1pPr algn="ctr">
+              <a:defRPr lang="en-US" sz="1300" kern="1200" spc="0" baseline="0">
+                <a:solidFill>
+                  <a:srgbClr val="FFFFFF"/>
+                </a:solidFill>
+                <a:latin typeface="+mn-lt"/>
+                <a:ea typeface="+mn-ea"/>
+                <a:cs typeface="+mn-cs"/>
+              </a:defRPr>
+            </a:lvl1pPr>
+          </a:lstStyle>
+          <a:p>
+            <a:pPr rtl="0"/>
+            <a:fld id="{EE29B734-0A7D-4010-ACAB-EE34BCE3D2A7}" type="datetime1">
+              <a:rPr lang="fr-FR" noProof="0" smtClean="0"/>
+              <a:t>05/10/2023</a:t>
+            </a:fld>
+            <a:endParaRPr lang="fr-FR" noProof="0" dirty="0"/>
+          </a:p>
+        </p:txBody>
+      </p:sp>
+      <p:sp>
+        <p:nvSpPr>
+          <p:cNvPr id="5" name="Espace réservé du pied de page 4"/>
+          <p:cNvSpPr>
+            <a:spLocks noGrp="1"/>
+          </p:cNvSpPr>
+          <p:nvPr>
+            <p:ph type="ftr" sz="quarter" idx="11"/>
+          </p:nvPr>
+        </p:nvSpPr>
+        <p:spPr>
+          <a:xfrm>
+            <a:off x="1629157" y="5177408"/>
+            <a:ext cx="5660134" cy="228600"/>
+          </a:xfrm>
+        </p:spPr>
+        <p:txBody>
+          <a:bodyPr rtlCol="0"/>
+          <a:lstStyle>
+            <a:lvl1pPr algn="l">
+              <a:defRPr>
+                <a:solidFill>
+                  <a:schemeClr val="tx1">
+                    <a:lumMod val="85000"/>
+                    <a:lumOff val="15000"/>
+                  </a:schemeClr>
+                </a:solidFill>
+              </a:defRPr>
+            </a:lvl1pPr>
+          </a:lstStyle>
+          <a:p>
+            <a:pPr rtl="0"/>
+            <a:endParaRPr lang="fr-FR" noProof="0" dirty="0"/>
+          </a:p>
+        </p:txBody>
+      </p:sp>
+      <p:sp>
+        <p:nvSpPr>
+          <p:cNvPr id="6" name="Espace réservé du numéro de diapositive 5"/>
+          <p:cNvSpPr>
+            <a:spLocks noGrp="1"/>
+          </p:cNvSpPr>
+          <p:nvPr>
+            <p:ph type="sldNum" sz="quarter" idx="12"/>
+          </p:nvPr>
+        </p:nvSpPr>
+        <p:spPr>
+          <a:xfrm>
+            <a:off x="8604504" y="5177408"/>
+            <a:ext cx="1958339" cy="228600"/>
+          </a:xfrm>
+        </p:spPr>
+        <p:txBody>
+          <a:bodyPr rtlCol="0"/>
+          <a:lstStyle>
+            <a:lvl1pPr>
+              <a:defRPr>
+                <a:solidFill>
+                  <a:schemeClr val="tx1">
+                    <a:lumMod val="85000"/>
+                    <a:lumOff val="15000"/>
+                  </a:schemeClr>
+                </a:solidFill>
+              </a:defRPr>
+            </a:lvl1pPr>
+          </a:lstStyle>
+          <a:p>
+            <a:pPr rtl="0"/>
+            <a:fld id="{34B7E4EF-A1BD-40F4-AB7B-04F084DD991D}" type="slidenum">
+              <a:rPr lang="fr-FR" noProof="0" smtClean="0"/>
+              <a:t>‹N°›</a:t>
+            </a:fld>
+            <a:endParaRPr lang="fr-FR" noProof="0" dirty="0"/>
+          </a:p>
+        </p:txBody>
+      </p:sp>
+    </p:spTree>
+    <p:extLst>
+      <p:ext uri="{BB962C8B-B14F-4D97-AF65-F5344CB8AC3E}">
+        <p14:creationId xmlns:p14="http://schemas.microsoft.com/office/powerpoint/2010/main" val="1937284624"/>
+      </p:ext>
+    </p:extLst>
+  </p:cSld>
+  <p:clrMapOvr>
+    <a:masterClrMapping/>
+  </p:clrMapOvr>
+</p:sldLayout>
+</file>
+
 <file path=ppt/slideLayouts/slideLayout4.xml><?xml version="1.0" encoding="utf-8"?>
 <p:sldLayout xmlns:a="http://schemas.openxmlformats.org/drawingml/2006/main" xmlns:r="http://schemas.openxmlformats.org/officeDocument/2006/relationships" xmlns:p="http://schemas.openxmlformats.org/presentationml/2006/main" type="twoObj" preserve="1">
   <p:cSld name="Title, 2 Content">
@@ -11776,6 +13798,2199 @@
         </p:txBody>
       </p:sp>
     </p:spTree>
+  </p:cSld>
+  <p:clrMapOvr>
+    <a:masterClrMapping/>
+  </p:clrMapOvr>
+</p:sldLayout>
+</file>
+
+<file path=ppt/slideLayouts/slideLayout40.xml><?xml version="1.0" encoding="utf-8"?>
+<p:sldLayout xmlns:a="http://schemas.openxmlformats.org/drawingml/2006/main" xmlns:r="http://schemas.openxmlformats.org/officeDocument/2006/relationships" xmlns:p="http://schemas.openxmlformats.org/presentationml/2006/main" type="twoObj" preserve="1">
+  <p:cSld name="Deux contenus">
+    <p:spTree>
+      <p:nvGrpSpPr>
+        <p:cNvPr id="1" name=""/>
+        <p:cNvGrpSpPr/>
+        <p:nvPr/>
+      </p:nvGrpSpPr>
+      <p:grpSpPr>
+        <a:xfrm>
+          <a:off x="0" y="0"/>
+          <a:ext cx="0" cy="0"/>
+          <a:chOff x="0" y="0"/>
+          <a:chExt cx="0" cy="0"/>
+        </a:xfrm>
+      </p:grpSpPr>
+      <p:sp>
+        <p:nvSpPr>
+          <p:cNvPr id="8" name="Titre 7"/>
+          <p:cNvSpPr>
+            <a:spLocks noGrp="1"/>
+          </p:cNvSpPr>
+          <p:nvPr>
+            <p:ph type="title"/>
+          </p:nvPr>
+        </p:nvSpPr>
+        <p:spPr/>
+        <p:txBody>
+          <a:bodyPr rtlCol="0"/>
+          <a:lstStyle/>
+          <a:p>
+            <a:pPr rtl="0"/>
+            <a:r>
+              <a:rPr lang="fr-FR" noProof="0"/>
+              <a:t>Modifiez le style du titre</a:t>
+            </a:r>
+            <a:endParaRPr lang="fr-FR" noProof="0" dirty="0"/>
+          </a:p>
+        </p:txBody>
+      </p:sp>
+      <p:sp>
+        <p:nvSpPr>
+          <p:cNvPr id="3" name="Espace réservé du contenu 2"/>
+          <p:cNvSpPr>
+            <a:spLocks noGrp="1"/>
+          </p:cNvSpPr>
+          <p:nvPr>
+            <p:ph sz="half" idx="1"/>
+          </p:nvPr>
+        </p:nvSpPr>
+        <p:spPr>
+          <a:xfrm>
+            <a:off x="1066800" y="2103120"/>
+            <a:ext cx="4663440" cy="3749040"/>
+          </a:xfrm>
+        </p:spPr>
+        <p:txBody>
+          <a:bodyPr rtlCol="0"/>
+          <a:lstStyle>
+            <a:lvl1pPr>
+              <a:defRPr sz="1800"/>
+            </a:lvl1pPr>
+            <a:lvl2pPr>
+              <a:defRPr sz="1600"/>
+            </a:lvl2pPr>
+            <a:lvl3pPr>
+              <a:defRPr sz="1400"/>
+            </a:lvl3pPr>
+            <a:lvl4pPr>
+              <a:defRPr sz="1400"/>
+            </a:lvl4pPr>
+            <a:lvl5pPr>
+              <a:defRPr sz="1400"/>
+            </a:lvl5pPr>
+            <a:lvl6pPr>
+              <a:defRPr sz="1400"/>
+            </a:lvl6pPr>
+            <a:lvl7pPr>
+              <a:defRPr sz="1400"/>
+            </a:lvl7pPr>
+            <a:lvl8pPr>
+              <a:defRPr sz="1400"/>
+            </a:lvl8pPr>
+            <a:lvl9pPr>
+              <a:defRPr sz="1400"/>
+            </a:lvl9pPr>
+          </a:lstStyle>
+          <a:p>
+            <a:pPr lvl="0" rtl="0"/>
+            <a:r>
+              <a:rPr lang="fr-FR" noProof="0"/>
+              <a:t>Cliquez pour modifier les styles du texte du masque</a:t>
+            </a:r>
+          </a:p>
+          <a:p>
+            <a:pPr lvl="1" rtl="0"/>
+            <a:r>
+              <a:rPr lang="fr-FR" noProof="0"/>
+              <a:t>Deuxième niveau</a:t>
+            </a:r>
+          </a:p>
+          <a:p>
+            <a:pPr lvl="2" rtl="0"/>
+            <a:r>
+              <a:rPr lang="fr-FR" noProof="0"/>
+              <a:t>Troisième niveau</a:t>
+            </a:r>
+          </a:p>
+          <a:p>
+            <a:pPr lvl="3" rtl="0"/>
+            <a:r>
+              <a:rPr lang="fr-FR" noProof="0"/>
+              <a:t>Quatrième niveau</a:t>
+            </a:r>
+          </a:p>
+          <a:p>
+            <a:pPr lvl="4" rtl="0"/>
+            <a:r>
+              <a:rPr lang="fr-FR" noProof="0"/>
+              <a:t>Cinquième niveau</a:t>
+            </a:r>
+            <a:endParaRPr lang="fr-FR" noProof="0" dirty="0"/>
+          </a:p>
+        </p:txBody>
+      </p:sp>
+      <p:sp>
+        <p:nvSpPr>
+          <p:cNvPr id="4" name="Espace réservé du contenu 3"/>
+          <p:cNvSpPr>
+            <a:spLocks noGrp="1"/>
+          </p:cNvSpPr>
+          <p:nvPr>
+            <p:ph sz="half" idx="2"/>
+          </p:nvPr>
+        </p:nvSpPr>
+        <p:spPr>
+          <a:xfrm>
+            <a:off x="6461760" y="2103120"/>
+            <a:ext cx="4663440" cy="3749040"/>
+          </a:xfrm>
+        </p:spPr>
+        <p:txBody>
+          <a:bodyPr rtlCol="0"/>
+          <a:lstStyle>
+            <a:lvl1pPr>
+              <a:defRPr sz="1800"/>
+            </a:lvl1pPr>
+            <a:lvl2pPr>
+              <a:defRPr sz="1600"/>
+            </a:lvl2pPr>
+            <a:lvl3pPr>
+              <a:defRPr sz="1400"/>
+            </a:lvl3pPr>
+            <a:lvl4pPr>
+              <a:defRPr sz="1400"/>
+            </a:lvl4pPr>
+            <a:lvl5pPr>
+              <a:defRPr sz="1400"/>
+            </a:lvl5pPr>
+            <a:lvl6pPr>
+              <a:defRPr sz="1400"/>
+            </a:lvl6pPr>
+            <a:lvl7pPr>
+              <a:defRPr sz="1400"/>
+            </a:lvl7pPr>
+            <a:lvl8pPr>
+              <a:defRPr sz="1400"/>
+            </a:lvl8pPr>
+            <a:lvl9pPr>
+              <a:defRPr sz="1400"/>
+            </a:lvl9pPr>
+          </a:lstStyle>
+          <a:p>
+            <a:pPr lvl="0" rtl="0"/>
+            <a:r>
+              <a:rPr lang="fr-FR" noProof="0"/>
+              <a:t>Cliquez pour modifier les styles du texte du masque</a:t>
+            </a:r>
+          </a:p>
+          <a:p>
+            <a:pPr lvl="1" rtl="0"/>
+            <a:r>
+              <a:rPr lang="fr-FR" noProof="0"/>
+              <a:t>Deuxième niveau</a:t>
+            </a:r>
+          </a:p>
+          <a:p>
+            <a:pPr lvl="2" rtl="0"/>
+            <a:r>
+              <a:rPr lang="fr-FR" noProof="0"/>
+              <a:t>Troisième niveau</a:t>
+            </a:r>
+          </a:p>
+          <a:p>
+            <a:pPr lvl="3" rtl="0"/>
+            <a:r>
+              <a:rPr lang="fr-FR" noProof="0"/>
+              <a:t>Quatrième niveau</a:t>
+            </a:r>
+          </a:p>
+          <a:p>
+            <a:pPr lvl="4" rtl="0"/>
+            <a:r>
+              <a:rPr lang="fr-FR" noProof="0"/>
+              <a:t>Cinquième niveau</a:t>
+            </a:r>
+            <a:endParaRPr lang="fr-FR" noProof="0" dirty="0"/>
+          </a:p>
+        </p:txBody>
+      </p:sp>
+      <p:sp>
+        <p:nvSpPr>
+          <p:cNvPr id="5" name="Espace réservé de la date 4"/>
+          <p:cNvSpPr>
+            <a:spLocks noGrp="1"/>
+          </p:cNvSpPr>
+          <p:nvPr>
+            <p:ph type="dt" sz="half" idx="10"/>
+          </p:nvPr>
+        </p:nvSpPr>
+        <p:spPr/>
+        <p:txBody>
+          <a:bodyPr rtlCol="0"/>
+          <a:lstStyle/>
+          <a:p>
+            <a:pPr rtl="0"/>
+            <a:fld id="{8D6397E1-94C5-4F9F-B858-2B2904BEBC28}" type="datetime1">
+              <a:rPr lang="fr-FR" noProof="0" smtClean="0"/>
+              <a:t>05/10/2023</a:t>
+            </a:fld>
+            <a:endParaRPr lang="fr-FR" noProof="0" dirty="0"/>
+          </a:p>
+        </p:txBody>
+      </p:sp>
+      <p:sp>
+        <p:nvSpPr>
+          <p:cNvPr id="6" name="Espace réservé du pied de page 5"/>
+          <p:cNvSpPr>
+            <a:spLocks noGrp="1"/>
+          </p:cNvSpPr>
+          <p:nvPr>
+            <p:ph type="ftr" sz="quarter" idx="11"/>
+          </p:nvPr>
+        </p:nvSpPr>
+        <p:spPr/>
+        <p:txBody>
+          <a:bodyPr rtlCol="0"/>
+          <a:lstStyle/>
+          <a:p>
+            <a:pPr rtl="0"/>
+            <a:endParaRPr lang="fr-FR" noProof="0" dirty="0"/>
+          </a:p>
+        </p:txBody>
+      </p:sp>
+      <p:sp>
+        <p:nvSpPr>
+          <p:cNvPr id="7" name="Espace réservé du numéro de diapositive 6"/>
+          <p:cNvSpPr>
+            <a:spLocks noGrp="1"/>
+          </p:cNvSpPr>
+          <p:nvPr>
+            <p:ph type="sldNum" sz="quarter" idx="12"/>
+          </p:nvPr>
+        </p:nvSpPr>
+        <p:spPr/>
+        <p:txBody>
+          <a:bodyPr rtlCol="0"/>
+          <a:lstStyle/>
+          <a:p>
+            <a:pPr rtl="0"/>
+            <a:fld id="{34B7E4EF-A1BD-40F4-AB7B-04F084DD991D}" type="slidenum">
+              <a:rPr lang="fr-FR" noProof="0" smtClean="0"/>
+              <a:t>‹N°›</a:t>
+            </a:fld>
+            <a:endParaRPr lang="fr-FR" noProof="0" dirty="0"/>
+          </a:p>
+        </p:txBody>
+      </p:sp>
+    </p:spTree>
+    <p:extLst>
+      <p:ext uri="{BB962C8B-B14F-4D97-AF65-F5344CB8AC3E}">
+        <p14:creationId xmlns:p14="http://schemas.microsoft.com/office/powerpoint/2010/main" val="1361543611"/>
+      </p:ext>
+    </p:extLst>
+  </p:cSld>
+  <p:clrMapOvr>
+    <a:masterClrMapping/>
+  </p:clrMapOvr>
+</p:sldLayout>
+</file>
+
+<file path=ppt/slideLayouts/slideLayout41.xml><?xml version="1.0" encoding="utf-8"?>
+<p:sldLayout xmlns:a="http://schemas.openxmlformats.org/drawingml/2006/main" xmlns:r="http://schemas.openxmlformats.org/officeDocument/2006/relationships" xmlns:p="http://schemas.openxmlformats.org/presentationml/2006/main" type="twoTxTwoObj" preserve="1">
+  <p:cSld name="Comparaison">
+    <p:spTree>
+      <p:nvGrpSpPr>
+        <p:cNvPr id="1" name=""/>
+        <p:cNvGrpSpPr/>
+        <p:nvPr/>
+      </p:nvGrpSpPr>
+      <p:grpSpPr>
+        <a:xfrm>
+          <a:off x="0" y="0"/>
+          <a:ext cx="0" cy="0"/>
+          <a:chOff x="0" y="0"/>
+          <a:chExt cx="0" cy="0"/>
+        </a:xfrm>
+      </p:grpSpPr>
+      <p:sp>
+        <p:nvSpPr>
+          <p:cNvPr id="2" name="Titre 1"/>
+          <p:cNvSpPr>
+            <a:spLocks noGrp="1"/>
+          </p:cNvSpPr>
+          <p:nvPr>
+            <p:ph type="title"/>
+          </p:nvPr>
+        </p:nvSpPr>
+        <p:spPr/>
+        <p:txBody>
+          <a:bodyPr rtlCol="0"/>
+          <a:lstStyle/>
+          <a:p>
+            <a:pPr rtl="0"/>
+            <a:r>
+              <a:rPr lang="fr-FR" noProof="0"/>
+              <a:t>Modifiez le style du titre</a:t>
+            </a:r>
+            <a:endParaRPr lang="fr-FR" noProof="0" dirty="0"/>
+          </a:p>
+        </p:txBody>
+      </p:sp>
+      <p:sp>
+        <p:nvSpPr>
+          <p:cNvPr id="3" name="Espace réservé du texte 2"/>
+          <p:cNvSpPr>
+            <a:spLocks noGrp="1"/>
+          </p:cNvSpPr>
+          <p:nvPr>
+            <p:ph type="body" idx="1"/>
+          </p:nvPr>
+        </p:nvSpPr>
+        <p:spPr>
+          <a:xfrm>
+            <a:off x="1069848" y="2074334"/>
+            <a:ext cx="4663440" cy="640080"/>
+          </a:xfrm>
+        </p:spPr>
+        <p:txBody>
+          <a:bodyPr rtlCol="0" anchor="ctr">
+            <a:normAutofit/>
+          </a:bodyPr>
+          <a:lstStyle>
+            <a:lvl1pPr marL="0" indent="0" algn="l">
+              <a:spcBef>
+                <a:spcPts val="0"/>
+              </a:spcBef>
+              <a:buNone/>
+              <a:defRPr sz="1900" b="1" i="0">
+                <a:solidFill>
+                  <a:schemeClr val="tx1"/>
+                </a:solidFill>
+                <a:latin typeface="+mn-lt"/>
+              </a:defRPr>
+            </a:lvl1pPr>
+            <a:lvl2pPr marL="457200" indent="0">
+              <a:buNone/>
+              <a:defRPr sz="1800" b="1"/>
+            </a:lvl2pPr>
+            <a:lvl3pPr marL="914400" indent="0">
+              <a:buNone/>
+              <a:defRPr sz="1800" b="1"/>
+            </a:lvl3pPr>
+            <a:lvl4pPr marL="1371600" indent="0">
+              <a:buNone/>
+              <a:defRPr sz="1600" b="1"/>
+            </a:lvl4pPr>
+            <a:lvl5pPr marL="1828800" indent="0">
+              <a:buNone/>
+              <a:defRPr sz="1600" b="1"/>
+            </a:lvl5pPr>
+            <a:lvl6pPr marL="2286000" indent="0">
+              <a:buNone/>
+              <a:defRPr sz="1600" b="1"/>
+            </a:lvl6pPr>
+            <a:lvl7pPr marL="2743200" indent="0">
+              <a:buNone/>
+              <a:defRPr sz="1600" b="1"/>
+            </a:lvl7pPr>
+            <a:lvl8pPr marL="3200400" indent="0">
+              <a:buNone/>
+              <a:defRPr sz="1600" b="1"/>
+            </a:lvl8pPr>
+            <a:lvl9pPr marL="3657600" indent="0">
+              <a:buNone/>
+              <a:defRPr sz="1600" b="1"/>
+            </a:lvl9pPr>
+          </a:lstStyle>
+          <a:p>
+            <a:pPr lvl="0" rtl="0"/>
+            <a:r>
+              <a:rPr lang="fr-FR" noProof="0"/>
+              <a:t>Cliquez pour modifier les styles du texte du masque</a:t>
+            </a:r>
+          </a:p>
+        </p:txBody>
+      </p:sp>
+      <p:sp>
+        <p:nvSpPr>
+          <p:cNvPr id="4" name="Espace réservé du contenu 3"/>
+          <p:cNvSpPr>
+            <a:spLocks noGrp="1"/>
+          </p:cNvSpPr>
+          <p:nvPr>
+            <p:ph sz="half" idx="2"/>
+          </p:nvPr>
+        </p:nvSpPr>
+        <p:spPr>
+          <a:xfrm>
+            <a:off x="1069848" y="2792472"/>
+            <a:ext cx="4663440" cy="3163825"/>
+          </a:xfrm>
+        </p:spPr>
+        <p:txBody>
+          <a:bodyPr rtlCol="0"/>
+          <a:lstStyle>
+            <a:lvl1pPr>
+              <a:defRPr sz="1800"/>
+            </a:lvl1pPr>
+            <a:lvl2pPr>
+              <a:defRPr sz="1600"/>
+            </a:lvl2pPr>
+            <a:lvl3pPr>
+              <a:defRPr sz="1400"/>
+            </a:lvl3pPr>
+            <a:lvl4pPr>
+              <a:defRPr sz="1400"/>
+            </a:lvl4pPr>
+            <a:lvl5pPr>
+              <a:defRPr sz="1400"/>
+            </a:lvl5pPr>
+            <a:lvl6pPr>
+              <a:defRPr sz="1400"/>
+            </a:lvl6pPr>
+            <a:lvl7pPr>
+              <a:defRPr sz="1400"/>
+            </a:lvl7pPr>
+            <a:lvl8pPr>
+              <a:defRPr sz="1400"/>
+            </a:lvl8pPr>
+            <a:lvl9pPr>
+              <a:defRPr sz="1400"/>
+            </a:lvl9pPr>
+          </a:lstStyle>
+          <a:p>
+            <a:pPr lvl="0" rtl="0"/>
+            <a:r>
+              <a:rPr lang="fr-FR" noProof="0"/>
+              <a:t>Cliquez pour modifier les styles du texte du masque</a:t>
+            </a:r>
+          </a:p>
+          <a:p>
+            <a:pPr lvl="1" rtl="0"/>
+            <a:r>
+              <a:rPr lang="fr-FR" noProof="0"/>
+              <a:t>Deuxième niveau</a:t>
+            </a:r>
+          </a:p>
+          <a:p>
+            <a:pPr lvl="2" rtl="0"/>
+            <a:r>
+              <a:rPr lang="fr-FR" noProof="0"/>
+              <a:t>Troisième niveau</a:t>
+            </a:r>
+          </a:p>
+          <a:p>
+            <a:pPr lvl="3" rtl="0"/>
+            <a:r>
+              <a:rPr lang="fr-FR" noProof="0"/>
+              <a:t>Quatrième niveau</a:t>
+            </a:r>
+          </a:p>
+          <a:p>
+            <a:pPr lvl="4" rtl="0"/>
+            <a:r>
+              <a:rPr lang="fr-FR" noProof="0"/>
+              <a:t>Cinquième niveau</a:t>
+            </a:r>
+            <a:endParaRPr lang="fr-FR" noProof="0" dirty="0"/>
+          </a:p>
+        </p:txBody>
+      </p:sp>
+      <p:sp>
+        <p:nvSpPr>
+          <p:cNvPr id="5" name="Espace réservé du texte 4"/>
+          <p:cNvSpPr>
+            <a:spLocks noGrp="1"/>
+          </p:cNvSpPr>
+          <p:nvPr>
+            <p:ph type="body" sz="quarter" idx="3"/>
+          </p:nvPr>
+        </p:nvSpPr>
+        <p:spPr>
+          <a:xfrm>
+            <a:off x="6458712" y="2074334"/>
+            <a:ext cx="4663440" cy="640080"/>
+          </a:xfrm>
+        </p:spPr>
+        <p:txBody>
+          <a:bodyPr rtlCol="0" anchor="ctr">
+            <a:normAutofit/>
+          </a:bodyPr>
+          <a:lstStyle>
+            <a:lvl1pPr marL="0" indent="0" algn="l">
+              <a:spcBef>
+                <a:spcPts val="0"/>
+              </a:spcBef>
+              <a:buNone/>
+              <a:defRPr sz="1900" b="1">
+                <a:solidFill>
+                  <a:schemeClr val="tx1"/>
+                </a:solidFill>
+              </a:defRPr>
+            </a:lvl1pPr>
+            <a:lvl2pPr marL="457200" indent="0">
+              <a:buNone/>
+              <a:defRPr sz="1800" b="1"/>
+            </a:lvl2pPr>
+            <a:lvl3pPr marL="914400" indent="0">
+              <a:buNone/>
+              <a:defRPr sz="1800" b="1"/>
+            </a:lvl3pPr>
+            <a:lvl4pPr marL="1371600" indent="0">
+              <a:buNone/>
+              <a:defRPr sz="1600" b="1"/>
+            </a:lvl4pPr>
+            <a:lvl5pPr marL="1828800" indent="0">
+              <a:buNone/>
+              <a:defRPr sz="1600" b="1"/>
+            </a:lvl5pPr>
+            <a:lvl6pPr marL="2286000" indent="0">
+              <a:buNone/>
+              <a:defRPr sz="1600" b="1"/>
+            </a:lvl6pPr>
+            <a:lvl7pPr marL="2743200" indent="0">
+              <a:buNone/>
+              <a:defRPr sz="1600" b="1"/>
+            </a:lvl7pPr>
+            <a:lvl8pPr marL="3200400" indent="0">
+              <a:buNone/>
+              <a:defRPr sz="1600" b="1"/>
+            </a:lvl8pPr>
+            <a:lvl9pPr marL="3657600" indent="0">
+              <a:buNone/>
+              <a:defRPr sz="1600" b="1"/>
+            </a:lvl9pPr>
+          </a:lstStyle>
+          <a:p>
+            <a:pPr lvl="0" rtl="0"/>
+            <a:r>
+              <a:rPr lang="fr-FR" noProof="0"/>
+              <a:t>Cliquez pour modifier les styles du texte du masque</a:t>
+            </a:r>
+          </a:p>
+        </p:txBody>
+      </p:sp>
+      <p:sp>
+        <p:nvSpPr>
+          <p:cNvPr id="6" name="Espace réservé du contenu 5"/>
+          <p:cNvSpPr>
+            <a:spLocks noGrp="1"/>
+          </p:cNvSpPr>
+          <p:nvPr>
+            <p:ph sz="quarter" idx="4"/>
+          </p:nvPr>
+        </p:nvSpPr>
+        <p:spPr>
+          <a:xfrm>
+            <a:off x="6458712" y="2792471"/>
+            <a:ext cx="4663440" cy="3164509"/>
+          </a:xfrm>
+        </p:spPr>
+        <p:txBody>
+          <a:bodyPr rtlCol="0"/>
+          <a:lstStyle>
+            <a:lvl1pPr>
+              <a:defRPr sz="1800"/>
+            </a:lvl1pPr>
+            <a:lvl2pPr>
+              <a:defRPr sz="1600"/>
+            </a:lvl2pPr>
+            <a:lvl3pPr>
+              <a:defRPr sz="1400"/>
+            </a:lvl3pPr>
+            <a:lvl4pPr>
+              <a:defRPr sz="1400"/>
+            </a:lvl4pPr>
+            <a:lvl5pPr>
+              <a:defRPr sz="1400"/>
+            </a:lvl5pPr>
+            <a:lvl6pPr>
+              <a:defRPr sz="1400"/>
+            </a:lvl6pPr>
+            <a:lvl7pPr>
+              <a:defRPr sz="1400"/>
+            </a:lvl7pPr>
+            <a:lvl8pPr>
+              <a:defRPr sz="1400"/>
+            </a:lvl8pPr>
+            <a:lvl9pPr>
+              <a:defRPr sz="1400"/>
+            </a:lvl9pPr>
+          </a:lstStyle>
+          <a:p>
+            <a:pPr lvl="0" rtl="0"/>
+            <a:r>
+              <a:rPr lang="fr-FR" noProof="0"/>
+              <a:t>Cliquez pour modifier les styles du texte du masque</a:t>
+            </a:r>
+          </a:p>
+          <a:p>
+            <a:pPr lvl="1" rtl="0"/>
+            <a:r>
+              <a:rPr lang="fr-FR" noProof="0"/>
+              <a:t>Deuxième niveau</a:t>
+            </a:r>
+          </a:p>
+          <a:p>
+            <a:pPr lvl="2" rtl="0"/>
+            <a:r>
+              <a:rPr lang="fr-FR" noProof="0"/>
+              <a:t>Troisième niveau</a:t>
+            </a:r>
+          </a:p>
+          <a:p>
+            <a:pPr lvl="3" rtl="0"/>
+            <a:r>
+              <a:rPr lang="fr-FR" noProof="0"/>
+              <a:t>Quatrième niveau</a:t>
+            </a:r>
+          </a:p>
+          <a:p>
+            <a:pPr lvl="4" rtl="0"/>
+            <a:r>
+              <a:rPr lang="fr-FR" noProof="0"/>
+              <a:t>Cinquième niveau</a:t>
+            </a:r>
+            <a:endParaRPr lang="fr-FR" noProof="0" dirty="0"/>
+          </a:p>
+        </p:txBody>
+      </p:sp>
+      <p:sp>
+        <p:nvSpPr>
+          <p:cNvPr id="7" name="Espace réservé de la date 6"/>
+          <p:cNvSpPr>
+            <a:spLocks noGrp="1"/>
+          </p:cNvSpPr>
+          <p:nvPr>
+            <p:ph type="dt" sz="half" idx="10"/>
+          </p:nvPr>
+        </p:nvSpPr>
+        <p:spPr/>
+        <p:txBody>
+          <a:bodyPr rtlCol="0"/>
+          <a:lstStyle/>
+          <a:p>
+            <a:pPr rtl="0"/>
+            <a:fld id="{C222DF5F-E4BE-4466-A7A0-C61E58FEFC9F}" type="datetime1">
+              <a:rPr lang="fr-FR" noProof="0" smtClean="0"/>
+              <a:t>05/10/2023</a:t>
+            </a:fld>
+            <a:endParaRPr lang="fr-FR" noProof="0" dirty="0"/>
+          </a:p>
+        </p:txBody>
+      </p:sp>
+      <p:sp>
+        <p:nvSpPr>
+          <p:cNvPr id="8" name="Espace réservé du pied de page 7"/>
+          <p:cNvSpPr>
+            <a:spLocks noGrp="1"/>
+          </p:cNvSpPr>
+          <p:nvPr>
+            <p:ph type="ftr" sz="quarter" idx="11"/>
+          </p:nvPr>
+        </p:nvSpPr>
+        <p:spPr/>
+        <p:txBody>
+          <a:bodyPr rtlCol="0"/>
+          <a:lstStyle/>
+          <a:p>
+            <a:pPr rtl="0"/>
+            <a:endParaRPr lang="fr-FR" noProof="0" dirty="0"/>
+          </a:p>
+        </p:txBody>
+      </p:sp>
+      <p:sp>
+        <p:nvSpPr>
+          <p:cNvPr id="9" name="Espace réservé du numéro de diapositive 8"/>
+          <p:cNvSpPr>
+            <a:spLocks noGrp="1"/>
+          </p:cNvSpPr>
+          <p:nvPr>
+            <p:ph type="sldNum" sz="quarter" idx="12"/>
+          </p:nvPr>
+        </p:nvSpPr>
+        <p:spPr/>
+        <p:txBody>
+          <a:bodyPr rtlCol="0"/>
+          <a:lstStyle/>
+          <a:p>
+            <a:pPr rtl="0"/>
+            <a:fld id="{34B7E4EF-A1BD-40F4-AB7B-04F084DD991D}" type="slidenum">
+              <a:rPr lang="fr-FR" noProof="0" smtClean="0"/>
+              <a:t>‹N°›</a:t>
+            </a:fld>
+            <a:endParaRPr lang="fr-FR" noProof="0" dirty="0"/>
+          </a:p>
+        </p:txBody>
+      </p:sp>
+    </p:spTree>
+    <p:extLst>
+      <p:ext uri="{BB962C8B-B14F-4D97-AF65-F5344CB8AC3E}">
+        <p14:creationId xmlns:p14="http://schemas.microsoft.com/office/powerpoint/2010/main" val="2480212170"/>
+      </p:ext>
+    </p:extLst>
+  </p:cSld>
+  <p:clrMapOvr>
+    <a:masterClrMapping/>
+  </p:clrMapOvr>
+</p:sldLayout>
+</file>
+
+<file path=ppt/slideLayouts/slideLayout42.xml><?xml version="1.0" encoding="utf-8"?>
+<p:sldLayout xmlns:a="http://schemas.openxmlformats.org/drawingml/2006/main" xmlns:r="http://schemas.openxmlformats.org/officeDocument/2006/relationships" xmlns:p="http://schemas.openxmlformats.org/presentationml/2006/main" type="titleOnly" preserve="1">
+  <p:cSld name="Titre uniquement">
+    <p:spTree>
+      <p:nvGrpSpPr>
+        <p:cNvPr id="1" name=""/>
+        <p:cNvGrpSpPr/>
+        <p:nvPr/>
+      </p:nvGrpSpPr>
+      <p:grpSpPr>
+        <a:xfrm>
+          <a:off x="0" y="0"/>
+          <a:ext cx="0" cy="0"/>
+          <a:chOff x="0" y="0"/>
+          <a:chExt cx="0" cy="0"/>
+        </a:xfrm>
+      </p:grpSpPr>
+      <p:sp>
+        <p:nvSpPr>
+          <p:cNvPr id="2" name="Titre 1"/>
+          <p:cNvSpPr>
+            <a:spLocks noGrp="1"/>
+          </p:cNvSpPr>
+          <p:nvPr>
+            <p:ph type="title"/>
+          </p:nvPr>
+        </p:nvSpPr>
+        <p:spPr/>
+        <p:txBody>
+          <a:bodyPr rtlCol="0"/>
+          <a:lstStyle/>
+          <a:p>
+            <a:pPr rtl="0"/>
+            <a:r>
+              <a:rPr lang="fr-FR" noProof="0"/>
+              <a:t>Modifiez le style du titre</a:t>
+            </a:r>
+            <a:endParaRPr lang="fr-FR" noProof="0" dirty="0"/>
+          </a:p>
+        </p:txBody>
+      </p:sp>
+      <p:sp>
+        <p:nvSpPr>
+          <p:cNvPr id="3" name="Espace réservé de la date 2"/>
+          <p:cNvSpPr>
+            <a:spLocks noGrp="1"/>
+          </p:cNvSpPr>
+          <p:nvPr>
+            <p:ph type="dt" sz="half" idx="10"/>
+          </p:nvPr>
+        </p:nvSpPr>
+        <p:spPr/>
+        <p:txBody>
+          <a:bodyPr rtlCol="0"/>
+          <a:lstStyle/>
+          <a:p>
+            <a:pPr rtl="0"/>
+            <a:fld id="{8D58B373-175C-4769-A0D9-859F23B39FDB}" type="datetime1">
+              <a:rPr lang="fr-FR" noProof="0" smtClean="0"/>
+              <a:t>05/10/2023</a:t>
+            </a:fld>
+            <a:endParaRPr lang="fr-FR" noProof="0" dirty="0"/>
+          </a:p>
+        </p:txBody>
+      </p:sp>
+      <p:sp>
+        <p:nvSpPr>
+          <p:cNvPr id="4" name="Espace réservé du pied de page 3"/>
+          <p:cNvSpPr>
+            <a:spLocks noGrp="1"/>
+          </p:cNvSpPr>
+          <p:nvPr>
+            <p:ph type="ftr" sz="quarter" idx="11"/>
+          </p:nvPr>
+        </p:nvSpPr>
+        <p:spPr/>
+        <p:txBody>
+          <a:bodyPr rtlCol="0"/>
+          <a:lstStyle/>
+          <a:p>
+            <a:pPr rtl="0"/>
+            <a:endParaRPr lang="fr-FR" noProof="0" dirty="0"/>
+          </a:p>
+        </p:txBody>
+      </p:sp>
+      <p:sp>
+        <p:nvSpPr>
+          <p:cNvPr id="5" name="Espace réservé du numéro de diapositive 4"/>
+          <p:cNvSpPr>
+            <a:spLocks noGrp="1"/>
+          </p:cNvSpPr>
+          <p:nvPr>
+            <p:ph type="sldNum" sz="quarter" idx="12"/>
+          </p:nvPr>
+        </p:nvSpPr>
+        <p:spPr/>
+        <p:txBody>
+          <a:bodyPr rtlCol="0"/>
+          <a:lstStyle/>
+          <a:p>
+            <a:pPr rtl="0"/>
+            <a:fld id="{34B7E4EF-A1BD-40F4-AB7B-04F084DD991D}" type="slidenum">
+              <a:rPr lang="fr-FR" noProof="0" smtClean="0"/>
+              <a:t>‹N°›</a:t>
+            </a:fld>
+            <a:endParaRPr lang="fr-FR" noProof="0" dirty="0"/>
+          </a:p>
+        </p:txBody>
+      </p:sp>
+    </p:spTree>
+    <p:extLst>
+      <p:ext uri="{BB962C8B-B14F-4D97-AF65-F5344CB8AC3E}">
+        <p14:creationId xmlns:p14="http://schemas.microsoft.com/office/powerpoint/2010/main" val="1862430519"/>
+      </p:ext>
+    </p:extLst>
+  </p:cSld>
+  <p:clrMapOvr>
+    <a:masterClrMapping/>
+  </p:clrMapOvr>
+</p:sldLayout>
+</file>
+
+<file path=ppt/slideLayouts/slideLayout43.xml><?xml version="1.0" encoding="utf-8"?>
+<p:sldLayout xmlns:a="http://schemas.openxmlformats.org/drawingml/2006/main" xmlns:r="http://schemas.openxmlformats.org/officeDocument/2006/relationships" xmlns:p="http://schemas.openxmlformats.org/presentationml/2006/main" type="blank" preserve="1">
+  <p:cSld name="Vide">
+    <p:spTree>
+      <p:nvGrpSpPr>
+        <p:cNvPr id="1" name=""/>
+        <p:cNvGrpSpPr/>
+        <p:nvPr/>
+      </p:nvGrpSpPr>
+      <p:grpSpPr>
+        <a:xfrm>
+          <a:off x="0" y="0"/>
+          <a:ext cx="0" cy="0"/>
+          <a:chOff x="0" y="0"/>
+          <a:chExt cx="0" cy="0"/>
+        </a:xfrm>
+      </p:grpSpPr>
+      <p:sp>
+        <p:nvSpPr>
+          <p:cNvPr id="2" name="Espace réservé de la date 1"/>
+          <p:cNvSpPr>
+            <a:spLocks noGrp="1"/>
+          </p:cNvSpPr>
+          <p:nvPr>
+            <p:ph type="dt" sz="half" idx="10"/>
+          </p:nvPr>
+        </p:nvSpPr>
+        <p:spPr/>
+        <p:txBody>
+          <a:bodyPr rtlCol="0"/>
+          <a:lstStyle/>
+          <a:p>
+            <a:pPr rtl="0"/>
+            <a:fld id="{A9CAEE99-E858-4436-BAF5-1ACF2EFC4104}" type="datetime1">
+              <a:rPr lang="fr-FR" noProof="0" smtClean="0"/>
+              <a:t>05/10/2023</a:t>
+            </a:fld>
+            <a:endParaRPr lang="fr-FR" noProof="0" dirty="0"/>
+          </a:p>
+        </p:txBody>
+      </p:sp>
+      <p:sp>
+        <p:nvSpPr>
+          <p:cNvPr id="3" name="Espace réservé du pied de page 2"/>
+          <p:cNvSpPr>
+            <a:spLocks noGrp="1"/>
+          </p:cNvSpPr>
+          <p:nvPr>
+            <p:ph type="ftr" sz="quarter" idx="11"/>
+          </p:nvPr>
+        </p:nvSpPr>
+        <p:spPr/>
+        <p:txBody>
+          <a:bodyPr rtlCol="0"/>
+          <a:lstStyle/>
+          <a:p>
+            <a:pPr rtl="0"/>
+            <a:endParaRPr lang="fr-FR" noProof="0" dirty="0"/>
+          </a:p>
+        </p:txBody>
+      </p:sp>
+      <p:sp>
+        <p:nvSpPr>
+          <p:cNvPr id="4" name="Espace réservé du numéro de diapositive 3"/>
+          <p:cNvSpPr>
+            <a:spLocks noGrp="1"/>
+          </p:cNvSpPr>
+          <p:nvPr>
+            <p:ph type="sldNum" sz="quarter" idx="12"/>
+          </p:nvPr>
+        </p:nvSpPr>
+        <p:spPr/>
+        <p:txBody>
+          <a:bodyPr rtlCol="0"/>
+          <a:lstStyle/>
+          <a:p>
+            <a:pPr rtl="0"/>
+            <a:fld id="{34B7E4EF-A1BD-40F4-AB7B-04F084DD991D}" type="slidenum">
+              <a:rPr lang="fr-FR" noProof="0" smtClean="0"/>
+              <a:t>‹N°›</a:t>
+            </a:fld>
+            <a:endParaRPr lang="fr-FR" noProof="0" dirty="0"/>
+          </a:p>
+        </p:txBody>
+      </p:sp>
+    </p:spTree>
+    <p:extLst>
+      <p:ext uri="{BB962C8B-B14F-4D97-AF65-F5344CB8AC3E}">
+        <p14:creationId xmlns:p14="http://schemas.microsoft.com/office/powerpoint/2010/main" val="1597806991"/>
+      </p:ext>
+    </p:extLst>
+  </p:cSld>
+  <p:clrMapOvr>
+    <a:masterClrMapping/>
+  </p:clrMapOvr>
+</p:sldLayout>
+</file>
+
+<file path=ppt/slideLayouts/slideLayout44.xml><?xml version="1.0" encoding="utf-8"?>
+<p:sldLayout xmlns:a="http://schemas.openxmlformats.org/drawingml/2006/main" xmlns:r="http://schemas.openxmlformats.org/officeDocument/2006/relationships" xmlns:p="http://schemas.openxmlformats.org/presentationml/2006/main" showMasterSp="0" type="objTx" preserve="1">
+  <p:cSld name="Contenu avec légende">
+    <p:spTree>
+      <p:nvGrpSpPr>
+        <p:cNvPr id="1" name=""/>
+        <p:cNvGrpSpPr/>
+        <p:nvPr/>
+      </p:nvGrpSpPr>
+      <p:grpSpPr>
+        <a:xfrm>
+          <a:off x="0" y="0"/>
+          <a:ext cx="0" cy="0"/>
+          <a:chOff x="0" y="0"/>
+          <a:chExt cx="0" cy="0"/>
+        </a:xfrm>
+      </p:grpSpPr>
+      <p:sp>
+        <p:nvSpPr>
+          <p:cNvPr id="10" name="Rectangle 9">
+            <a:extLst>
+              <a:ext uri="{FF2B5EF4-FFF2-40B4-BE49-F238E27FC236}">
+                <a16:creationId xmlns:a16="http://schemas.microsoft.com/office/drawing/2014/main" id="{D5E1BBF9-8BEF-4353-BA68-30AAF9EBD8D8}"/>
+              </a:ext>
+            </a:extLst>
+          </p:cNvPr>
+          <p:cNvSpPr/>
+          <p:nvPr/>
+        </p:nvSpPr>
+        <p:spPr>
+          <a:xfrm>
+            <a:off x="8119870" y="237744"/>
+            <a:ext cx="3826596" cy="6382512"/>
+          </a:xfrm>
+          <a:prstGeom prst="rect">
+            <a:avLst/>
+          </a:prstGeom>
+          <a:solidFill>
+            <a:schemeClr val="bg1">
+              <a:lumMod val="85000"/>
+              <a:alpha val="60000"/>
+            </a:schemeClr>
+          </a:solidFill>
+          <a:ln>
+            <a:noFill/>
+          </a:ln>
+        </p:spPr>
+        <p:style>
+          <a:lnRef idx="2">
+            <a:schemeClr val="accent1">
+              <a:shade val="50000"/>
+            </a:schemeClr>
+          </a:lnRef>
+          <a:fillRef idx="1">
+            <a:schemeClr val="accent1"/>
+          </a:fillRef>
+          <a:effectRef idx="0">
+            <a:schemeClr val="accent1"/>
+          </a:effectRef>
+          <a:fontRef idx="minor">
+            <a:schemeClr val="lt1"/>
+          </a:fontRef>
+        </p:style>
+      </p:sp>
+      <p:sp>
+        <p:nvSpPr>
+          <p:cNvPr id="13" name="Rectangle 12">
+            <a:extLst>
+              <a:ext uri="{FF2B5EF4-FFF2-40B4-BE49-F238E27FC236}">
+                <a16:creationId xmlns:a16="http://schemas.microsoft.com/office/drawing/2014/main" id="{5B941C21-2A5D-4912-AB06-1BB0C0EB6AE1}"/>
+              </a:ext>
+            </a:extLst>
+          </p:cNvPr>
+          <p:cNvSpPr/>
+          <p:nvPr/>
+        </p:nvSpPr>
+        <p:spPr>
+          <a:xfrm>
+            <a:off x="8254660" y="374904"/>
+            <a:ext cx="3557016" cy="6108192"/>
+          </a:xfrm>
+          <a:prstGeom prst="rect">
+            <a:avLst/>
+          </a:prstGeom>
+          <a:noFill/>
+          <a:ln w="6350" cap="sq">
+            <a:solidFill>
+              <a:schemeClr val="tx1">
+                <a:lumMod val="75000"/>
+                <a:lumOff val="25000"/>
+              </a:schemeClr>
+            </a:solidFill>
+            <a:miter lim="800000"/>
+          </a:ln>
+        </p:spPr>
+        <p:style>
+          <a:lnRef idx="2">
+            <a:schemeClr val="accent1">
+              <a:shade val="50000"/>
+            </a:schemeClr>
+          </a:lnRef>
+          <a:fillRef idx="1">
+            <a:schemeClr val="accent1"/>
+          </a:fillRef>
+          <a:effectRef idx="0">
+            <a:schemeClr val="accent1"/>
+          </a:effectRef>
+          <a:fontRef idx="minor">
+            <a:schemeClr val="lt1"/>
+          </a:fontRef>
+        </p:style>
+      </p:sp>
+      <p:sp>
+        <p:nvSpPr>
+          <p:cNvPr id="2" name="Titre 1"/>
+          <p:cNvSpPr>
+            <a:spLocks noGrp="1"/>
+          </p:cNvSpPr>
+          <p:nvPr>
+            <p:ph type="title"/>
+          </p:nvPr>
+        </p:nvSpPr>
+        <p:spPr>
+          <a:xfrm>
+            <a:off x="8458200" y="607392"/>
+            <a:ext cx="3161963" cy="1645920"/>
+          </a:xfrm>
+        </p:spPr>
+        <p:txBody>
+          <a:bodyPr rtlCol="0" anchor="b">
+            <a:normAutofit/>
+          </a:bodyPr>
+          <a:lstStyle>
+            <a:lvl1pPr algn="l" defTabSz="914400" rtl="0" eaLnBrk="1" latinLnBrk="0" hangingPunct="1">
+              <a:lnSpc>
+                <a:spcPct val="100000"/>
+              </a:lnSpc>
+              <a:spcBef>
+                <a:spcPct val="0"/>
+              </a:spcBef>
+              <a:buNone/>
+              <a:defRPr lang="en-US" sz="3200" b="0" kern="1200" cap="none" spc="0" baseline="0" dirty="0">
+                <a:solidFill>
+                  <a:schemeClr val="tx1"/>
+                </a:solidFill>
+                <a:effectLst/>
+                <a:latin typeface="+mj-lt"/>
+                <a:ea typeface="+mn-ea"/>
+                <a:cs typeface="+mn-cs"/>
+              </a:defRPr>
+            </a:lvl1pPr>
+          </a:lstStyle>
+          <a:p>
+            <a:pPr rtl="0"/>
+            <a:r>
+              <a:rPr lang="fr-FR" noProof="0"/>
+              <a:t>Modifiez le style du titre</a:t>
+            </a:r>
+            <a:endParaRPr lang="fr-FR" noProof="0" dirty="0"/>
+          </a:p>
+        </p:txBody>
+      </p:sp>
+      <p:sp>
+        <p:nvSpPr>
+          <p:cNvPr id="3" name="Espace réservé du contenu 2"/>
+          <p:cNvSpPr>
+            <a:spLocks noGrp="1"/>
+          </p:cNvSpPr>
+          <p:nvPr>
+            <p:ph idx="1"/>
+          </p:nvPr>
+        </p:nvSpPr>
+        <p:spPr>
+          <a:xfrm>
+            <a:off x="685800" y="609600"/>
+            <a:ext cx="6858000" cy="5334000"/>
+          </a:xfrm>
+        </p:spPr>
+        <p:txBody>
+          <a:bodyPr rtlCol="0"/>
+          <a:lstStyle>
+            <a:lvl1pPr>
+              <a:defRPr sz="1900"/>
+            </a:lvl1pPr>
+            <a:lvl2pPr>
+              <a:defRPr sz="1600"/>
+            </a:lvl2pPr>
+            <a:lvl3pPr>
+              <a:defRPr sz="1400"/>
+            </a:lvl3pPr>
+            <a:lvl4pPr>
+              <a:defRPr sz="1400"/>
+            </a:lvl4pPr>
+            <a:lvl5pPr>
+              <a:defRPr sz="1400"/>
+            </a:lvl5pPr>
+            <a:lvl6pPr>
+              <a:defRPr sz="1400"/>
+            </a:lvl6pPr>
+            <a:lvl7pPr>
+              <a:defRPr sz="1400"/>
+            </a:lvl7pPr>
+            <a:lvl8pPr>
+              <a:defRPr sz="1400"/>
+            </a:lvl8pPr>
+            <a:lvl9pPr>
+              <a:defRPr sz="1400"/>
+            </a:lvl9pPr>
+          </a:lstStyle>
+          <a:p>
+            <a:pPr lvl="0" rtl="0"/>
+            <a:r>
+              <a:rPr lang="fr-FR" noProof="0"/>
+              <a:t>Cliquez pour modifier les styles du texte du masque</a:t>
+            </a:r>
+          </a:p>
+          <a:p>
+            <a:pPr lvl="1" rtl="0"/>
+            <a:r>
+              <a:rPr lang="fr-FR" noProof="0"/>
+              <a:t>Deuxième niveau</a:t>
+            </a:r>
+          </a:p>
+          <a:p>
+            <a:pPr lvl="2" rtl="0"/>
+            <a:r>
+              <a:rPr lang="fr-FR" noProof="0"/>
+              <a:t>Troisième niveau</a:t>
+            </a:r>
+          </a:p>
+          <a:p>
+            <a:pPr lvl="3" rtl="0"/>
+            <a:r>
+              <a:rPr lang="fr-FR" noProof="0"/>
+              <a:t>Quatrième niveau</a:t>
+            </a:r>
+          </a:p>
+          <a:p>
+            <a:pPr lvl="4" rtl="0"/>
+            <a:r>
+              <a:rPr lang="fr-FR" noProof="0"/>
+              <a:t>Cinquième niveau</a:t>
+            </a:r>
+            <a:endParaRPr lang="fr-FR" noProof="0" dirty="0"/>
+          </a:p>
+        </p:txBody>
+      </p:sp>
+      <p:sp>
+        <p:nvSpPr>
+          <p:cNvPr id="4" name="Espace réservé du texte 3"/>
+          <p:cNvSpPr>
+            <a:spLocks noGrp="1"/>
+          </p:cNvSpPr>
+          <p:nvPr>
+            <p:ph type="body" sz="half" idx="2" hasCustomPrompt="1"/>
+          </p:nvPr>
+        </p:nvSpPr>
+        <p:spPr>
+          <a:xfrm>
+            <a:off x="8458200" y="2336800"/>
+            <a:ext cx="3161963" cy="3606800"/>
+          </a:xfrm>
+        </p:spPr>
+        <p:txBody>
+          <a:bodyPr rtlCol="0">
+            <a:normAutofit/>
+          </a:bodyPr>
+          <a:lstStyle>
+            <a:lvl1pPr marL="0" indent="0" rtl="0">
+              <a:lnSpc>
+                <a:spcPct val="110000"/>
+              </a:lnSpc>
+              <a:spcBef>
+                <a:spcPts val="800"/>
+              </a:spcBef>
+              <a:buNone/>
+              <a:defRPr sz="1800">
+                <a:solidFill>
+                  <a:schemeClr val="tx1"/>
+                </a:solidFill>
+              </a:defRPr>
+            </a:lvl1pPr>
+            <a:lvl2pPr marL="457200" indent="0">
+              <a:buNone/>
+              <a:defRPr sz="1200"/>
+            </a:lvl2pPr>
+            <a:lvl3pPr marL="914400" indent="0">
+              <a:buNone/>
+              <a:defRPr sz="1000"/>
+            </a:lvl3pPr>
+            <a:lvl4pPr marL="1371600" indent="0">
+              <a:buNone/>
+              <a:defRPr sz="900"/>
+            </a:lvl4pPr>
+            <a:lvl5pPr marL="1828800" indent="0">
+              <a:buNone/>
+              <a:defRPr sz="900"/>
+            </a:lvl5pPr>
+            <a:lvl6pPr marL="2286000" indent="0">
+              <a:buNone/>
+              <a:defRPr sz="900"/>
+            </a:lvl6pPr>
+            <a:lvl7pPr marL="2743200" indent="0">
+              <a:buNone/>
+              <a:defRPr sz="900"/>
+            </a:lvl7pPr>
+            <a:lvl8pPr marL="3200400" indent="0">
+              <a:buNone/>
+              <a:defRPr sz="900"/>
+            </a:lvl8pPr>
+            <a:lvl9pPr marL="3657600" indent="0">
+              <a:buNone/>
+              <a:defRPr sz="900"/>
+            </a:lvl9pPr>
+          </a:lstStyle>
+          <a:p>
+            <a:pPr lvl="0" rtl="0"/>
+            <a:r>
+              <a:rPr lang="fr-FR" noProof="0" dirty="0"/>
+              <a:t>Modifiez les styles du texte du masque</a:t>
+            </a:r>
+          </a:p>
+        </p:txBody>
+      </p:sp>
+      <p:sp>
+        <p:nvSpPr>
+          <p:cNvPr id="8" name="Espace réservé de la date 7"/>
+          <p:cNvSpPr>
+            <a:spLocks noGrp="1"/>
+          </p:cNvSpPr>
+          <p:nvPr>
+            <p:ph type="dt" sz="half" idx="10"/>
+          </p:nvPr>
+        </p:nvSpPr>
+        <p:spPr>
+          <a:xfrm>
+            <a:off x="5588000" y="6035040"/>
+            <a:ext cx="1955800" cy="365760"/>
+          </a:xfrm>
+        </p:spPr>
+        <p:txBody>
+          <a:bodyPr rtlCol="0"/>
+          <a:lstStyle>
+            <a:lvl1pPr>
+              <a:defRPr>
+                <a:solidFill>
+                  <a:schemeClr val="tx1">
+                    <a:lumMod val="85000"/>
+                    <a:lumOff val="15000"/>
+                  </a:schemeClr>
+                </a:solidFill>
+              </a:defRPr>
+            </a:lvl1pPr>
+          </a:lstStyle>
+          <a:p>
+            <a:pPr rtl="0"/>
+            <a:fld id="{EABDF2FA-915F-493A-9BD8-70C144109E70}" type="datetime1">
+              <a:rPr lang="fr-FR" noProof="0" smtClean="0"/>
+              <a:t>05/10/2023</a:t>
+            </a:fld>
+            <a:endParaRPr lang="fr-FR" noProof="0" dirty="0"/>
+          </a:p>
+        </p:txBody>
+      </p:sp>
+      <p:sp>
+        <p:nvSpPr>
+          <p:cNvPr id="9" name="Espace réservé du pied de page 8"/>
+          <p:cNvSpPr>
+            <a:spLocks noGrp="1"/>
+          </p:cNvSpPr>
+          <p:nvPr>
+            <p:ph type="ftr" sz="quarter" idx="11"/>
+          </p:nvPr>
+        </p:nvSpPr>
+        <p:spPr>
+          <a:xfrm>
+            <a:off x="685801" y="6035040"/>
+            <a:ext cx="4584700" cy="365760"/>
+          </a:xfrm>
+        </p:spPr>
+        <p:txBody>
+          <a:bodyPr rtlCol="0"/>
+          <a:lstStyle>
+            <a:lvl1pPr algn="l">
+              <a:defRPr/>
+            </a:lvl1pPr>
+          </a:lstStyle>
+          <a:p>
+            <a:pPr rtl="0"/>
+            <a:endParaRPr lang="fr-FR" noProof="0" dirty="0"/>
+          </a:p>
+        </p:txBody>
+      </p:sp>
+      <p:sp>
+        <p:nvSpPr>
+          <p:cNvPr id="11" name="Espace réservé du numéro de diapositive 10"/>
+          <p:cNvSpPr>
+            <a:spLocks noGrp="1"/>
+          </p:cNvSpPr>
+          <p:nvPr>
+            <p:ph type="sldNum" sz="quarter" idx="12"/>
+          </p:nvPr>
+        </p:nvSpPr>
+        <p:spPr>
+          <a:xfrm>
+            <a:off x="10396728" y="6035040"/>
+            <a:ext cx="1223435" cy="365760"/>
+          </a:xfrm>
+        </p:spPr>
+        <p:txBody>
+          <a:bodyPr rtlCol="0"/>
+          <a:lstStyle>
+            <a:lvl1pPr>
+              <a:defRPr>
+                <a:solidFill>
+                  <a:schemeClr val="tx1">
+                    <a:lumMod val="85000"/>
+                    <a:lumOff val="15000"/>
+                  </a:schemeClr>
+                </a:solidFill>
+              </a:defRPr>
+            </a:lvl1pPr>
+          </a:lstStyle>
+          <a:p>
+            <a:pPr rtl="0"/>
+            <a:fld id="{34B7E4EF-A1BD-40F4-AB7B-04F084DD991D}" type="slidenum">
+              <a:rPr lang="fr-FR" noProof="0" smtClean="0"/>
+              <a:t>‹N°›</a:t>
+            </a:fld>
+            <a:endParaRPr lang="fr-FR" noProof="0" dirty="0"/>
+          </a:p>
+        </p:txBody>
+      </p:sp>
+    </p:spTree>
+    <p:extLst>
+      <p:ext uri="{BB962C8B-B14F-4D97-AF65-F5344CB8AC3E}">
+        <p14:creationId xmlns:p14="http://schemas.microsoft.com/office/powerpoint/2010/main" val="3814764704"/>
+      </p:ext>
+    </p:extLst>
+  </p:cSld>
+  <p:clrMapOvr>
+    <a:masterClrMapping/>
+  </p:clrMapOvr>
+</p:sldLayout>
+</file>
+
+<file path=ppt/slideLayouts/slideLayout45.xml><?xml version="1.0" encoding="utf-8"?>
+<p:sldLayout xmlns:a="http://schemas.openxmlformats.org/drawingml/2006/main" xmlns:r="http://schemas.openxmlformats.org/officeDocument/2006/relationships" xmlns:p="http://schemas.openxmlformats.org/presentationml/2006/main" showMasterSp="0" type="picTx" preserve="1">
+  <p:cSld name="Image avec légende">
+    <p:spTree>
+      <p:nvGrpSpPr>
+        <p:cNvPr id="1" name=""/>
+        <p:cNvGrpSpPr/>
+        <p:nvPr/>
+      </p:nvGrpSpPr>
+      <p:grpSpPr>
+        <a:xfrm>
+          <a:off x="0" y="0"/>
+          <a:ext cx="0" cy="0"/>
+          <a:chOff x="0" y="0"/>
+          <a:chExt cx="0" cy="0"/>
+        </a:xfrm>
+      </p:grpSpPr>
+      <p:sp>
+        <p:nvSpPr>
+          <p:cNvPr id="11" name="Rectangle 10">
+            <a:extLst>
+              <a:ext uri="{FF2B5EF4-FFF2-40B4-BE49-F238E27FC236}">
+                <a16:creationId xmlns:a16="http://schemas.microsoft.com/office/drawing/2014/main" id="{E687CA98-D9C7-497F-A1DA-7D22F8753BCE}"/>
+              </a:ext>
+            </a:extLst>
+          </p:cNvPr>
+          <p:cNvSpPr/>
+          <p:nvPr/>
+        </p:nvSpPr>
+        <p:spPr>
+          <a:xfrm>
+            <a:off x="8119870" y="237744"/>
+            <a:ext cx="3826596" cy="6382512"/>
+          </a:xfrm>
+          <a:prstGeom prst="rect">
+            <a:avLst/>
+          </a:prstGeom>
+          <a:solidFill>
+            <a:schemeClr val="bg1">
+              <a:lumMod val="85000"/>
+              <a:alpha val="60000"/>
+            </a:schemeClr>
+          </a:solidFill>
+          <a:ln>
+            <a:noFill/>
+          </a:ln>
+        </p:spPr>
+        <p:style>
+          <a:lnRef idx="2">
+            <a:schemeClr val="accent1">
+              <a:shade val="50000"/>
+            </a:schemeClr>
+          </a:lnRef>
+          <a:fillRef idx="1">
+            <a:schemeClr val="accent1"/>
+          </a:fillRef>
+          <a:effectRef idx="0">
+            <a:schemeClr val="accent1"/>
+          </a:effectRef>
+          <a:fontRef idx="minor">
+            <a:schemeClr val="lt1"/>
+          </a:fontRef>
+        </p:style>
+      </p:sp>
+      <p:sp>
+        <p:nvSpPr>
+          <p:cNvPr id="3" name="Espace réservé de l’image 2"/>
+          <p:cNvSpPr>
+            <a:spLocks noGrp="1" noChangeAspect="1"/>
+          </p:cNvSpPr>
+          <p:nvPr>
+            <p:ph type="pic" idx="1"/>
+          </p:nvPr>
+        </p:nvSpPr>
+        <p:spPr>
+          <a:xfrm>
+            <a:off x="228599" y="237744"/>
+            <a:ext cx="7696201" cy="6382512"/>
+          </a:xfrm>
+          <a:solidFill>
+            <a:schemeClr val="accent1">
+              <a:lumMod val="60000"/>
+              <a:lumOff val="40000"/>
+            </a:schemeClr>
+          </a:solidFill>
+          <a:ln>
+            <a:noFill/>
+          </a:ln>
+        </p:spPr>
+        <p:txBody>
+          <a:bodyPr rtlCol="0" anchor="t"/>
+          <a:lstStyle>
+            <a:lvl1pPr marL="0" indent="0">
+              <a:buNone/>
+              <a:defRPr sz="3200"/>
+            </a:lvl1pPr>
+            <a:lvl2pPr marL="457200" indent="0">
+              <a:buNone/>
+              <a:defRPr sz="2800"/>
+            </a:lvl2pPr>
+            <a:lvl3pPr marL="914400" indent="0">
+              <a:buNone/>
+              <a:defRPr sz="2400"/>
+            </a:lvl3pPr>
+            <a:lvl4pPr marL="1371600" indent="0">
+              <a:buNone/>
+              <a:defRPr sz="2000"/>
+            </a:lvl4pPr>
+            <a:lvl5pPr marL="1828800" indent="0">
+              <a:buNone/>
+              <a:defRPr sz="2000"/>
+            </a:lvl5pPr>
+            <a:lvl6pPr marL="2286000" indent="0">
+              <a:buNone/>
+              <a:defRPr sz="2000"/>
+            </a:lvl6pPr>
+            <a:lvl7pPr marL="2743200" indent="0">
+              <a:buNone/>
+              <a:defRPr sz="2000"/>
+            </a:lvl7pPr>
+            <a:lvl8pPr marL="3200400" indent="0">
+              <a:buNone/>
+              <a:defRPr sz="2000"/>
+            </a:lvl8pPr>
+            <a:lvl9pPr marL="3657600" indent="0">
+              <a:buNone/>
+              <a:defRPr sz="2000"/>
+            </a:lvl9pPr>
+          </a:lstStyle>
+          <a:p>
+            <a:pPr rtl="0"/>
+            <a:r>
+              <a:rPr lang="fr-FR" noProof="0"/>
+              <a:t>Cliquez sur l'icône pour ajouter une image</a:t>
+            </a:r>
+            <a:endParaRPr lang="fr-FR" noProof="0" dirty="0"/>
+          </a:p>
+        </p:txBody>
+      </p:sp>
+      <p:sp>
+        <p:nvSpPr>
+          <p:cNvPr id="5" name="Espace réservé de la date 4"/>
+          <p:cNvSpPr>
+            <a:spLocks noGrp="1"/>
+          </p:cNvSpPr>
+          <p:nvPr>
+            <p:ph type="dt" sz="half" idx="10"/>
+          </p:nvPr>
+        </p:nvSpPr>
+        <p:spPr>
+          <a:xfrm>
+            <a:off x="5662337" y="6035040"/>
+            <a:ext cx="2071963" cy="365760"/>
+          </a:xfrm>
+        </p:spPr>
+        <p:txBody>
+          <a:bodyPr rtlCol="0"/>
+          <a:lstStyle>
+            <a:lvl1pPr>
+              <a:defRPr b="1">
+                <a:solidFill>
+                  <a:srgbClr val="FFFFFF"/>
+                </a:solidFill>
+                <a:effectLst>
+                  <a:outerShdw blurRad="19050" dist="6350" dir="2700000" algn="tl" rotWithShape="0">
+                    <a:prstClr val="black">
+                      <a:alpha val="40000"/>
+                    </a:prstClr>
+                  </a:outerShdw>
+                </a:effectLst>
+              </a:defRPr>
+            </a:lvl1pPr>
+          </a:lstStyle>
+          <a:p>
+            <a:pPr rtl="0"/>
+            <a:fld id="{9CD434C9-D3F3-4C7B-AC63-3168A5838220}" type="datetime1">
+              <a:rPr lang="fr-FR" noProof="0" smtClean="0"/>
+              <a:t>05/10/2023</a:t>
+            </a:fld>
+            <a:endParaRPr lang="fr-FR" noProof="0" dirty="0"/>
+          </a:p>
+        </p:txBody>
+      </p:sp>
+      <p:sp>
+        <p:nvSpPr>
+          <p:cNvPr id="6" name="Espace réservé du pied de page 5"/>
+          <p:cNvSpPr>
+            <a:spLocks noGrp="1"/>
+          </p:cNvSpPr>
+          <p:nvPr>
+            <p:ph type="ftr" sz="quarter" idx="11"/>
+          </p:nvPr>
+        </p:nvSpPr>
+        <p:spPr>
+          <a:xfrm>
+            <a:off x="612648" y="6035040"/>
+            <a:ext cx="4588002" cy="365760"/>
+          </a:xfrm>
+        </p:spPr>
+        <p:txBody>
+          <a:bodyPr rtlCol="0"/>
+          <a:lstStyle>
+            <a:lvl1pPr marL="0" algn="r" defTabSz="914400" rtl="0" eaLnBrk="1" latinLnBrk="0" hangingPunct="1">
+              <a:defRPr lang="en-US" sz="1000" b="1" kern="1200" dirty="0">
+                <a:solidFill>
+                  <a:srgbClr val="FFFFFF"/>
+                </a:solidFill>
+                <a:effectLst>
+                  <a:outerShdw blurRad="19050" dist="6350" dir="2700000" algn="tl" rotWithShape="0">
+                    <a:prstClr val="black">
+                      <a:alpha val="40000"/>
+                    </a:prstClr>
+                  </a:outerShdw>
+                </a:effectLst>
+                <a:latin typeface="+mn-lt"/>
+                <a:ea typeface="+mn-ea"/>
+                <a:cs typeface="+mn-cs"/>
+              </a:defRPr>
+            </a:lvl1pPr>
+          </a:lstStyle>
+          <a:p>
+            <a:pPr algn="l" rtl="0"/>
+            <a:endParaRPr lang="fr-FR" noProof="0" dirty="0"/>
+          </a:p>
+        </p:txBody>
+      </p:sp>
+      <p:sp>
+        <p:nvSpPr>
+          <p:cNvPr id="7" name="Espace réservé du numéro de diapositive 6"/>
+          <p:cNvSpPr>
+            <a:spLocks noGrp="1"/>
+          </p:cNvSpPr>
+          <p:nvPr>
+            <p:ph type="sldNum" sz="quarter" idx="12"/>
+          </p:nvPr>
+        </p:nvSpPr>
+        <p:spPr>
+          <a:xfrm>
+            <a:off x="10396728" y="6035040"/>
+            <a:ext cx="1225296" cy="365760"/>
+          </a:xfrm>
+        </p:spPr>
+        <p:txBody>
+          <a:bodyPr rtlCol="0"/>
+          <a:lstStyle/>
+          <a:p>
+            <a:pPr rtl="0"/>
+            <a:fld id="{34B7E4EF-A1BD-40F4-AB7B-04F084DD991D}" type="slidenum">
+              <a:rPr lang="fr-FR" noProof="0" smtClean="0"/>
+              <a:t>‹N°›</a:t>
+            </a:fld>
+            <a:endParaRPr lang="fr-FR" noProof="0" dirty="0"/>
+          </a:p>
+        </p:txBody>
+      </p:sp>
+      <p:sp>
+        <p:nvSpPr>
+          <p:cNvPr id="12" name="Rectangle 11">
+            <a:extLst>
+              <a:ext uri="{FF2B5EF4-FFF2-40B4-BE49-F238E27FC236}">
+                <a16:creationId xmlns:a16="http://schemas.microsoft.com/office/drawing/2014/main" id="{F8B3D8CC-BB13-41A5-8F34-B8E84A4F9534}"/>
+              </a:ext>
+            </a:extLst>
+          </p:cNvPr>
+          <p:cNvSpPr/>
+          <p:nvPr/>
+        </p:nvSpPr>
+        <p:spPr>
+          <a:xfrm>
+            <a:off x="8254660" y="374904"/>
+            <a:ext cx="3557016" cy="6108192"/>
+          </a:xfrm>
+          <a:prstGeom prst="rect">
+            <a:avLst/>
+          </a:prstGeom>
+          <a:noFill/>
+          <a:ln w="6350" cap="sq">
+            <a:solidFill>
+              <a:schemeClr val="tx1">
+                <a:lumMod val="75000"/>
+                <a:lumOff val="25000"/>
+              </a:schemeClr>
+            </a:solidFill>
+            <a:miter lim="800000"/>
+          </a:ln>
+        </p:spPr>
+        <p:style>
+          <a:lnRef idx="2">
+            <a:schemeClr val="accent1">
+              <a:shade val="50000"/>
+            </a:schemeClr>
+          </a:lnRef>
+          <a:fillRef idx="1">
+            <a:schemeClr val="accent1"/>
+          </a:fillRef>
+          <a:effectRef idx="0">
+            <a:schemeClr val="accent1"/>
+          </a:effectRef>
+          <a:fontRef idx="minor">
+            <a:schemeClr val="lt1"/>
+          </a:fontRef>
+        </p:style>
+      </p:sp>
+      <p:sp>
+        <p:nvSpPr>
+          <p:cNvPr id="2" name="Titre 1"/>
+          <p:cNvSpPr>
+            <a:spLocks noGrp="1"/>
+          </p:cNvSpPr>
+          <p:nvPr>
+            <p:ph type="title"/>
+          </p:nvPr>
+        </p:nvSpPr>
+        <p:spPr>
+          <a:xfrm>
+            <a:off x="8477250" y="603504"/>
+            <a:ext cx="3144774" cy="1645920"/>
+          </a:xfrm>
+        </p:spPr>
+        <p:txBody>
+          <a:bodyPr rtlCol="0" anchor="b">
+            <a:noAutofit/>
+          </a:bodyPr>
+          <a:lstStyle>
+            <a:lvl1pPr algn="l">
+              <a:lnSpc>
+                <a:spcPct val="100000"/>
+              </a:lnSpc>
+              <a:defRPr sz="3200" b="0">
+                <a:solidFill>
+                  <a:schemeClr val="tx1"/>
+                </a:solidFill>
+                <a:latin typeface="+mj-lt"/>
+              </a:defRPr>
+            </a:lvl1pPr>
+          </a:lstStyle>
+          <a:p>
+            <a:pPr rtl="0"/>
+            <a:r>
+              <a:rPr lang="fr-FR" noProof="0"/>
+              <a:t>Modifiez le style du titre</a:t>
+            </a:r>
+            <a:endParaRPr lang="fr-FR" noProof="0" dirty="0"/>
+          </a:p>
+        </p:txBody>
+      </p:sp>
+      <p:sp>
+        <p:nvSpPr>
+          <p:cNvPr id="4" name="Espace réservé du texte 3"/>
+          <p:cNvSpPr>
+            <a:spLocks noGrp="1"/>
+          </p:cNvSpPr>
+          <p:nvPr>
+            <p:ph type="body" sz="half" idx="2"/>
+          </p:nvPr>
+        </p:nvSpPr>
+        <p:spPr>
+          <a:xfrm>
+            <a:off x="8477250" y="2386584"/>
+            <a:ext cx="3144774" cy="3511296"/>
+          </a:xfrm>
+        </p:spPr>
+        <p:txBody>
+          <a:bodyPr rtlCol="0">
+            <a:normAutofit/>
+          </a:bodyPr>
+          <a:lstStyle>
+            <a:lvl1pPr marL="0" indent="0" algn="l">
+              <a:lnSpc>
+                <a:spcPct val="110000"/>
+              </a:lnSpc>
+              <a:spcBef>
+                <a:spcPts val="800"/>
+              </a:spcBef>
+              <a:buNone/>
+              <a:defRPr sz="1800">
+                <a:solidFill>
+                  <a:schemeClr val="tx1"/>
+                </a:solidFill>
+              </a:defRPr>
+            </a:lvl1pPr>
+            <a:lvl2pPr marL="457200" indent="0">
+              <a:buNone/>
+              <a:defRPr sz="1200"/>
+            </a:lvl2pPr>
+            <a:lvl3pPr marL="914400" indent="0">
+              <a:buNone/>
+              <a:defRPr sz="1000"/>
+            </a:lvl3pPr>
+            <a:lvl4pPr marL="1371600" indent="0">
+              <a:buNone/>
+              <a:defRPr sz="900"/>
+            </a:lvl4pPr>
+            <a:lvl5pPr marL="1828800" indent="0">
+              <a:buNone/>
+              <a:defRPr sz="900"/>
+            </a:lvl5pPr>
+            <a:lvl6pPr marL="2286000" indent="0">
+              <a:buNone/>
+              <a:defRPr sz="900"/>
+            </a:lvl6pPr>
+            <a:lvl7pPr marL="2743200" indent="0">
+              <a:buNone/>
+              <a:defRPr sz="900"/>
+            </a:lvl7pPr>
+            <a:lvl8pPr marL="3200400" indent="0">
+              <a:buNone/>
+              <a:defRPr sz="900"/>
+            </a:lvl8pPr>
+            <a:lvl9pPr marL="3657600" indent="0">
+              <a:buNone/>
+              <a:defRPr sz="900"/>
+            </a:lvl9pPr>
+          </a:lstStyle>
+          <a:p>
+            <a:pPr lvl="0" rtl="0"/>
+            <a:r>
+              <a:rPr lang="fr-FR" noProof="0"/>
+              <a:t>Cliquez pour modifier les styles du texte du masque</a:t>
+            </a:r>
+          </a:p>
+        </p:txBody>
+      </p:sp>
+    </p:spTree>
+    <p:extLst>
+      <p:ext uri="{BB962C8B-B14F-4D97-AF65-F5344CB8AC3E}">
+        <p14:creationId xmlns:p14="http://schemas.microsoft.com/office/powerpoint/2010/main" val="4050825382"/>
+      </p:ext>
+    </p:extLst>
+  </p:cSld>
+  <p:clrMapOvr>
+    <a:masterClrMapping/>
+  </p:clrMapOvr>
+</p:sldLayout>
+</file>
+
+<file path=ppt/slideLayouts/slideLayout46.xml><?xml version="1.0" encoding="utf-8"?>
+<p:sldLayout xmlns:a="http://schemas.openxmlformats.org/drawingml/2006/main" xmlns:r="http://schemas.openxmlformats.org/officeDocument/2006/relationships" xmlns:p="http://schemas.openxmlformats.org/presentationml/2006/main" type="vertTx" preserve="1">
+  <p:cSld name="Titre et texte vertical">
+    <p:spTree>
+      <p:nvGrpSpPr>
+        <p:cNvPr id="1" name=""/>
+        <p:cNvGrpSpPr/>
+        <p:nvPr/>
+      </p:nvGrpSpPr>
+      <p:grpSpPr>
+        <a:xfrm>
+          <a:off x="0" y="0"/>
+          <a:ext cx="0" cy="0"/>
+          <a:chOff x="0" y="0"/>
+          <a:chExt cx="0" cy="0"/>
+        </a:xfrm>
+      </p:grpSpPr>
+      <p:sp>
+        <p:nvSpPr>
+          <p:cNvPr id="2" name="Titre 1"/>
+          <p:cNvSpPr>
+            <a:spLocks noGrp="1"/>
+          </p:cNvSpPr>
+          <p:nvPr>
+            <p:ph type="title"/>
+          </p:nvPr>
+        </p:nvSpPr>
+        <p:spPr/>
+        <p:txBody>
+          <a:bodyPr rtlCol="0"/>
+          <a:lstStyle/>
+          <a:p>
+            <a:pPr rtl="0"/>
+            <a:r>
+              <a:rPr lang="fr-FR" noProof="0"/>
+              <a:t>Modifiez le style du titre</a:t>
+            </a:r>
+            <a:endParaRPr lang="fr-FR" noProof="0" dirty="0"/>
+          </a:p>
+        </p:txBody>
+      </p:sp>
+      <p:sp>
+        <p:nvSpPr>
+          <p:cNvPr id="3" name="Espace réservé du texte vertical 2"/>
+          <p:cNvSpPr>
+            <a:spLocks noGrp="1"/>
+          </p:cNvSpPr>
+          <p:nvPr>
+            <p:ph type="body" orient="vert" idx="1"/>
+          </p:nvPr>
+        </p:nvSpPr>
+        <p:spPr/>
+        <p:txBody>
+          <a:bodyPr vert="eaVert" rtlCol="0"/>
+          <a:lstStyle/>
+          <a:p>
+            <a:pPr lvl="0" rtl="0"/>
+            <a:r>
+              <a:rPr lang="fr-FR" noProof="0"/>
+              <a:t>Cliquez pour modifier les styles du texte du masque</a:t>
+            </a:r>
+          </a:p>
+          <a:p>
+            <a:pPr lvl="1" rtl="0"/>
+            <a:r>
+              <a:rPr lang="fr-FR" noProof="0"/>
+              <a:t>Deuxième niveau</a:t>
+            </a:r>
+          </a:p>
+          <a:p>
+            <a:pPr lvl="2" rtl="0"/>
+            <a:r>
+              <a:rPr lang="fr-FR" noProof="0"/>
+              <a:t>Troisième niveau</a:t>
+            </a:r>
+          </a:p>
+          <a:p>
+            <a:pPr lvl="3" rtl="0"/>
+            <a:r>
+              <a:rPr lang="fr-FR" noProof="0"/>
+              <a:t>Quatrième niveau</a:t>
+            </a:r>
+          </a:p>
+          <a:p>
+            <a:pPr lvl="4" rtl="0"/>
+            <a:r>
+              <a:rPr lang="fr-FR" noProof="0"/>
+              <a:t>Cinquième niveau</a:t>
+            </a:r>
+            <a:endParaRPr lang="fr-FR" noProof="0" dirty="0"/>
+          </a:p>
+        </p:txBody>
+      </p:sp>
+      <p:sp>
+        <p:nvSpPr>
+          <p:cNvPr id="4" name="Espace réservé de la date 3"/>
+          <p:cNvSpPr>
+            <a:spLocks noGrp="1"/>
+          </p:cNvSpPr>
+          <p:nvPr>
+            <p:ph type="dt" sz="half" idx="10"/>
+          </p:nvPr>
+        </p:nvSpPr>
+        <p:spPr/>
+        <p:txBody>
+          <a:bodyPr rtlCol="0"/>
+          <a:lstStyle/>
+          <a:p>
+            <a:pPr rtl="0"/>
+            <a:fld id="{4FB8DD61-8EF0-4049-889D-E9128A9C9813}" type="datetime1">
+              <a:rPr lang="fr-FR" noProof="0" smtClean="0"/>
+              <a:t>05/10/2023</a:t>
+            </a:fld>
+            <a:endParaRPr lang="fr-FR" noProof="0" dirty="0"/>
+          </a:p>
+        </p:txBody>
+      </p:sp>
+      <p:sp>
+        <p:nvSpPr>
+          <p:cNvPr id="5" name="Espace réservé du pied de page 4"/>
+          <p:cNvSpPr>
+            <a:spLocks noGrp="1"/>
+          </p:cNvSpPr>
+          <p:nvPr>
+            <p:ph type="ftr" sz="quarter" idx="11"/>
+          </p:nvPr>
+        </p:nvSpPr>
+        <p:spPr/>
+        <p:txBody>
+          <a:bodyPr rtlCol="0"/>
+          <a:lstStyle/>
+          <a:p>
+            <a:pPr rtl="0"/>
+            <a:endParaRPr lang="fr-FR" noProof="0" dirty="0"/>
+          </a:p>
+        </p:txBody>
+      </p:sp>
+      <p:sp>
+        <p:nvSpPr>
+          <p:cNvPr id="6" name="Espace réservé du numéro de diapositive 5"/>
+          <p:cNvSpPr>
+            <a:spLocks noGrp="1"/>
+          </p:cNvSpPr>
+          <p:nvPr>
+            <p:ph type="sldNum" sz="quarter" idx="12"/>
+          </p:nvPr>
+        </p:nvSpPr>
+        <p:spPr/>
+        <p:txBody>
+          <a:bodyPr rtlCol="0"/>
+          <a:lstStyle/>
+          <a:p>
+            <a:pPr rtl="0"/>
+            <a:fld id="{34B7E4EF-A1BD-40F4-AB7B-04F084DD991D}" type="slidenum">
+              <a:rPr lang="fr-FR" noProof="0" smtClean="0"/>
+              <a:t>‹N°›</a:t>
+            </a:fld>
+            <a:endParaRPr lang="fr-FR" noProof="0" dirty="0"/>
+          </a:p>
+        </p:txBody>
+      </p:sp>
+    </p:spTree>
+    <p:extLst>
+      <p:ext uri="{BB962C8B-B14F-4D97-AF65-F5344CB8AC3E}">
+        <p14:creationId xmlns:p14="http://schemas.microsoft.com/office/powerpoint/2010/main" val="4187121045"/>
+      </p:ext>
+    </p:extLst>
+  </p:cSld>
+  <p:clrMapOvr>
+    <a:masterClrMapping/>
+  </p:clrMapOvr>
+</p:sldLayout>
+</file>
+
+<file path=ppt/slideLayouts/slideLayout47.xml><?xml version="1.0" encoding="utf-8"?>
+<p:sldLayout xmlns:a="http://schemas.openxmlformats.org/drawingml/2006/main" xmlns:r="http://schemas.openxmlformats.org/officeDocument/2006/relationships" xmlns:p="http://schemas.openxmlformats.org/presentationml/2006/main" type="vertTitleAndTx" preserve="1">
+  <p:cSld name="Titre vertical et texte">
+    <p:spTree>
+      <p:nvGrpSpPr>
+        <p:cNvPr id="1" name=""/>
+        <p:cNvGrpSpPr/>
+        <p:nvPr/>
+      </p:nvGrpSpPr>
+      <p:grpSpPr>
+        <a:xfrm>
+          <a:off x="0" y="0"/>
+          <a:ext cx="0" cy="0"/>
+          <a:chOff x="0" y="0"/>
+          <a:chExt cx="0" cy="0"/>
+        </a:xfrm>
+      </p:grpSpPr>
+      <p:sp>
+        <p:nvSpPr>
+          <p:cNvPr id="2" name="Titre vertical 1"/>
+          <p:cNvSpPr>
+            <a:spLocks noGrp="1"/>
+          </p:cNvSpPr>
+          <p:nvPr>
+            <p:ph type="title" orient="vert"/>
+          </p:nvPr>
+        </p:nvSpPr>
+        <p:spPr>
+          <a:xfrm>
+            <a:off x="8991600" y="762000"/>
+            <a:ext cx="2362200" cy="5257800"/>
+          </a:xfrm>
+        </p:spPr>
+        <p:txBody>
+          <a:bodyPr vert="eaVert" rtlCol="0"/>
+          <a:lstStyle/>
+          <a:p>
+            <a:pPr rtl="0"/>
+            <a:r>
+              <a:rPr lang="fr-FR" noProof="0"/>
+              <a:t>Modifiez le style du titre</a:t>
+            </a:r>
+            <a:endParaRPr lang="fr-FR" noProof="0" dirty="0"/>
+          </a:p>
+        </p:txBody>
+      </p:sp>
+      <p:sp>
+        <p:nvSpPr>
+          <p:cNvPr id="3" name="Espace réservé du texte vertical 2"/>
+          <p:cNvSpPr>
+            <a:spLocks noGrp="1"/>
+          </p:cNvSpPr>
+          <p:nvPr>
+            <p:ph type="body" orient="vert" idx="1"/>
+          </p:nvPr>
+        </p:nvSpPr>
+        <p:spPr>
+          <a:xfrm>
+            <a:off x="838200" y="762000"/>
+            <a:ext cx="8077200" cy="5257800"/>
+          </a:xfrm>
+        </p:spPr>
+        <p:txBody>
+          <a:bodyPr vert="eaVert" rtlCol="0"/>
+          <a:lstStyle/>
+          <a:p>
+            <a:pPr lvl="0" rtl="0"/>
+            <a:r>
+              <a:rPr lang="fr-FR" noProof="0"/>
+              <a:t>Cliquez pour modifier les styles du texte du masque</a:t>
+            </a:r>
+          </a:p>
+          <a:p>
+            <a:pPr lvl="1" rtl="0"/>
+            <a:r>
+              <a:rPr lang="fr-FR" noProof="0"/>
+              <a:t>Deuxième niveau</a:t>
+            </a:r>
+          </a:p>
+          <a:p>
+            <a:pPr lvl="2" rtl="0"/>
+            <a:r>
+              <a:rPr lang="fr-FR" noProof="0"/>
+              <a:t>Troisième niveau</a:t>
+            </a:r>
+          </a:p>
+          <a:p>
+            <a:pPr lvl="3" rtl="0"/>
+            <a:r>
+              <a:rPr lang="fr-FR" noProof="0"/>
+              <a:t>Quatrième niveau</a:t>
+            </a:r>
+          </a:p>
+          <a:p>
+            <a:pPr lvl="4" rtl="0"/>
+            <a:r>
+              <a:rPr lang="fr-FR" noProof="0"/>
+              <a:t>Cinquième niveau</a:t>
+            </a:r>
+            <a:endParaRPr lang="fr-FR" noProof="0" dirty="0"/>
+          </a:p>
+        </p:txBody>
+      </p:sp>
+      <p:sp>
+        <p:nvSpPr>
+          <p:cNvPr id="4" name="Espace réservé de la date 3"/>
+          <p:cNvSpPr>
+            <a:spLocks noGrp="1"/>
+          </p:cNvSpPr>
+          <p:nvPr>
+            <p:ph type="dt" sz="half" idx="10"/>
+          </p:nvPr>
+        </p:nvSpPr>
+        <p:spPr/>
+        <p:txBody>
+          <a:bodyPr rtlCol="0"/>
+          <a:lstStyle/>
+          <a:p>
+            <a:pPr rtl="0"/>
+            <a:fld id="{365586C5-0823-4332-9E11-A72AAA6FDF94}" type="datetime1">
+              <a:rPr lang="fr-FR" noProof="0" smtClean="0"/>
+              <a:t>05/10/2023</a:t>
+            </a:fld>
+            <a:endParaRPr lang="fr-FR" noProof="0" dirty="0"/>
+          </a:p>
+        </p:txBody>
+      </p:sp>
+      <p:sp>
+        <p:nvSpPr>
+          <p:cNvPr id="5" name="Espace réservé du pied de page 4"/>
+          <p:cNvSpPr>
+            <a:spLocks noGrp="1"/>
+          </p:cNvSpPr>
+          <p:nvPr>
+            <p:ph type="ftr" sz="quarter" idx="11"/>
+          </p:nvPr>
+        </p:nvSpPr>
+        <p:spPr/>
+        <p:txBody>
+          <a:bodyPr rtlCol="0"/>
+          <a:lstStyle/>
+          <a:p>
+            <a:pPr rtl="0"/>
+            <a:endParaRPr lang="fr-FR" noProof="0" dirty="0"/>
+          </a:p>
+        </p:txBody>
+      </p:sp>
+      <p:sp>
+        <p:nvSpPr>
+          <p:cNvPr id="6" name="Espace réservé du numéro de diapositive 5"/>
+          <p:cNvSpPr>
+            <a:spLocks noGrp="1"/>
+          </p:cNvSpPr>
+          <p:nvPr>
+            <p:ph type="sldNum" sz="quarter" idx="12"/>
+          </p:nvPr>
+        </p:nvSpPr>
+        <p:spPr/>
+        <p:txBody>
+          <a:bodyPr rtlCol="0"/>
+          <a:lstStyle/>
+          <a:p>
+            <a:pPr rtl="0"/>
+            <a:fld id="{34B7E4EF-A1BD-40F4-AB7B-04F084DD991D}" type="slidenum">
+              <a:rPr lang="fr-FR" noProof="0" smtClean="0"/>
+              <a:t>‹N°›</a:t>
+            </a:fld>
+            <a:endParaRPr lang="fr-FR" noProof="0" dirty="0"/>
+          </a:p>
+        </p:txBody>
+      </p:sp>
+    </p:spTree>
+    <p:extLst>
+      <p:ext uri="{BB962C8B-B14F-4D97-AF65-F5344CB8AC3E}">
+        <p14:creationId xmlns:p14="http://schemas.microsoft.com/office/powerpoint/2010/main" val="1167654384"/>
+      </p:ext>
+    </p:extLst>
   </p:cSld>
   <p:clrMapOvr>
     <a:masterClrMapping/>
@@ -15578,6 +19793,719 @@
 </p:sldMaster>
 </file>
 
+<file path=ppt/slideMasters/slideMaster4.xml><?xml version="1.0" encoding="utf-8"?>
+<p:sldMaster xmlns:a="http://schemas.openxmlformats.org/drawingml/2006/main" xmlns:r="http://schemas.openxmlformats.org/officeDocument/2006/relationships" xmlns:p="http://schemas.openxmlformats.org/presentationml/2006/main">
+  <p:cSld>
+    <p:bg>
+      <p:bgRef idx="1001">
+        <a:schemeClr val="bg1"/>
+      </p:bgRef>
+    </p:bg>
+    <p:spTree>
+      <p:nvGrpSpPr>
+        <p:cNvPr id="1" name=""/>
+        <p:cNvGrpSpPr/>
+        <p:nvPr/>
+      </p:nvGrpSpPr>
+      <p:grpSpPr>
+        <a:xfrm>
+          <a:off x="0" y="0"/>
+          <a:ext cx="0" cy="0"/>
+          <a:chOff x="0" y="0"/>
+          <a:chExt cx="0" cy="0"/>
+        </a:xfrm>
+      </p:grpSpPr>
+      <p:sp useBgFill="1">
+        <p:nvSpPr>
+          <p:cNvPr id="9" name="Rectangle 8">
+            <a:extLst>
+              <a:ext uri="{FF2B5EF4-FFF2-40B4-BE49-F238E27FC236}">
+                <a16:creationId xmlns:a16="http://schemas.microsoft.com/office/drawing/2014/main" id="{1E94681D-2A4C-4A8D-B9B5-31D440D0328D}"/>
+              </a:ext>
+            </a:extLst>
+          </p:cNvPr>
+          <p:cNvSpPr/>
+          <p:nvPr/>
+        </p:nvSpPr>
+        <p:spPr>
+          <a:xfrm>
+            <a:off x="0" y="0"/>
+            <a:ext cx="12192000" cy="6858000"/>
+          </a:xfrm>
+          <a:prstGeom prst="rect">
+            <a:avLst/>
+          </a:prstGeom>
+          <a:ln>
+            <a:noFill/>
+          </a:ln>
+        </p:spPr>
+        <p:style>
+          <a:lnRef idx="2">
+            <a:schemeClr val="accent1">
+              <a:shade val="50000"/>
+            </a:schemeClr>
+          </a:lnRef>
+          <a:fillRef idx="1">
+            <a:schemeClr val="accent1"/>
+          </a:fillRef>
+          <a:effectRef idx="0">
+            <a:schemeClr val="accent1"/>
+          </a:effectRef>
+          <a:fontRef idx="minor">
+            <a:schemeClr val="lt1"/>
+          </a:fontRef>
+        </p:style>
+        <p:txBody>
+          <a:bodyPr rtlCol="0" anchor="ctr"/>
+          <a:lstStyle/>
+          <a:p>
+            <a:pPr algn="ctr" rtl="0"/>
+            <a:endParaRPr lang="fr-FR" noProof="0" dirty="0"/>
+          </a:p>
+        </p:txBody>
+      </p:sp>
+      <p:sp>
+        <p:nvSpPr>
+          <p:cNvPr id="7" name="Rectangle 6"/>
+          <p:cNvSpPr/>
+          <p:nvPr/>
+        </p:nvSpPr>
+        <p:spPr>
+          <a:xfrm>
+            <a:off x="234696" y="237744"/>
+            <a:ext cx="11722608" cy="6382512"/>
+          </a:xfrm>
+          <a:prstGeom prst="rect">
+            <a:avLst/>
+          </a:prstGeom>
+          <a:solidFill>
+            <a:schemeClr val="bg1">
+              <a:lumMod val="75000"/>
+              <a:alpha val="60000"/>
+            </a:schemeClr>
+          </a:solidFill>
+          <a:ln w="6350" cap="flat" cmpd="sng" algn="ctr">
+            <a:noFill/>
+            <a:prstDash val="solid"/>
+          </a:ln>
+          <a:effectLst>
+            <a:softEdge rad="0"/>
+          </a:effectLst>
+        </p:spPr>
+      </p:sp>
+      <p:sp>
+        <p:nvSpPr>
+          <p:cNvPr id="8" name="Rectangle 7"/>
+          <p:cNvSpPr/>
+          <p:nvPr/>
+        </p:nvSpPr>
+        <p:spPr>
+          <a:xfrm>
+            <a:off x="371856" y="374904"/>
+            <a:ext cx="11448288" cy="6108192"/>
+          </a:xfrm>
+          <a:prstGeom prst="rect">
+            <a:avLst/>
+          </a:prstGeom>
+          <a:noFill/>
+          <a:ln w="6350" cap="sq" cmpd="sng" algn="ctr">
+            <a:solidFill>
+              <a:schemeClr val="tx1">
+                <a:lumMod val="85000"/>
+                <a:lumOff val="15000"/>
+              </a:schemeClr>
+            </a:solidFill>
+            <a:prstDash val="solid"/>
+            <a:miter lim="800000"/>
+          </a:ln>
+          <a:effectLst/>
+        </p:spPr>
+      </p:sp>
+      <p:sp>
+        <p:nvSpPr>
+          <p:cNvPr id="2" name="Espace réservé du titre 1"/>
+          <p:cNvSpPr>
+            <a:spLocks noGrp="1"/>
+          </p:cNvSpPr>
+          <p:nvPr>
+            <p:ph type="title"/>
+          </p:nvPr>
+        </p:nvSpPr>
+        <p:spPr>
+          <a:xfrm>
+            <a:off x="1066800" y="642594"/>
+            <a:ext cx="10058400" cy="1371600"/>
+          </a:xfrm>
+          <a:prstGeom prst="rect">
+            <a:avLst/>
+          </a:prstGeom>
+        </p:spPr>
+        <p:txBody>
+          <a:bodyPr vert="horz" lIns="91440" tIns="45720" rIns="91440" bIns="45720" rtlCol="0" anchor="ctr">
+            <a:normAutofit/>
+          </a:bodyPr>
+          <a:lstStyle/>
+          <a:p>
+            <a:pPr rtl="0"/>
+            <a:r>
+              <a:rPr lang="fr-FR" noProof="0" dirty="0"/>
+              <a:t>Modifiez le style du titre</a:t>
+            </a:r>
+          </a:p>
+        </p:txBody>
+      </p:sp>
+      <p:sp>
+        <p:nvSpPr>
+          <p:cNvPr id="3" name="Espace réservé du texte 2"/>
+          <p:cNvSpPr>
+            <a:spLocks noGrp="1"/>
+          </p:cNvSpPr>
+          <p:nvPr>
+            <p:ph type="body" idx="1"/>
+          </p:nvPr>
+        </p:nvSpPr>
+        <p:spPr>
+          <a:xfrm>
+            <a:off x="1066800" y="2103120"/>
+            <a:ext cx="10058400" cy="3849624"/>
+          </a:xfrm>
+          <a:prstGeom prst="rect">
+            <a:avLst/>
+          </a:prstGeom>
+        </p:spPr>
+        <p:txBody>
+          <a:bodyPr vert="horz" lIns="91440" tIns="45720" rIns="91440" bIns="45720" rtlCol="0">
+            <a:normAutofit/>
+          </a:bodyPr>
+          <a:lstStyle/>
+          <a:p>
+            <a:pPr lvl="0" rtl="0"/>
+            <a:r>
+              <a:rPr lang="fr-FR" noProof="0" dirty="0"/>
+              <a:t>Modifiez les styles du texte du masque</a:t>
+            </a:r>
+          </a:p>
+          <a:p>
+            <a:pPr lvl="1" rtl="0"/>
+            <a:r>
+              <a:rPr lang="fr-FR" noProof="0" dirty="0"/>
+              <a:t>Deuxième niveau</a:t>
+            </a:r>
+          </a:p>
+          <a:p>
+            <a:pPr lvl="2" rtl="0"/>
+            <a:r>
+              <a:rPr lang="fr-FR" noProof="0" dirty="0"/>
+              <a:t>Troisième niveau</a:t>
+            </a:r>
+          </a:p>
+          <a:p>
+            <a:pPr lvl="3" rtl="0"/>
+            <a:r>
+              <a:rPr lang="fr-FR" noProof="0" dirty="0"/>
+              <a:t>Quatrième niveau</a:t>
+            </a:r>
+          </a:p>
+          <a:p>
+            <a:pPr lvl="4" rtl="0"/>
+            <a:r>
+              <a:rPr lang="fr-FR" noProof="0" dirty="0"/>
+              <a:t>Cinquième niveau</a:t>
+            </a:r>
+          </a:p>
+        </p:txBody>
+      </p:sp>
+      <p:sp>
+        <p:nvSpPr>
+          <p:cNvPr id="4" name="Espace réservé de la date 3"/>
+          <p:cNvSpPr>
+            <a:spLocks noGrp="1"/>
+          </p:cNvSpPr>
+          <p:nvPr>
+            <p:ph type="dt" sz="half" idx="2"/>
+          </p:nvPr>
+        </p:nvSpPr>
+        <p:spPr>
+          <a:xfrm>
+            <a:off x="7256794" y="6035040"/>
+            <a:ext cx="2893045" cy="365760"/>
+          </a:xfrm>
+          <a:prstGeom prst="rect">
+            <a:avLst/>
+          </a:prstGeom>
+        </p:spPr>
+        <p:txBody>
+          <a:bodyPr vert="horz" lIns="91440" tIns="45720" rIns="91440" bIns="45720" rtlCol="0" anchor="b"/>
+          <a:lstStyle>
+            <a:lvl1pPr algn="r">
+              <a:defRPr sz="800">
+                <a:solidFill>
+                  <a:schemeClr val="tx1">
+                    <a:lumMod val="75000"/>
+                    <a:lumOff val="25000"/>
+                  </a:schemeClr>
+                </a:solidFill>
+              </a:defRPr>
+            </a:lvl1pPr>
+          </a:lstStyle>
+          <a:p>
+            <a:pPr rtl="0"/>
+            <a:fld id="{53FF608E-7797-42AF-8413-6DB790AA3E20}" type="datetime1">
+              <a:rPr lang="fr-FR" noProof="0" smtClean="0"/>
+              <a:t>05/10/2023</a:t>
+            </a:fld>
+            <a:endParaRPr lang="fr-FR" noProof="0" dirty="0"/>
+          </a:p>
+        </p:txBody>
+      </p:sp>
+      <p:sp>
+        <p:nvSpPr>
+          <p:cNvPr id="5" name="Espace réservé du pied de page 4"/>
+          <p:cNvSpPr>
+            <a:spLocks noGrp="1"/>
+          </p:cNvSpPr>
+          <p:nvPr>
+            <p:ph type="ftr" sz="quarter" idx="3"/>
+          </p:nvPr>
+        </p:nvSpPr>
+        <p:spPr>
+          <a:xfrm>
+            <a:off x="1066800" y="6035040"/>
+            <a:ext cx="5816600" cy="365760"/>
+          </a:xfrm>
+          <a:prstGeom prst="rect">
+            <a:avLst/>
+          </a:prstGeom>
+        </p:spPr>
+        <p:txBody>
+          <a:bodyPr vert="horz" lIns="91440" tIns="45720" rIns="91440" bIns="45720" rtlCol="0" anchor="b"/>
+          <a:lstStyle>
+            <a:lvl1pPr algn="l">
+              <a:defRPr sz="800">
+                <a:solidFill>
+                  <a:schemeClr val="tx1">
+                    <a:lumMod val="85000"/>
+                    <a:lumOff val="15000"/>
+                  </a:schemeClr>
+                </a:solidFill>
+              </a:defRPr>
+            </a:lvl1pPr>
+          </a:lstStyle>
+          <a:p>
+            <a:pPr rtl="0"/>
+            <a:endParaRPr lang="fr-FR" noProof="0" dirty="0"/>
+          </a:p>
+        </p:txBody>
+      </p:sp>
+      <p:sp>
+        <p:nvSpPr>
+          <p:cNvPr id="6" name="Espace réservé du numéro de diapositive 5"/>
+          <p:cNvSpPr>
+            <a:spLocks noGrp="1"/>
+          </p:cNvSpPr>
+          <p:nvPr>
+            <p:ph type="sldNum" sz="quarter" idx="4"/>
+          </p:nvPr>
+        </p:nvSpPr>
+        <p:spPr>
+          <a:xfrm>
+            <a:off x="10287000" y="6035040"/>
+            <a:ext cx="838200" cy="365760"/>
+          </a:xfrm>
+          <a:prstGeom prst="rect">
+            <a:avLst/>
+          </a:prstGeom>
+        </p:spPr>
+        <p:txBody>
+          <a:bodyPr vert="horz" lIns="91440" tIns="45720" rIns="91440" bIns="45720" rtlCol="0" anchor="b"/>
+          <a:lstStyle>
+            <a:lvl1pPr algn="r">
+              <a:defRPr sz="800">
+                <a:solidFill>
+                  <a:schemeClr val="tx1">
+                    <a:lumMod val="75000"/>
+                    <a:lumOff val="25000"/>
+                  </a:schemeClr>
+                </a:solidFill>
+              </a:defRPr>
+            </a:lvl1pPr>
+          </a:lstStyle>
+          <a:p>
+            <a:pPr rtl="0"/>
+            <a:fld id="{34B7E4EF-A1BD-40F4-AB7B-04F084DD991D}" type="slidenum">
+              <a:rPr lang="fr-FR" noProof="0" smtClean="0"/>
+              <a:t>‹N°›</a:t>
+            </a:fld>
+            <a:endParaRPr lang="fr-FR" noProof="0" dirty="0"/>
+          </a:p>
+        </p:txBody>
+      </p:sp>
+    </p:spTree>
+    <p:extLst>
+      <p:ext uri="{BB962C8B-B14F-4D97-AF65-F5344CB8AC3E}">
+        <p14:creationId xmlns:p14="http://schemas.microsoft.com/office/powerpoint/2010/main" val="3520952731"/>
+      </p:ext>
+    </p:extLst>
+  </p:cSld>
+  <p:clrMap bg1="lt1" tx1="dk1" bg2="lt2" tx2="dk2" accent1="accent1" accent2="accent2" accent3="accent3" accent4="accent4" accent5="accent5" accent6="accent6" hlink="hlink" folHlink="folHlink"/>
+  <p:sldLayoutIdLst>
+    <p:sldLayoutId id="2147483688" r:id="rId1"/>
+    <p:sldLayoutId id="2147483689" r:id="rId2"/>
+    <p:sldLayoutId id="2147483690" r:id="rId3"/>
+    <p:sldLayoutId id="2147483691" r:id="rId4"/>
+    <p:sldLayoutId id="2147483692" r:id="rId5"/>
+    <p:sldLayoutId id="2147483693" r:id="rId6"/>
+    <p:sldLayoutId id="2147483694" r:id="rId7"/>
+    <p:sldLayoutId id="2147483695" r:id="rId8"/>
+    <p:sldLayoutId id="2147483696" r:id="rId9"/>
+    <p:sldLayoutId id="2147483697" r:id="rId10"/>
+    <p:sldLayoutId id="2147483698" r:id="rId11"/>
+  </p:sldLayoutIdLst>
+  <p:hf sldNum="0" hdr="0" ftr="0" dt="0"/>
+  <p:txStyles>
+    <p:titleStyle>
+      <a:lvl1pPr algn="l" defTabSz="914400" rtl="0" eaLnBrk="1" latinLnBrk="0" hangingPunct="1">
+        <a:lnSpc>
+          <a:spcPct val="90000"/>
+        </a:lnSpc>
+        <a:spcBef>
+          <a:spcPct val="0"/>
+        </a:spcBef>
+        <a:buNone/>
+        <a:defRPr lang="en-US" sz="4000" i="0" kern="1200" cap="none" spc="0" baseline="0" dirty="0">
+          <a:solidFill>
+            <a:schemeClr val="tx1">
+              <a:lumMod val="85000"/>
+              <a:lumOff val="15000"/>
+            </a:schemeClr>
+          </a:solidFill>
+          <a:effectLst/>
+          <a:latin typeface="+mj-lt"/>
+          <a:ea typeface="+mn-ea"/>
+          <a:cs typeface="+mn-cs"/>
+        </a:defRPr>
+      </a:lvl1pPr>
+    </p:titleStyle>
+    <p:bodyStyle>
+      <a:lvl1pPr marL="182880" indent="-182880" algn="l" defTabSz="914400" rtl="0" eaLnBrk="1" latinLnBrk="0" hangingPunct="1">
+        <a:lnSpc>
+          <a:spcPct val="110000"/>
+        </a:lnSpc>
+        <a:spcBef>
+          <a:spcPts val="900"/>
+        </a:spcBef>
+        <a:spcAft>
+          <a:spcPts val="0"/>
+        </a:spcAft>
+        <a:buClr>
+          <a:schemeClr val="tx1">
+            <a:lumMod val="85000"/>
+            <a:lumOff val="15000"/>
+          </a:schemeClr>
+        </a:buClr>
+        <a:buFont typeface="Garamond" pitchFamily="18" charset="0"/>
+        <a:buChar char="◦"/>
+        <a:defRPr sz="1500" kern="1200">
+          <a:solidFill>
+            <a:schemeClr val="tx1"/>
+          </a:solidFill>
+          <a:latin typeface="+mn-lt"/>
+          <a:ea typeface="+mn-ea"/>
+          <a:cs typeface="+mn-cs"/>
+        </a:defRPr>
+      </a:lvl1pPr>
+      <a:lvl2pPr marL="457200" indent="-182880" algn="l" defTabSz="914400" rtl="0" eaLnBrk="1" latinLnBrk="0" hangingPunct="1">
+        <a:lnSpc>
+          <a:spcPct val="100000"/>
+        </a:lnSpc>
+        <a:spcBef>
+          <a:spcPts val="500"/>
+        </a:spcBef>
+        <a:buClr>
+          <a:schemeClr val="tx1">
+            <a:lumMod val="85000"/>
+            <a:lumOff val="15000"/>
+          </a:schemeClr>
+        </a:buClr>
+        <a:buFont typeface="Garamond" pitchFamily="18" charset="0"/>
+        <a:buChar char="◦"/>
+        <a:defRPr sz="1300" kern="1200">
+          <a:solidFill>
+            <a:schemeClr val="tx1"/>
+          </a:solidFill>
+          <a:latin typeface="+mn-lt"/>
+          <a:ea typeface="+mn-ea"/>
+          <a:cs typeface="+mn-cs"/>
+        </a:defRPr>
+      </a:lvl2pPr>
+      <a:lvl3pPr marL="731520" indent="-182880" algn="l" defTabSz="914400" rtl="0" eaLnBrk="1" latinLnBrk="0" hangingPunct="1">
+        <a:lnSpc>
+          <a:spcPct val="100000"/>
+        </a:lnSpc>
+        <a:spcBef>
+          <a:spcPts val="500"/>
+        </a:spcBef>
+        <a:buClr>
+          <a:schemeClr val="tx1">
+            <a:lumMod val="85000"/>
+            <a:lumOff val="15000"/>
+          </a:schemeClr>
+        </a:buClr>
+        <a:buFont typeface="Garamond" pitchFamily="18" charset="0"/>
+        <a:buChar char="◦"/>
+        <a:defRPr sz="1200" kern="1200">
+          <a:solidFill>
+            <a:schemeClr val="tx1"/>
+          </a:solidFill>
+          <a:latin typeface="+mn-lt"/>
+          <a:ea typeface="+mn-ea"/>
+          <a:cs typeface="+mn-cs"/>
+        </a:defRPr>
+      </a:lvl3pPr>
+      <a:lvl4pPr marL="1005840" indent="-182880" algn="l" defTabSz="914400" rtl="0" eaLnBrk="1" latinLnBrk="0" hangingPunct="1">
+        <a:lnSpc>
+          <a:spcPct val="100000"/>
+        </a:lnSpc>
+        <a:spcBef>
+          <a:spcPts val="500"/>
+        </a:spcBef>
+        <a:buClr>
+          <a:schemeClr val="tx1">
+            <a:lumMod val="85000"/>
+            <a:lumOff val="15000"/>
+          </a:schemeClr>
+        </a:buClr>
+        <a:buFont typeface="Garamond" pitchFamily="18" charset="0"/>
+        <a:buChar char="◦"/>
+        <a:defRPr sz="1200" kern="1200">
+          <a:solidFill>
+            <a:schemeClr val="tx1"/>
+          </a:solidFill>
+          <a:latin typeface="+mn-lt"/>
+          <a:ea typeface="+mn-ea"/>
+          <a:cs typeface="+mn-cs"/>
+        </a:defRPr>
+      </a:lvl4pPr>
+      <a:lvl5pPr marL="1280160" indent="-182880" algn="l" defTabSz="914400" rtl="0" eaLnBrk="1" latinLnBrk="0" hangingPunct="1">
+        <a:lnSpc>
+          <a:spcPct val="100000"/>
+        </a:lnSpc>
+        <a:spcBef>
+          <a:spcPts val="500"/>
+        </a:spcBef>
+        <a:buClr>
+          <a:schemeClr val="tx1">
+            <a:lumMod val="85000"/>
+            <a:lumOff val="15000"/>
+          </a:schemeClr>
+        </a:buClr>
+        <a:buFont typeface="Garamond" pitchFamily="18" charset="0"/>
+        <a:buChar char="◦"/>
+        <a:defRPr sz="1200" kern="1200">
+          <a:solidFill>
+            <a:schemeClr val="tx1"/>
+          </a:solidFill>
+          <a:latin typeface="+mn-lt"/>
+          <a:ea typeface="+mn-ea"/>
+          <a:cs typeface="+mn-cs"/>
+        </a:defRPr>
+      </a:lvl5pPr>
+      <a:lvl6pPr marL="1600000" indent="-228600" algn="l" defTabSz="914400" rtl="0" eaLnBrk="1" latinLnBrk="0" hangingPunct="1">
+        <a:lnSpc>
+          <a:spcPct val="100000"/>
+        </a:lnSpc>
+        <a:spcBef>
+          <a:spcPts val="500"/>
+        </a:spcBef>
+        <a:buClr>
+          <a:schemeClr val="tx1">
+            <a:lumMod val="85000"/>
+            <a:lumOff val="15000"/>
+          </a:schemeClr>
+        </a:buClr>
+        <a:buFont typeface="Garamond" pitchFamily="18" charset="0"/>
+        <a:buChar char="◦"/>
+        <a:defRPr sz="1400" kern="1200">
+          <a:solidFill>
+            <a:schemeClr val="tx1"/>
+          </a:solidFill>
+          <a:latin typeface="+mn-lt"/>
+          <a:ea typeface="+mn-ea"/>
+          <a:cs typeface="+mn-cs"/>
+        </a:defRPr>
+      </a:lvl6pPr>
+      <a:lvl7pPr marL="1900000" indent="-228600" algn="l" defTabSz="914400" rtl="0" eaLnBrk="1" latinLnBrk="0" hangingPunct="1">
+        <a:lnSpc>
+          <a:spcPct val="100000"/>
+        </a:lnSpc>
+        <a:spcBef>
+          <a:spcPts val="500"/>
+        </a:spcBef>
+        <a:buClr>
+          <a:schemeClr val="tx1">
+            <a:lumMod val="85000"/>
+            <a:lumOff val="15000"/>
+          </a:schemeClr>
+        </a:buClr>
+        <a:buFont typeface="Garamond" pitchFamily="18" charset="0"/>
+        <a:buChar char="◦"/>
+        <a:defRPr sz="1400" kern="1200">
+          <a:solidFill>
+            <a:schemeClr val="tx1"/>
+          </a:solidFill>
+          <a:latin typeface="+mn-lt"/>
+          <a:ea typeface="+mn-ea"/>
+          <a:cs typeface="+mn-cs"/>
+        </a:defRPr>
+      </a:lvl7pPr>
+      <a:lvl8pPr marL="2200000" indent="-228600" algn="l" defTabSz="914400" rtl="0" eaLnBrk="1" latinLnBrk="0" hangingPunct="1">
+        <a:lnSpc>
+          <a:spcPct val="100000"/>
+        </a:lnSpc>
+        <a:spcBef>
+          <a:spcPts val="500"/>
+        </a:spcBef>
+        <a:buClr>
+          <a:schemeClr val="tx1">
+            <a:lumMod val="85000"/>
+            <a:lumOff val="15000"/>
+          </a:schemeClr>
+        </a:buClr>
+        <a:buFont typeface="Garamond" pitchFamily="18" charset="0"/>
+        <a:buChar char="◦"/>
+        <a:defRPr sz="1400" kern="1200">
+          <a:solidFill>
+            <a:schemeClr val="tx1"/>
+          </a:solidFill>
+          <a:latin typeface="+mn-lt"/>
+          <a:ea typeface="+mn-ea"/>
+          <a:cs typeface="+mn-cs"/>
+        </a:defRPr>
+      </a:lvl8pPr>
+      <a:lvl9pPr marL="2500000" indent="-228600" algn="l" defTabSz="914400" rtl="0" eaLnBrk="1" latinLnBrk="0" hangingPunct="1">
+        <a:lnSpc>
+          <a:spcPct val="100000"/>
+        </a:lnSpc>
+        <a:spcBef>
+          <a:spcPts val="500"/>
+        </a:spcBef>
+        <a:buClr>
+          <a:schemeClr val="tx1">
+            <a:lumMod val="85000"/>
+            <a:lumOff val="15000"/>
+          </a:schemeClr>
+        </a:buClr>
+        <a:buFont typeface="Garamond" pitchFamily="18" charset="0"/>
+        <a:buChar char="◦"/>
+        <a:defRPr sz="1400" kern="1200">
+          <a:solidFill>
+            <a:schemeClr val="tx1"/>
+          </a:solidFill>
+          <a:latin typeface="+mn-lt"/>
+          <a:ea typeface="+mn-ea"/>
+          <a:cs typeface="+mn-cs"/>
+        </a:defRPr>
+      </a:lvl9pPr>
+    </p:bodyStyle>
+    <p:otherStyle>
+      <a:defPPr>
+        <a:defRPr lang="en-US"/>
+      </a:defPPr>
+      <a:lvl1pPr marL="0" algn="l" defTabSz="914400" rtl="0" eaLnBrk="1" latinLnBrk="0" hangingPunct="1">
+        <a:defRPr sz="1800" kern="1200">
+          <a:solidFill>
+            <a:schemeClr val="tx1"/>
+          </a:solidFill>
+          <a:latin typeface="+mn-lt"/>
+          <a:ea typeface="+mn-ea"/>
+          <a:cs typeface="+mn-cs"/>
+        </a:defRPr>
+      </a:lvl1pPr>
+      <a:lvl2pPr marL="457200" algn="l" defTabSz="914400" rtl="0" eaLnBrk="1" latinLnBrk="0" hangingPunct="1">
+        <a:defRPr sz="1800" kern="1200">
+          <a:solidFill>
+            <a:schemeClr val="tx1"/>
+          </a:solidFill>
+          <a:latin typeface="+mn-lt"/>
+          <a:ea typeface="+mn-ea"/>
+          <a:cs typeface="+mn-cs"/>
+        </a:defRPr>
+      </a:lvl2pPr>
+      <a:lvl3pPr marL="914400" algn="l" defTabSz="914400" rtl="0" eaLnBrk="1" latinLnBrk="0" hangingPunct="1">
+        <a:defRPr sz="1800" kern="1200">
+          <a:solidFill>
+            <a:schemeClr val="tx1"/>
+          </a:solidFill>
+          <a:latin typeface="+mn-lt"/>
+          <a:ea typeface="+mn-ea"/>
+          <a:cs typeface="+mn-cs"/>
+        </a:defRPr>
+      </a:lvl3pPr>
+      <a:lvl4pPr marL="1371600" algn="l" defTabSz="914400" rtl="0" eaLnBrk="1" latinLnBrk="0" hangingPunct="1">
+        <a:defRPr sz="1800" kern="1200">
+          <a:solidFill>
+            <a:schemeClr val="tx1"/>
+          </a:solidFill>
+          <a:latin typeface="+mn-lt"/>
+          <a:ea typeface="+mn-ea"/>
+          <a:cs typeface="+mn-cs"/>
+        </a:defRPr>
+      </a:lvl4pPr>
+      <a:lvl5pPr marL="1828800" algn="l" defTabSz="914400" rtl="0" eaLnBrk="1" latinLnBrk="0" hangingPunct="1">
+        <a:defRPr sz="1800" kern="1200">
+          <a:solidFill>
+            <a:schemeClr val="tx1"/>
+          </a:solidFill>
+          <a:latin typeface="+mn-lt"/>
+          <a:ea typeface="+mn-ea"/>
+          <a:cs typeface="+mn-cs"/>
+        </a:defRPr>
+      </a:lvl5pPr>
+      <a:lvl6pPr marL="2286000" algn="l" defTabSz="914400" rtl="0" eaLnBrk="1" latinLnBrk="0" hangingPunct="1">
+        <a:defRPr sz="1800" kern="1200">
+          <a:solidFill>
+            <a:schemeClr val="tx1"/>
+          </a:solidFill>
+          <a:latin typeface="+mn-lt"/>
+          <a:ea typeface="+mn-ea"/>
+          <a:cs typeface="+mn-cs"/>
+        </a:defRPr>
+      </a:lvl6pPr>
+      <a:lvl7pPr marL="2743200" algn="l" defTabSz="914400" rtl="0" eaLnBrk="1" latinLnBrk="0" hangingPunct="1">
+        <a:defRPr sz="1800" kern="1200">
+          <a:solidFill>
+            <a:schemeClr val="tx1"/>
+          </a:solidFill>
+          <a:latin typeface="+mn-lt"/>
+          <a:ea typeface="+mn-ea"/>
+          <a:cs typeface="+mn-cs"/>
+        </a:defRPr>
+      </a:lvl7pPr>
+      <a:lvl8pPr marL="3200400" algn="l" defTabSz="914400" rtl="0" eaLnBrk="1" latinLnBrk="0" hangingPunct="1">
+        <a:defRPr sz="1800" kern="1200">
+          <a:solidFill>
+            <a:schemeClr val="tx1"/>
+          </a:solidFill>
+          <a:latin typeface="+mn-lt"/>
+          <a:ea typeface="+mn-ea"/>
+          <a:cs typeface="+mn-cs"/>
+        </a:defRPr>
+      </a:lvl8pPr>
+      <a:lvl9pPr marL="3657600" algn="l" defTabSz="914400" rtl="0" eaLnBrk="1" latinLnBrk="0" hangingPunct="1">
+        <a:defRPr sz="1800" kern="1200">
+          <a:solidFill>
+            <a:schemeClr val="tx1"/>
+          </a:solidFill>
+          <a:latin typeface="+mn-lt"/>
+          <a:ea typeface="+mn-ea"/>
+          <a:cs typeface="+mn-cs"/>
+        </a:defRPr>
+      </a:lvl9pPr>
+    </p:otherStyle>
+  </p:txStyles>
+</p:sldMaster>
+</file>
+
 <file path=ppt/slides/slide1.xml><?xml version="1.0" encoding="utf-8"?>
 <p:sld xmlns:a="http://schemas.openxmlformats.org/drawingml/2006/main" xmlns:r="http://schemas.openxmlformats.org/officeDocument/2006/relationships" xmlns:p="http://schemas.openxmlformats.org/presentationml/2006/main">
   <p:cSld>
@@ -15848,7 +20776,7 @@
       </p:grpSpPr>
       <p:sp>
         <p:nvSpPr>
-          <p:cNvPr id="166" name="PlaceHolder 1"/>
+          <p:cNvPr id="164" name="PlaceHolder 1"/>
           <p:cNvSpPr>
             <a:spLocks noGrp="1"/>
           </p:cNvSpPr>
@@ -15888,7 +20816,7 @@
                 </a:solidFill>
                 <a:latin typeface="Avenir Next LT Pro Light"/>
               </a:rPr>
-              <a:t>Données en temps réel - API Binance/PostgreSQL</a:t>
+              <a:t>Données historiques - API Binance/PostgreSQL</a:t>
             </a:r>
             <a:endParaRPr lang="fr-FR" sz="4000" b="0" strike="noStrike" spc="-1">
               <a:solidFill>
@@ -15901,7 +20829,7 @@
       </p:sp>
       <p:sp>
         <p:nvSpPr>
-          <p:cNvPr id="167" name="PlaceHolder 2"/>
+          <p:cNvPr id="165" name="PlaceHolder 2"/>
           <p:cNvSpPr>
             <a:spLocks noGrp="1"/>
           </p:cNvSpPr>
@@ -15911,8 +20839,8 @@
         </p:nvSpPr>
         <p:spPr>
           <a:xfrm>
-            <a:off x="942840" y="2382840"/>
-            <a:ext cx="9448560" cy="3327840"/>
+            <a:off x="1066680" y="2103120"/>
+            <a:ext cx="10058040" cy="3849120"/>
           </a:xfrm>
           <a:prstGeom prst="rect">
             <a:avLst/>
@@ -15924,26 +20852,9 @@
         </p:spPr>
         <p:txBody>
           <a:bodyPr anchor="t">
-            <a:normAutofit fontScale="71000" lnSpcReduction="20000"/>
+            <a:normAutofit fontScale="79500" lnSpcReduction="20000"/>
           </a:bodyPr>
           <a:lstStyle/>
-          <a:p>
-            <a:pPr>
-              <a:lnSpc>
-                <a:spcPct val="110000"/>
-              </a:lnSpc>
-              <a:spcBef>
-                <a:spcPts val="901"/>
-              </a:spcBef>
-              <a:buNone/>
-            </a:pPr>
-            <a:endParaRPr lang="fr-FR" sz="1500" b="0" strike="noStrike" spc="-1">
-              <a:solidFill>
-                <a:srgbClr val="000000"/>
-              </a:solidFill>
-              <a:latin typeface="Avenir Next LT Pro"/>
-            </a:endParaRPr>
-          </a:p>
           <a:p>
             <a:pPr marL="182880" indent="-182880">
               <a:lnSpc>
@@ -15965,14 +20876,17 @@
                 </a:solidFill>
                 <a:latin typeface="Avenir Next LT Pro"/>
               </a:rPr>
-              <a:t>Websocket pour Streaming: Expliquez que vous utilisez l'API Binance pour récupérer les données en temps réel grâce à un websocket.</a:t>
-            </a:r>
-            <a:endParaRPr lang="fr-FR" sz="1500" b="0" strike="noStrike" spc="-1">
-              <a:solidFill>
-                <a:srgbClr val="000000"/>
-              </a:solidFill>
-              <a:latin typeface="Avenir Next LT Pro"/>
-            </a:endParaRPr>
+              <a:t>Utilisation de la librairie Binance Python</a:t>
+            </a:r>
+            <a:r>
+              <a:rPr lang="fr-FR" sz="1500" b="0" strike="noStrike" spc="-1">
+                <a:solidFill>
+                  <a:srgbClr val="000000"/>
+                </a:solidFill>
+                <a:latin typeface="Avenir Next LT Pro"/>
+              </a:rPr>
+              <a:t>: Vous pouvez préciser que vous avez utilisé la bibliothèque Python pour interagir avec l'API Binance, ce qui a facilité le processus.</a:t>
+            </a:r>
           </a:p>
           <a:p>
             <a:pPr marL="182880" indent="-182880">
@@ -15995,14 +20909,17 @@
                 </a:solidFill>
                 <a:latin typeface="Avenir Next LT Pro"/>
               </a:rPr>
-              <a:t>ThreadedWebsocketManager: Mentionnez que cette classe permet de gérer les websockets dans différents threads, ce qui rend le processus plus efficace et réactif.</a:t>
-            </a:r>
-            <a:endParaRPr lang="fr-FR" sz="1500" b="0" strike="noStrike" spc="-1">
-              <a:solidFill>
-                <a:srgbClr val="000000"/>
-              </a:solidFill>
-              <a:latin typeface="Avenir Next LT Pro"/>
-            </a:endParaRPr>
+              <a:t>Récupération des tickers</a:t>
+            </a:r>
+            <a:r>
+              <a:rPr lang="fr-FR" sz="1500" b="0" strike="noStrike" spc="-1">
+                <a:solidFill>
+                  <a:srgbClr val="000000"/>
+                </a:solidFill>
+                <a:latin typeface="Avenir Next LT Pro"/>
+              </a:rPr>
+              <a:t>: Mentionnez que votre script est capable de récupérer tous les tickers disponibles, ce qui donne une grande flexibilité à votre système.</a:t>
+            </a:r>
           </a:p>
           <a:p>
             <a:pPr marL="182880" indent="-182880">
@@ -16025,14 +20942,17 @@
                 </a:solidFill>
                 <a:latin typeface="Avenir Next LT Pro"/>
               </a:rPr>
-              <a:t>Sélection des Tickers: Indiquez que les tickers sont récupérés via une fonction de configuration, ce qui permet une flexibilité quant aux marchés sur lesquels vous souhaitez récupérer des données.</a:t>
-            </a:r>
-            <a:endParaRPr lang="fr-FR" sz="1500" b="0" strike="noStrike" spc="-1">
-              <a:solidFill>
-                <a:srgbClr val="000000"/>
-              </a:solidFill>
-              <a:latin typeface="Avenir Next LT Pro"/>
-            </a:endParaRPr>
+              <a:t>Formatage des données</a:t>
+            </a:r>
+            <a:r>
+              <a:rPr lang="fr-FR" sz="1500" b="0" strike="noStrike" spc="-1">
+                <a:solidFill>
+                  <a:srgbClr val="000000"/>
+                </a:solidFill>
+                <a:latin typeface="Avenir Next LT Pro"/>
+              </a:rPr>
+              <a:t>: Parlez du fait que vous transformez les données récupérées en un DataFrame pour un traitement plus facile et que vous ajoutez une colonne "data_origin" pour indiquer qu'il s'agit de données historiques.</a:t>
+            </a:r>
           </a:p>
           <a:p>
             <a:pPr marL="182880" indent="-182880">
@@ -16055,14 +20975,17 @@
                 </a:solidFill>
                 <a:latin typeface="Avenir Next LT Pro"/>
               </a:rPr>
-              <a:t>Création des Tables: Soulignez que le script crée dynamiquement des tables pour chaque ticker en utilisant le paramètre reset=True pour réinitialiser la base de données si nécessaire.</a:t>
-            </a:r>
-            <a:endParaRPr lang="fr-FR" sz="1500" b="0" strike="noStrike" spc="-1">
-              <a:solidFill>
-                <a:srgbClr val="000000"/>
-              </a:solidFill>
-              <a:latin typeface="Avenir Next LT Pro"/>
-            </a:endParaRPr>
+              <a:t>Export en JSON</a:t>
+            </a:r>
+            <a:r>
+              <a:rPr lang="fr-FR" sz="1500" b="0" strike="noStrike" spc="-1">
+                <a:solidFill>
+                  <a:srgbClr val="000000"/>
+                </a:solidFill>
+                <a:latin typeface="Avenir Next LT Pro"/>
+              </a:rPr>
+              <a:t>: Enfin, expliquez que vous exportez ces données dans un fichier JSON, qui servira ensuite pour l'étape de stockage dans PostgreSQL.</a:t>
+            </a:r>
           </a:p>
           <a:p>
             <a:pPr marL="182880" indent="-182880">
@@ -16085,14 +21008,17 @@
                 </a:solidFill>
                 <a:latin typeface="Avenir Next LT Pro"/>
               </a:rPr>
-              <a:t>Gestion des Callbacks: Précisez que la méthode callback_stream_msg est appelée chaque fois qu'un nouveau message arrive du websocket, et qu'elle gère l'insertion de ces données dans la base de données PostgreSQL.</a:t>
-            </a:r>
-            <a:endParaRPr lang="fr-FR" sz="1500" b="0" strike="noStrike" spc="-1">
-              <a:solidFill>
-                <a:srgbClr val="000000"/>
-              </a:solidFill>
-              <a:latin typeface="Avenir Next LT Pro"/>
-            </a:endParaRPr>
+              <a:t>Code snippet</a:t>
+            </a:r>
+            <a:r>
+              <a:rPr lang="fr-FR" sz="1500" b="0" strike="noStrike" spc="-1">
+                <a:solidFill>
+                  <a:srgbClr val="000000"/>
+                </a:solidFill>
+                <a:latin typeface="Avenir Next LT Pro"/>
+              </a:rPr>
+              <a:t>: Vous pouvez également montrer un petit extrait de code ou une capture d'écran du script pour illustrer votre explication.</a:t>
+            </a:r>
           </a:p>
           <a:p>
             <a:pPr marL="182880" indent="-182880">
@@ -16109,20 +21035,14 @@
               <a:buAutoNum type="arabicPeriod"/>
             </a:pPr>
             <a:r>
-              <a:rPr lang="fr-FR" sz="1500" b="1" strike="noStrike" spc="-1">
+              <a:rPr lang="fr-FR" sz="1500" b="0" strike="noStrike" spc="-1">
                 <a:solidFill>
                   <a:srgbClr val="000000"/>
                 </a:solidFill>
                 <a:latin typeface="Avenir Next LT Pro"/>
               </a:rPr>
-              <a:t>Durée du Streaming: Vous pouvez mentionner que ce script est configuré pour dormir pendant 5 secondes (comme indiqué par sleep(5)), mais cela peut être adapté selon les besoins.</a:t>
-            </a:r>
-            <a:endParaRPr lang="fr-FR" sz="1500" b="0" strike="noStrike" spc="-1">
-              <a:solidFill>
-                <a:srgbClr val="000000"/>
-              </a:solidFill>
-              <a:latin typeface="Avenir Next LT Pro"/>
-            </a:endParaRPr>
+              <a:t> Initialisation de la BDD PostgreSQL: Indiquez que ce second script est utilisé pour peupler la base de données PostgreSQL à partir du fichier JSON généré par le premier script.</a:t>
+            </a:r>
           </a:p>
           <a:p>
             <a:pPr marL="182880" indent="-182880">
@@ -16139,37 +21059,62 @@
               <a:buAutoNum type="arabicPeriod"/>
             </a:pPr>
             <a:r>
-              <a:rPr lang="fr-FR" sz="1500" b="1" strike="noStrike" spc="-1">
+              <a:rPr lang="fr-FR" sz="1500" b="0" strike="noStrike" spc="-1">
                 <a:solidFill>
                   <a:srgbClr val="000000"/>
                 </a:solidFill>
                 <a:latin typeface="Avenir Next LT Pro"/>
               </a:rPr>
-              <a:t>Arrêt du Websocket et Fermeture de la BDD: Comme pour le script précédent, notez que le websocket et la connexion à la base de données sont correctement fermés à la fin du script.</a:t>
-            </a:r>
-            <a:endParaRPr lang="fr-FR" sz="1500" b="0" strike="noStrike" spc="-1">
-              <a:solidFill>
-                <a:srgbClr val="000000"/>
-              </a:solidFill>
-              <a:latin typeface="Avenir Next LT Pro"/>
-            </a:endParaRPr>
-          </a:p>
-          <a:p>
-            <a:pPr>
+              <a:t>    Configuration modulaire: Soulignez que les informations de configuration sont stockées de manière externe, ce qui rend le script facile à adapter pour d'autres utilisateurs ou environnements.</a:t>
+            </a:r>
+          </a:p>
+          <a:p>
+            <a:pPr marL="182880" indent="-182880">
               <a:lnSpc>
                 <a:spcPct val="110000"/>
               </a:lnSpc>
               <a:spcBef>
                 <a:spcPts val="901"/>
               </a:spcBef>
-              <a:buNone/>
+              <a:buClr>
+                <a:srgbClr val="262626"/>
+              </a:buClr>
+              <a:buFont typeface="Avenir Next LT Pro Light"/>
+              <a:buAutoNum type="arabicPeriod"/>
             </a:pPr>
-            <a:endParaRPr lang="fr-FR" sz="1500" b="0" strike="noStrike" spc="-1">
-              <a:solidFill>
-                <a:srgbClr val="000000"/>
-              </a:solidFill>
-              <a:latin typeface="Avenir Next LT Pro"/>
-            </a:endParaRPr>
+            <a:r>
+              <a:rPr lang="fr-FR" sz="1500" b="0" strike="noStrike" spc="-1">
+                <a:solidFill>
+                  <a:srgbClr val="000000"/>
+                </a:solidFill>
+                <a:latin typeface="Avenir Next LT Pro"/>
+              </a:rPr>
+              <a:t>    Fermeture de la connexion à la BDD: Il peut être utile de mentionner que votre code prend en charge la gestion correcte des ressources en fermant explicitement la connexion à la base de données une fois l'opération terminée.</a:t>
+            </a:r>
+          </a:p>
+          <a:p>
+            <a:pPr marL="182880" indent="-182880">
+              <a:lnSpc>
+                <a:spcPct val="110000"/>
+              </a:lnSpc>
+              <a:spcBef>
+                <a:spcPts val="901"/>
+              </a:spcBef>
+              <a:buClr>
+                <a:srgbClr val="262626"/>
+              </a:buClr>
+              <a:buFont typeface="Avenir Next LT Pro Light"/>
+              <a:buAutoNum type="arabicPeriod"/>
+            </a:pPr>
+            <a:r>
+              <a:rPr lang="fr-FR" sz="1500" b="0" strike="noStrike" spc="-1">
+                <a:solidFill>
+                  <a:srgbClr val="000000"/>
+                </a:solidFill>
+                <a:latin typeface="Avenir Next LT Pro"/>
+              </a:rPr>
+              <a:t>    Réinitialisation de la BDD: Vous pouvez évoquer que le paramètre reset=True permet de réinitialiser la base de données, ce qui pourrait être utile pour des tests ou des mises à jour de données.</a:t>
+            </a:r>
           </a:p>
         </p:txBody>
       </p:sp>
@@ -16200,7 +21145,13 @@
       </p:grpSpPr>
       <p:sp>
         <p:nvSpPr>
-          <p:cNvPr id="168" name="PlaceHolder 1"/>
+          <p:cNvPr id="2" name="Titre 1">
+            <a:extLst>
+              <a:ext uri="{FF2B5EF4-FFF2-40B4-BE49-F238E27FC236}">
+                <a16:creationId xmlns:a16="http://schemas.microsoft.com/office/drawing/2014/main" id="{79423420-D8EB-0F90-6B97-E2C1FD637A3D}"/>
+              </a:ext>
+            </a:extLst>
+          </p:cNvPr>
           <p:cNvSpPr>
             <a:spLocks noGrp="1"/>
           </p:cNvSpPr>
@@ -16208,244 +21159,521 @@
             <p:ph type="title"/>
           </p:nvPr>
         </p:nvSpPr>
-        <p:spPr>
-          <a:xfrm>
-            <a:off x="1066680" y="642600"/>
-            <a:ext cx="10058040" cy="1371240"/>
-          </a:xfrm>
-          <a:prstGeom prst="rect">
-            <a:avLst/>
-          </a:prstGeom>
-          <a:noFill/>
-          <a:ln w="0">
-            <a:noFill/>
-          </a:ln>
-        </p:spPr>
-        <p:txBody>
-          <a:bodyPr anchor="ctr">
-            <a:noAutofit/>
+        <p:spPr/>
+        <p:txBody>
+          <a:bodyPr/>
+          <a:lstStyle/>
+          <a:p>
+            <a:r>
+              <a:rPr lang="fr-FR" b="1" dirty="0"/>
+              <a:t>Données historiques - API Binance/PostgreSQL</a:t>
+            </a:r>
+            <a:endParaRPr lang="fr-FR" dirty="0"/>
+          </a:p>
+        </p:txBody>
+      </p:sp>
+      <p:sp>
+        <p:nvSpPr>
+          <p:cNvPr id="3" name="Espace réservé du contenu 2">
+            <a:extLst>
+              <a:ext uri="{FF2B5EF4-FFF2-40B4-BE49-F238E27FC236}">
+                <a16:creationId xmlns:a16="http://schemas.microsoft.com/office/drawing/2014/main" id="{8FCE740D-4291-8F8C-8962-0FE98AADC9F6}"/>
+              </a:ext>
+            </a:extLst>
+          </p:cNvPr>
+          <p:cNvSpPr>
+            <a:spLocks noGrp="1"/>
+          </p:cNvSpPr>
+          <p:nvPr>
+            <p:ph idx="1"/>
+          </p:nvPr>
+        </p:nvSpPr>
+        <p:spPr/>
+        <p:txBody>
+          <a:bodyPr>
+            <a:normAutofit/>
           </a:bodyPr>
           <a:lstStyle/>
           <a:p>
-            <a:pPr>
-              <a:lnSpc>
-                <a:spcPct val="90000"/>
-              </a:lnSpc>
-              <a:buNone/>
-            </a:pPr>
-            <a:r>
-              <a:rPr lang="fr-FR" sz="4000" b="0" strike="noStrike" spc="-1">
-                <a:solidFill>
-                  <a:srgbClr val="262626"/>
-                </a:solidFill>
-                <a:latin typeface="Avenir Next LT Pro Light"/>
-              </a:rPr>
-              <a:t>StratégieS de trading</a:t>
-            </a:r>
-            <a:endParaRPr lang="fr-FR" sz="4000" b="0" strike="noStrike" spc="-1">
-              <a:solidFill>
-                <a:srgbClr val="000000"/>
-              </a:solidFill>
-              <a:latin typeface="Avenir Next LT Pro"/>
-            </a:endParaRPr>
-          </a:p>
-        </p:txBody>
-      </p:sp>
-      <p:sp>
-        <p:nvSpPr>
-          <p:cNvPr id="169" name="PlaceHolder 2"/>
-          <p:cNvSpPr>
-            <a:spLocks noGrp="1"/>
-          </p:cNvSpPr>
-          <p:nvPr>
-            <p:ph/>
-          </p:nvPr>
-        </p:nvSpPr>
-        <p:spPr>
-          <a:xfrm>
-            <a:off x="1066680" y="2103120"/>
-            <a:ext cx="10058040" cy="3849120"/>
-          </a:xfrm>
-          <a:prstGeom prst="rect">
-            <a:avLst/>
-          </a:prstGeom>
-          <a:noFill/>
-          <a:ln w="0">
-            <a:noFill/>
-          </a:ln>
-        </p:spPr>
-        <p:txBody>
-          <a:bodyPr anchor="t">
-            <a:noAutofit/>
-          </a:bodyPr>
-          <a:lstStyle/>
-          <a:p>
-            <a:pPr marL="182880" indent="-182880">
+            <a:pPr algn="just"/>
+            <a:r>
+              <a:rPr lang="fr-FR" b="1" dirty="0"/>
+              <a:t>Récupération des données:</a:t>
+            </a:r>
+          </a:p>
+          <a:p>
+            <a:pPr lvl="1" algn="just"/>
+            <a:r>
+              <a:rPr lang="fr-FR" dirty="0"/>
+              <a:t>Utilisation de la librairie python de Binance </a:t>
+            </a:r>
+          </a:p>
+          <a:p>
+            <a:pPr lvl="1" algn="just"/>
+            <a:r>
+              <a:rPr lang="fr-FR" dirty="0"/>
+              <a:t>Choix des </a:t>
+            </a:r>
+            <a:r>
+              <a:rPr lang="fr-FR" dirty="0" err="1"/>
+              <a:t>tickers</a:t>
+            </a:r>
+            <a:r>
+              <a:rPr lang="fr-FR" dirty="0"/>
+              <a:t> récupérés, du type de donnée, de la plage temporelle</a:t>
+            </a:r>
+          </a:p>
+          <a:p>
+            <a:pPr marL="182880" marR="0" lvl="0" indent="-182880" algn="just" defTabSz="914400" rtl="0" eaLnBrk="1" fontAlgn="auto" latinLnBrk="0" hangingPunct="1">
               <a:lnSpc>
                 <a:spcPct val="110000"/>
               </a:lnSpc>
               <a:spcBef>
-                <a:spcPts val="901"/>
+                <a:spcPts val="900"/>
               </a:spcBef>
+              <a:spcAft>
+                <a:spcPts val="0"/>
+              </a:spcAft>
               <a:buClr>
-                <a:srgbClr val="262626"/>
+                <a:prstClr val="black">
+                  <a:lumMod val="85000"/>
+                  <a:lumOff val="15000"/>
+                </a:prstClr>
               </a:buClr>
-              <a:buFont typeface="Avenir Next LT Pro Light"/>
-              <a:buAutoNum type="arabicPeriod"/>
+              <a:buSzTx/>
+              <a:buFont typeface="Garamond" pitchFamily="18" charset="0"/>
+              <a:buChar char="◦"/>
+              <a:tabLst/>
+              <a:defRPr/>
             </a:pPr>
             <a:r>
-              <a:rPr lang="fr-FR" sz="1500" b="1" strike="noStrike" spc="-1">
+              <a:rPr lang="fr-FR" b="1" dirty="0" err="1">
                 <a:solidFill>
-                  <a:srgbClr val="000000"/>
+                  <a:prstClr val="black"/>
                 </a:solidFill>
-                <a:latin typeface="Avenir Next LT Pro"/>
+                <a:latin typeface="Avenir Next LT Pro" panose="02020404030301010803"/>
               </a:rPr>
-              <a:t>Stratégie Long Terme</a:t>
-            </a:r>
-            <a:r>
-              <a:rPr lang="fr-FR" sz="1500" b="0" strike="noStrike" spc="-1">
+              <a:t>Processing</a:t>
+            </a:r>
+            <a:r>
+              <a:rPr lang="fr-FR" b="1" dirty="0">
                 <a:solidFill>
-                  <a:srgbClr val="000000"/>
+                  <a:prstClr val="black"/>
                 </a:solidFill>
-                <a:latin typeface="Avenir Next LT Pro"/>
+                <a:latin typeface="Avenir Next LT Pro" panose="02020404030301010803"/>
               </a:rPr>
-              <a:t>: Utilisation des moyennes mobiles pour identifier les opportunités d'investissement à long terme basées sur les données historiques.</a:t>
-            </a:r>
-          </a:p>
-          <a:p>
-            <a:pPr marL="182880" indent="-182880">
+              <a:t> des données:</a:t>
+            </a:r>
+          </a:p>
+          <a:p>
+            <a:pPr marL="457200" marR="0" lvl="1" indent="-182880" algn="just" defTabSz="914400" rtl="0" eaLnBrk="1" fontAlgn="auto" latinLnBrk="0" hangingPunct="1">
+              <a:lnSpc>
+                <a:spcPct val="100000"/>
+              </a:lnSpc>
+              <a:spcBef>
+                <a:spcPts val="500"/>
+              </a:spcBef>
+              <a:spcAft>
+                <a:spcPts val="0"/>
+              </a:spcAft>
+              <a:buClr>
+                <a:prstClr val="black">
+                  <a:lumMod val="85000"/>
+                  <a:lumOff val="15000"/>
+                </a:prstClr>
+              </a:buClr>
+              <a:buSzTx/>
+              <a:buFont typeface="Garamond" pitchFamily="18" charset="0"/>
+              <a:buChar char="◦"/>
+              <a:tabLst/>
+              <a:defRPr/>
+            </a:pPr>
+            <a:r>
+              <a:rPr kumimoji="0" lang="fr-FR" sz="1300" b="0" i="0" u="none" strike="noStrike" kern="1200" cap="none" spc="0" normalizeH="0" baseline="0" noProof="0" dirty="0">
+                <a:ln>
+                  <a:noFill/>
+                </a:ln>
+                <a:solidFill>
+                  <a:prstClr val="black"/>
+                </a:solidFill>
+                <a:effectLst/>
+                <a:uLnTx/>
+                <a:uFillTx/>
+                <a:latin typeface="Avenir Next LT Pro" panose="02020404030301010803"/>
+                <a:ea typeface="+mn-ea"/>
+                <a:cs typeface="+mn-cs"/>
+              </a:rPr>
+              <a:t>Transformation en </a:t>
+            </a:r>
+            <a:r>
+              <a:rPr kumimoji="0" lang="fr-FR" sz="1300" b="0" i="0" u="none" strike="noStrike" kern="1200" cap="none" spc="0" normalizeH="0" baseline="0" noProof="0" dirty="0" err="1">
+                <a:ln>
+                  <a:noFill/>
+                </a:ln>
+                <a:solidFill>
+                  <a:prstClr val="black"/>
+                </a:solidFill>
+                <a:effectLst/>
+                <a:uLnTx/>
+                <a:uFillTx/>
+                <a:latin typeface="Avenir Next LT Pro" panose="02020404030301010803"/>
+                <a:ea typeface="+mn-ea"/>
+                <a:cs typeface="+mn-cs"/>
+              </a:rPr>
+              <a:t>DataFrame</a:t>
+            </a:r>
+            <a:endParaRPr kumimoji="0" lang="fr-FR" sz="1300" b="0" i="0" u="none" strike="noStrike" kern="1200" cap="none" spc="0" normalizeH="0" baseline="0" noProof="0" dirty="0">
+              <a:ln>
+                <a:noFill/>
+              </a:ln>
+              <a:solidFill>
+                <a:prstClr val="black"/>
+              </a:solidFill>
+              <a:effectLst/>
+              <a:uLnTx/>
+              <a:uFillTx/>
+              <a:latin typeface="Avenir Next LT Pro" panose="02020404030301010803"/>
+              <a:ea typeface="+mn-ea"/>
+              <a:cs typeface="+mn-cs"/>
+            </a:endParaRPr>
+          </a:p>
+          <a:p>
+            <a:pPr marL="457200" marR="0" lvl="1" indent="-182880" algn="just" defTabSz="914400" rtl="0" eaLnBrk="1" fontAlgn="auto" latinLnBrk="0" hangingPunct="1">
+              <a:lnSpc>
+                <a:spcPct val="100000"/>
+              </a:lnSpc>
+              <a:spcBef>
+                <a:spcPts val="500"/>
+              </a:spcBef>
+              <a:spcAft>
+                <a:spcPts val="0"/>
+              </a:spcAft>
+              <a:buClr>
+                <a:prstClr val="black">
+                  <a:lumMod val="85000"/>
+                  <a:lumOff val="15000"/>
+                </a:prstClr>
+              </a:buClr>
+              <a:buSzTx/>
+              <a:buFont typeface="Garamond" pitchFamily="18" charset="0"/>
+              <a:buChar char="◦"/>
+              <a:tabLst/>
+              <a:defRPr/>
+            </a:pPr>
+            <a:r>
+              <a:rPr kumimoji="0" lang="fr-FR" sz="1300" b="0" i="0" u="none" strike="noStrike" kern="1200" cap="none" spc="0" normalizeH="0" baseline="0" noProof="0" dirty="0">
+                <a:ln>
+                  <a:noFill/>
+                </a:ln>
+                <a:solidFill>
+                  <a:prstClr val="black"/>
+                </a:solidFill>
+                <a:effectLst/>
+                <a:uLnTx/>
+                <a:uFillTx/>
+                <a:latin typeface="Avenir Next LT Pro" panose="02020404030301010803"/>
+                <a:ea typeface="+mn-ea"/>
+                <a:cs typeface="+mn-cs"/>
+              </a:rPr>
+              <a:t>Ajout d’une colonne « </a:t>
+            </a:r>
+            <a:r>
+              <a:rPr kumimoji="0" lang="fr-FR" sz="1300" b="0" i="0" u="none" strike="noStrike" kern="1200" cap="none" spc="0" normalizeH="0" baseline="0" noProof="0" dirty="0" err="1">
+                <a:ln>
+                  <a:noFill/>
+                </a:ln>
+                <a:solidFill>
+                  <a:prstClr val="black"/>
+                </a:solidFill>
+                <a:effectLst/>
+                <a:uLnTx/>
+                <a:uFillTx/>
+                <a:latin typeface="Avenir Next LT Pro" panose="02020404030301010803"/>
+                <a:ea typeface="+mn-ea"/>
+                <a:cs typeface="+mn-cs"/>
+              </a:rPr>
+              <a:t>data_origin</a:t>
+            </a:r>
+            <a:r>
+              <a:rPr kumimoji="0" lang="fr-FR" sz="1300" b="0" i="0" u="none" strike="noStrike" kern="1200" cap="none" spc="0" normalizeH="0" baseline="0" noProof="0" dirty="0">
+                <a:ln>
+                  <a:noFill/>
+                </a:ln>
+                <a:solidFill>
+                  <a:prstClr val="black"/>
+                </a:solidFill>
+                <a:effectLst/>
+                <a:uLnTx/>
+                <a:uFillTx/>
+                <a:latin typeface="Avenir Next LT Pro" panose="02020404030301010803"/>
+                <a:ea typeface="+mn-ea"/>
+                <a:cs typeface="+mn-cs"/>
+              </a:rPr>
+              <a:t> »</a:t>
+            </a:r>
+          </a:p>
+          <a:p>
+            <a:pPr marL="457200" marR="0" lvl="1" indent="-182880" algn="just" defTabSz="914400" rtl="0" eaLnBrk="1" fontAlgn="auto" latinLnBrk="0" hangingPunct="1">
+              <a:lnSpc>
+                <a:spcPct val="100000"/>
+              </a:lnSpc>
+              <a:spcBef>
+                <a:spcPts val="500"/>
+              </a:spcBef>
+              <a:spcAft>
+                <a:spcPts val="0"/>
+              </a:spcAft>
+              <a:buClr>
+                <a:prstClr val="black">
+                  <a:lumMod val="85000"/>
+                  <a:lumOff val="15000"/>
+                </a:prstClr>
+              </a:buClr>
+              <a:buSzTx/>
+              <a:buFont typeface="Garamond" pitchFamily="18" charset="0"/>
+              <a:buChar char="◦"/>
+              <a:tabLst/>
+              <a:defRPr/>
+            </a:pPr>
+            <a:r>
+              <a:rPr kumimoji="0" lang="fr-FR" sz="1300" b="0" i="0" u="none" strike="noStrike" kern="1200" cap="none" spc="0" normalizeH="0" baseline="0" noProof="0" dirty="0">
+                <a:ln>
+                  <a:noFill/>
+                </a:ln>
+                <a:solidFill>
+                  <a:prstClr val="black"/>
+                </a:solidFill>
+                <a:effectLst/>
+                <a:uLnTx/>
+                <a:uFillTx/>
+                <a:latin typeface="Avenir Next LT Pro" panose="02020404030301010803"/>
+                <a:ea typeface="+mn-ea"/>
+                <a:cs typeface="+mn-cs"/>
+              </a:rPr>
+              <a:t>Exportation des </a:t>
+            </a:r>
+            <a:r>
+              <a:rPr kumimoji="0" lang="fr-FR" sz="1300" b="0" i="0" u="none" strike="noStrike" kern="1200" cap="none" spc="0" normalizeH="0" baseline="0" noProof="0" dirty="0" err="1">
+                <a:ln>
+                  <a:noFill/>
+                </a:ln>
+                <a:solidFill>
+                  <a:prstClr val="black"/>
+                </a:solidFill>
+                <a:effectLst/>
+                <a:uLnTx/>
+                <a:uFillTx/>
+                <a:latin typeface="Avenir Next LT Pro" panose="02020404030301010803"/>
+                <a:ea typeface="+mn-ea"/>
+                <a:cs typeface="+mn-cs"/>
+              </a:rPr>
+              <a:t>donées</a:t>
+            </a:r>
+            <a:r>
+              <a:rPr kumimoji="0" lang="fr-FR" sz="1300" b="0" i="0" u="none" strike="noStrike" kern="1200" cap="none" spc="0" normalizeH="0" baseline="0" noProof="0" dirty="0">
+                <a:ln>
+                  <a:noFill/>
+                </a:ln>
+                <a:solidFill>
+                  <a:prstClr val="black"/>
+                </a:solidFill>
+                <a:effectLst/>
+                <a:uLnTx/>
+                <a:uFillTx/>
+                <a:latin typeface="Avenir Next LT Pro" panose="02020404030301010803"/>
+                <a:ea typeface="+mn-ea"/>
+                <a:cs typeface="+mn-cs"/>
+              </a:rPr>
+              <a:t> au format JSON</a:t>
+            </a:r>
+          </a:p>
+          <a:p>
+            <a:pPr marL="182880" marR="0" lvl="0" indent="-182880" algn="just" defTabSz="914400" rtl="0" eaLnBrk="1" fontAlgn="auto" latinLnBrk="0" hangingPunct="1">
               <a:lnSpc>
                 <a:spcPct val="110000"/>
               </a:lnSpc>
               <a:spcBef>
-                <a:spcPts val="901"/>
+                <a:spcPts val="900"/>
               </a:spcBef>
+              <a:spcAft>
+                <a:spcPts val="0"/>
+              </a:spcAft>
               <a:buClr>
-                <a:srgbClr val="262626"/>
+                <a:prstClr val="black">
+                  <a:lumMod val="85000"/>
+                  <a:lumOff val="15000"/>
+                </a:prstClr>
               </a:buClr>
-              <a:buFont typeface="Avenir Next LT Pro Light"/>
-              <a:buAutoNum type="arabicPeriod"/>
+              <a:buSzTx/>
+              <a:buFont typeface="Garamond" pitchFamily="18" charset="0"/>
+              <a:buChar char="◦"/>
+              <a:tabLst/>
+              <a:defRPr/>
             </a:pPr>
             <a:r>
-              <a:rPr lang="fr-FR" sz="1500" b="1" strike="noStrike" spc="-1">
+              <a:rPr kumimoji="0" lang="fr-FR" sz="1500" b="1" i="0" u="none" strike="noStrike" kern="1200" cap="none" spc="0" normalizeH="0" baseline="0" noProof="0" dirty="0">
+                <a:ln>
+                  <a:noFill/>
+                </a:ln>
                 <a:solidFill>
-                  <a:srgbClr val="000000"/>
+                  <a:prstClr val="black"/>
                 </a:solidFill>
-                <a:latin typeface="Avenir Next LT Pro"/>
+                <a:effectLst/>
+                <a:uLnTx/>
+                <a:uFillTx/>
+                <a:latin typeface="Avenir Next LT Pro" panose="02020404030301010803"/>
+                <a:ea typeface="+mn-ea"/>
+                <a:cs typeface="+mn-cs"/>
               </a:rPr>
-              <a:t>Stratégie Moyen Terme</a:t>
-            </a:r>
-            <a:r>
-              <a:rPr lang="fr-FR" sz="1500" b="0" strike="noStrike" spc="-1">
-                <a:solidFill>
-                  <a:srgbClr val="000000"/>
-                </a:solidFill>
-                <a:latin typeface="Avenir Next LT Pro"/>
-              </a:rPr>
-              <a:t>: Utilisation d'un modèle de Machine Learning pour prédire la 90e valeur sur la base des 59 dernières valeurs.</a:t>
-            </a:r>
-          </a:p>
-          <a:p>
-            <a:pPr marL="182880" indent="-182880">
+              <a:t>Initialisation de la BDD PostgreSQL:</a:t>
+            </a:r>
+          </a:p>
+          <a:p>
+            <a:pPr marL="457200" marR="0" lvl="1" indent="-182880" algn="just" defTabSz="914400" rtl="0" eaLnBrk="1" fontAlgn="auto" latinLnBrk="0" hangingPunct="1">
               <a:lnSpc>
-                <a:spcPct val="110000"/>
+                <a:spcPct val="100000"/>
               </a:lnSpc>
               <a:spcBef>
-                <a:spcPts val="901"/>
+                <a:spcPts val="500"/>
               </a:spcBef>
+              <a:spcAft>
+                <a:spcPts val="0"/>
+              </a:spcAft>
               <a:buClr>
-                <a:srgbClr val="262626"/>
+                <a:prstClr val="black">
+                  <a:lumMod val="85000"/>
+                  <a:lumOff val="15000"/>
+                </a:prstClr>
               </a:buClr>
-              <a:buFont typeface="Avenir Next LT Pro Light"/>
-              <a:buAutoNum type="arabicPeriod"/>
+              <a:buSzTx/>
+              <a:buFont typeface="Garamond" pitchFamily="18" charset="0"/>
+              <a:buChar char="◦"/>
+              <a:tabLst/>
+              <a:defRPr/>
             </a:pPr>
             <a:r>
-              <a:rPr lang="fr-FR" sz="1500" b="1" strike="noStrike" spc="-1">
+              <a:rPr kumimoji="0" lang="fr-FR" sz="1300" b="0" i="0" u="none" strike="noStrike" kern="1200" cap="none" spc="0" normalizeH="0" baseline="0" noProof="0" dirty="0">
+                <a:ln>
+                  <a:noFill/>
+                </a:ln>
                 <a:solidFill>
-                  <a:srgbClr val="000000"/>
+                  <a:prstClr val="black"/>
                 </a:solidFill>
-                <a:latin typeface="Avenir Next LT Pro"/>
+                <a:effectLst/>
+                <a:uLnTx/>
+                <a:uFillTx/>
+                <a:latin typeface="Avenir Next LT Pro" panose="02020404030301010803"/>
+                <a:ea typeface="+mn-ea"/>
+                <a:cs typeface="+mn-cs"/>
               </a:rPr>
-              <a:t>Stratégie Court Terme</a:t>
-            </a:r>
-            <a:r>
-              <a:rPr lang="fr-FR" sz="1500" b="0" strike="noStrike" spc="-1">
-                <a:solidFill>
-                  <a:srgbClr val="000000"/>
-                </a:solidFill>
-                <a:latin typeface="Avenir Next LT Pro"/>
-              </a:rPr>
-              <a:t>: Focus sur les cryptomonnaies les plus volatiles avec un script de flux de données en streaming.</a:t>
-            </a:r>
-          </a:p>
-          <a:p>
-            <a:pPr marL="182880" indent="-182880">
+              <a:t>Utilisation du fichier JSON </a:t>
+            </a:r>
+          </a:p>
+          <a:p>
+            <a:pPr marL="457200" marR="0" lvl="1" indent="-182880" algn="just" defTabSz="914400" rtl="0" eaLnBrk="1" fontAlgn="auto" latinLnBrk="0" hangingPunct="1">
               <a:lnSpc>
-                <a:spcPct val="110000"/>
+                <a:spcPct val="100000"/>
               </a:lnSpc>
               <a:spcBef>
-                <a:spcPts val="901"/>
+                <a:spcPts val="500"/>
               </a:spcBef>
+              <a:spcAft>
+                <a:spcPts val="0"/>
+              </a:spcAft>
               <a:buClr>
-                <a:srgbClr val="262626"/>
+                <a:prstClr val="black">
+                  <a:lumMod val="85000"/>
+                  <a:lumOff val="15000"/>
+                </a:prstClr>
               </a:buClr>
-              <a:buFont typeface="Garamond"/>
+              <a:buSzTx/>
+              <a:buFont typeface="Garamond" pitchFamily="18" charset="0"/>
               <a:buChar char="◦"/>
+              <a:tabLst/>
+              <a:defRPr/>
             </a:pPr>
             <a:r>
-              <a:rPr lang="fr-FR" sz="1500" b="0" strike="noStrike" spc="-1">
-                <a:solidFill>
-                  <a:srgbClr val="000000"/>
-                </a:solidFill>
-                <a:latin typeface="Avenir Next LT Pro"/>
-              </a:rPr>
-              <a:t>Chaque point pourrait être accompagné d'un petit graphique ou d'une capture d'écran pour illustrer la stratégie.</a:t>
-            </a:r>
-          </a:p>
-          <a:p>
-            <a:pPr marL="182880" indent="-182880">
+              <a:rPr lang="fr-FR" dirty="0"/>
+              <a:t>Informations de configuration stockées de manière externe </a:t>
+            </a:r>
+          </a:p>
+          <a:p>
+            <a:pPr marL="457200" marR="0" lvl="1" indent="-182880" algn="just" defTabSz="914400" rtl="0" eaLnBrk="1" fontAlgn="auto" latinLnBrk="0" hangingPunct="1">
               <a:lnSpc>
-                <a:spcPct val="110000"/>
+                <a:spcPct val="100000"/>
               </a:lnSpc>
               <a:spcBef>
-                <a:spcPts val="901"/>
+                <a:spcPts val="500"/>
               </a:spcBef>
+              <a:spcAft>
+                <a:spcPts val="0"/>
+              </a:spcAft>
               <a:buClr>
-                <a:srgbClr val="262626"/>
+                <a:prstClr val="black">
+                  <a:lumMod val="85000"/>
+                  <a:lumOff val="15000"/>
+                </a:prstClr>
               </a:buClr>
-              <a:buFont typeface="Garamond"/>
+              <a:buSzTx/>
+              <a:buFont typeface="Garamond" pitchFamily="18" charset="0"/>
               <a:buChar char="◦"/>
+              <a:tabLst/>
+              <a:defRPr/>
             </a:pPr>
             <a:r>
-              <a:rPr lang="fr-FR" sz="1500" b="0" strike="noStrike" spc="-1">
+              <a:rPr kumimoji="0" lang="fr-FR" sz="1300" b="0" i="0" u="none" strike="noStrike" kern="1200" cap="none" spc="0" normalizeH="0" baseline="0" noProof="0" dirty="0">
+                <a:ln>
+                  <a:noFill/>
+                </a:ln>
                 <a:solidFill>
-                  <a:srgbClr val="000000"/>
+                  <a:prstClr val="black"/>
                 </a:solidFill>
-                <a:latin typeface="Avenir Next LT Pro"/>
+                <a:effectLst/>
+                <a:uLnTx/>
+                <a:uFillTx/>
+                <a:latin typeface="Avenir Next LT Pro" panose="02020404030301010803"/>
+                <a:ea typeface="+mn-ea"/>
+                <a:cs typeface="+mn-cs"/>
               </a:rPr>
-              <a:t>Vous pourriez aussi dire : "Nous avons choisi de présenter ces différentes stratégies non pas pour leur efficacité en tant que robots de trading, mais pour montrer la robustesse et la flexibilité de notre architecture de données."</a:t>
-            </a:r>
-          </a:p>
-          <a:p>
-            <a:pPr>
+              <a:t>Possibilité de réinitialiser la BDD</a:t>
+            </a:r>
+          </a:p>
+          <a:p>
+            <a:pPr marL="457200" marR="0" lvl="1" indent="-182880" algn="just" defTabSz="914400" rtl="0" eaLnBrk="1" fontAlgn="auto" latinLnBrk="0" hangingPunct="1">
               <a:lnSpc>
-                <a:spcPct val="110000"/>
+                <a:spcPct val="100000"/>
               </a:lnSpc>
               <a:spcBef>
-                <a:spcPts val="901"/>
+                <a:spcPts val="500"/>
               </a:spcBef>
-              <a:buNone/>
+              <a:spcAft>
+                <a:spcPts val="0"/>
+              </a:spcAft>
+              <a:buClr>
+                <a:prstClr val="black">
+                  <a:lumMod val="85000"/>
+                  <a:lumOff val="15000"/>
+                </a:prstClr>
+              </a:buClr>
+              <a:buSzTx/>
+              <a:buFont typeface="Garamond" pitchFamily="18" charset="0"/>
+              <a:buChar char="◦"/>
+              <a:tabLst/>
+              <a:defRPr/>
             </a:pPr>
-            <a:endParaRPr lang="fr-FR" sz="1500" b="0" strike="noStrike" spc="-1">
-              <a:solidFill>
-                <a:srgbClr val="000000"/>
-              </a:solidFill>
-              <a:latin typeface="Avenir Next LT Pro"/>
-            </a:endParaRPr>
+            <a:r>
+              <a:rPr lang="fr-FR" dirty="0"/>
+              <a:t>Fermeture de la connexion à la BDD une fois l’opération terminée</a:t>
+            </a:r>
           </a:p>
         </p:txBody>
       </p:sp>
     </p:spTree>
+    <p:extLst>
+      <p:ext uri="{BB962C8B-B14F-4D97-AF65-F5344CB8AC3E}">
+        <p14:creationId xmlns:p14="http://schemas.microsoft.com/office/powerpoint/2010/main" val="217080776"/>
+      </p:ext>
+    </p:extLst>
   </p:cSld>
   <p:clrMapOvr>
     <a:masterClrMapping/>
@@ -16472,7 +21700,7 @@
       </p:grpSpPr>
       <p:sp>
         <p:nvSpPr>
-          <p:cNvPr id="170" name="PlaceHolder 1"/>
+          <p:cNvPr id="166" name="PlaceHolder 1"/>
           <p:cNvSpPr>
             <a:spLocks noGrp="1"/>
           </p:cNvSpPr>
@@ -16506,13 +21734,1002 @@
               <a:buNone/>
             </a:pPr>
             <a:r>
+              <a:rPr lang="fr-FR" sz="4000" b="1" strike="noStrike" spc="-1">
+                <a:solidFill>
+                  <a:srgbClr val="262626"/>
+                </a:solidFill>
+                <a:latin typeface="Avenir Next LT Pro Light"/>
+              </a:rPr>
+              <a:t>Données en temps réel - API Binance/PostgreSQL</a:t>
+            </a:r>
+            <a:endParaRPr lang="fr-FR" sz="4000" b="0" strike="noStrike" spc="-1">
+              <a:solidFill>
+                <a:srgbClr val="000000"/>
+              </a:solidFill>
+              <a:latin typeface="Avenir Next LT Pro"/>
+            </a:endParaRPr>
+          </a:p>
+        </p:txBody>
+      </p:sp>
+      <p:sp>
+        <p:nvSpPr>
+          <p:cNvPr id="167" name="PlaceHolder 2"/>
+          <p:cNvSpPr>
+            <a:spLocks noGrp="1"/>
+          </p:cNvSpPr>
+          <p:nvPr>
+            <p:ph/>
+          </p:nvPr>
+        </p:nvSpPr>
+        <p:spPr>
+          <a:xfrm>
+            <a:off x="942840" y="2382840"/>
+            <a:ext cx="9448560" cy="3327840"/>
+          </a:xfrm>
+          <a:prstGeom prst="rect">
+            <a:avLst/>
+          </a:prstGeom>
+          <a:noFill/>
+          <a:ln w="0">
+            <a:noFill/>
+          </a:ln>
+        </p:spPr>
+        <p:txBody>
+          <a:bodyPr anchor="t">
+            <a:normAutofit fontScale="71000" lnSpcReduction="20000"/>
+          </a:bodyPr>
+          <a:lstStyle/>
+          <a:p>
+            <a:pPr>
+              <a:lnSpc>
+                <a:spcPct val="110000"/>
+              </a:lnSpc>
+              <a:spcBef>
+                <a:spcPts val="901"/>
+              </a:spcBef>
+              <a:buNone/>
+            </a:pPr>
+            <a:endParaRPr lang="fr-FR" sz="1500" b="0" strike="noStrike" spc="-1">
+              <a:solidFill>
+                <a:srgbClr val="000000"/>
+              </a:solidFill>
+              <a:latin typeface="Avenir Next LT Pro"/>
+            </a:endParaRPr>
+          </a:p>
+          <a:p>
+            <a:pPr marL="182880" indent="-182880">
+              <a:lnSpc>
+                <a:spcPct val="110000"/>
+              </a:lnSpc>
+              <a:spcBef>
+                <a:spcPts val="901"/>
+              </a:spcBef>
+              <a:buClr>
+                <a:srgbClr val="262626"/>
+              </a:buClr>
+              <a:buFont typeface="Avenir Next LT Pro Light"/>
+              <a:buAutoNum type="arabicPeriod"/>
+            </a:pPr>
+            <a:r>
+              <a:rPr lang="fr-FR" sz="1500" b="1" strike="noStrike" spc="-1">
+                <a:solidFill>
+                  <a:srgbClr val="000000"/>
+                </a:solidFill>
+                <a:latin typeface="Avenir Next LT Pro"/>
+              </a:rPr>
+              <a:t>Websocket pour Streaming: Expliquez que vous utilisez l'API Binance pour récupérer les données en temps réel grâce à un websocket.</a:t>
+            </a:r>
+            <a:endParaRPr lang="fr-FR" sz="1500" b="0" strike="noStrike" spc="-1">
+              <a:solidFill>
+                <a:srgbClr val="000000"/>
+              </a:solidFill>
+              <a:latin typeface="Avenir Next LT Pro"/>
+            </a:endParaRPr>
+          </a:p>
+          <a:p>
+            <a:pPr marL="182880" indent="-182880">
+              <a:lnSpc>
+                <a:spcPct val="110000"/>
+              </a:lnSpc>
+              <a:spcBef>
+                <a:spcPts val="901"/>
+              </a:spcBef>
+              <a:buClr>
+                <a:srgbClr val="262626"/>
+              </a:buClr>
+              <a:buFont typeface="Avenir Next LT Pro Light"/>
+              <a:buAutoNum type="arabicPeriod"/>
+            </a:pPr>
+            <a:r>
+              <a:rPr lang="fr-FR" sz="1500" b="1" strike="noStrike" spc="-1">
+                <a:solidFill>
+                  <a:srgbClr val="000000"/>
+                </a:solidFill>
+                <a:latin typeface="Avenir Next LT Pro"/>
+              </a:rPr>
+              <a:t>ThreadedWebsocketManager: Mentionnez que cette classe permet de gérer les websockets dans différents threads, ce qui rend le processus plus efficace et réactif.</a:t>
+            </a:r>
+            <a:endParaRPr lang="fr-FR" sz="1500" b="0" strike="noStrike" spc="-1">
+              <a:solidFill>
+                <a:srgbClr val="000000"/>
+              </a:solidFill>
+              <a:latin typeface="Avenir Next LT Pro"/>
+            </a:endParaRPr>
+          </a:p>
+          <a:p>
+            <a:pPr marL="182880" indent="-182880">
+              <a:lnSpc>
+                <a:spcPct val="110000"/>
+              </a:lnSpc>
+              <a:spcBef>
+                <a:spcPts val="901"/>
+              </a:spcBef>
+              <a:buClr>
+                <a:srgbClr val="262626"/>
+              </a:buClr>
+              <a:buFont typeface="Avenir Next LT Pro Light"/>
+              <a:buAutoNum type="arabicPeriod"/>
+            </a:pPr>
+            <a:r>
+              <a:rPr lang="fr-FR" sz="1500" b="1" strike="noStrike" spc="-1">
+                <a:solidFill>
+                  <a:srgbClr val="000000"/>
+                </a:solidFill>
+                <a:latin typeface="Avenir Next LT Pro"/>
+              </a:rPr>
+              <a:t>Sélection des Tickers: Indiquez que les tickers sont récupérés via une fonction de configuration, ce qui permet une flexibilité quant aux marchés sur lesquels vous souhaitez récupérer des données.</a:t>
+            </a:r>
+            <a:endParaRPr lang="fr-FR" sz="1500" b="0" strike="noStrike" spc="-1">
+              <a:solidFill>
+                <a:srgbClr val="000000"/>
+              </a:solidFill>
+              <a:latin typeface="Avenir Next LT Pro"/>
+            </a:endParaRPr>
+          </a:p>
+          <a:p>
+            <a:pPr marL="182880" indent="-182880">
+              <a:lnSpc>
+                <a:spcPct val="110000"/>
+              </a:lnSpc>
+              <a:spcBef>
+                <a:spcPts val="901"/>
+              </a:spcBef>
+              <a:buClr>
+                <a:srgbClr val="262626"/>
+              </a:buClr>
+              <a:buFont typeface="Avenir Next LT Pro Light"/>
+              <a:buAutoNum type="arabicPeriod"/>
+            </a:pPr>
+            <a:r>
+              <a:rPr lang="fr-FR" sz="1500" b="1" strike="noStrike" spc="-1">
+                <a:solidFill>
+                  <a:srgbClr val="000000"/>
+                </a:solidFill>
+                <a:latin typeface="Avenir Next LT Pro"/>
+              </a:rPr>
+              <a:t>Création des Tables: Soulignez que le script crée dynamiquement des tables pour chaque ticker en utilisant le paramètre reset=True pour réinitialiser la base de données si nécessaire.</a:t>
+            </a:r>
+            <a:endParaRPr lang="fr-FR" sz="1500" b="0" strike="noStrike" spc="-1">
+              <a:solidFill>
+                <a:srgbClr val="000000"/>
+              </a:solidFill>
+              <a:latin typeface="Avenir Next LT Pro"/>
+            </a:endParaRPr>
+          </a:p>
+          <a:p>
+            <a:pPr marL="182880" indent="-182880">
+              <a:lnSpc>
+                <a:spcPct val="110000"/>
+              </a:lnSpc>
+              <a:spcBef>
+                <a:spcPts val="901"/>
+              </a:spcBef>
+              <a:buClr>
+                <a:srgbClr val="262626"/>
+              </a:buClr>
+              <a:buFont typeface="Avenir Next LT Pro Light"/>
+              <a:buAutoNum type="arabicPeriod"/>
+            </a:pPr>
+            <a:r>
+              <a:rPr lang="fr-FR" sz="1500" b="1" strike="noStrike" spc="-1">
+                <a:solidFill>
+                  <a:srgbClr val="000000"/>
+                </a:solidFill>
+                <a:latin typeface="Avenir Next LT Pro"/>
+              </a:rPr>
+              <a:t>Gestion des Callbacks: Précisez que la méthode callback_stream_msg est appelée chaque fois qu'un nouveau message arrive du websocket, et qu'elle gère l'insertion de ces données dans la base de données PostgreSQL.</a:t>
+            </a:r>
+            <a:endParaRPr lang="fr-FR" sz="1500" b="0" strike="noStrike" spc="-1">
+              <a:solidFill>
+                <a:srgbClr val="000000"/>
+              </a:solidFill>
+              <a:latin typeface="Avenir Next LT Pro"/>
+            </a:endParaRPr>
+          </a:p>
+          <a:p>
+            <a:pPr marL="182880" indent="-182880">
+              <a:lnSpc>
+                <a:spcPct val="110000"/>
+              </a:lnSpc>
+              <a:spcBef>
+                <a:spcPts val="901"/>
+              </a:spcBef>
+              <a:buClr>
+                <a:srgbClr val="262626"/>
+              </a:buClr>
+              <a:buFont typeface="Avenir Next LT Pro Light"/>
+              <a:buAutoNum type="arabicPeriod"/>
+            </a:pPr>
+            <a:r>
+              <a:rPr lang="fr-FR" sz="1500" b="1" strike="noStrike" spc="-1">
+                <a:solidFill>
+                  <a:srgbClr val="000000"/>
+                </a:solidFill>
+                <a:latin typeface="Avenir Next LT Pro"/>
+              </a:rPr>
+              <a:t>Durée du Streaming: Vous pouvez mentionner que ce script est configuré pour dormir pendant 5 secondes (comme indiqué par sleep(5)), mais cela peut être adapté selon les besoins.</a:t>
+            </a:r>
+            <a:endParaRPr lang="fr-FR" sz="1500" b="0" strike="noStrike" spc="-1">
+              <a:solidFill>
+                <a:srgbClr val="000000"/>
+              </a:solidFill>
+              <a:latin typeface="Avenir Next LT Pro"/>
+            </a:endParaRPr>
+          </a:p>
+          <a:p>
+            <a:pPr marL="182880" indent="-182880">
+              <a:lnSpc>
+                <a:spcPct val="110000"/>
+              </a:lnSpc>
+              <a:spcBef>
+                <a:spcPts val="901"/>
+              </a:spcBef>
+              <a:buClr>
+                <a:srgbClr val="262626"/>
+              </a:buClr>
+              <a:buFont typeface="Avenir Next LT Pro Light"/>
+              <a:buAutoNum type="arabicPeriod"/>
+            </a:pPr>
+            <a:r>
+              <a:rPr lang="fr-FR" sz="1500" b="1" strike="noStrike" spc="-1">
+                <a:solidFill>
+                  <a:srgbClr val="000000"/>
+                </a:solidFill>
+                <a:latin typeface="Avenir Next LT Pro"/>
+              </a:rPr>
+              <a:t>Arrêt du Websocket et Fermeture de la BDD: Comme pour le script précédent, notez que le websocket et la connexion à la base de données sont correctement fermés à la fin du script.</a:t>
+            </a:r>
+            <a:endParaRPr lang="fr-FR" sz="1500" b="0" strike="noStrike" spc="-1">
+              <a:solidFill>
+                <a:srgbClr val="000000"/>
+              </a:solidFill>
+              <a:latin typeface="Avenir Next LT Pro"/>
+            </a:endParaRPr>
+          </a:p>
+          <a:p>
+            <a:pPr>
+              <a:lnSpc>
+                <a:spcPct val="110000"/>
+              </a:lnSpc>
+              <a:spcBef>
+                <a:spcPts val="901"/>
+              </a:spcBef>
+              <a:buNone/>
+            </a:pPr>
+            <a:endParaRPr lang="fr-FR" sz="1500" b="0" strike="noStrike" spc="-1">
+              <a:solidFill>
+                <a:srgbClr val="000000"/>
+              </a:solidFill>
+              <a:latin typeface="Avenir Next LT Pro"/>
+            </a:endParaRPr>
+          </a:p>
+        </p:txBody>
+      </p:sp>
+    </p:spTree>
+  </p:cSld>
+  <p:clrMapOvr>
+    <a:masterClrMapping/>
+  </p:clrMapOvr>
+</p:sld>
+</file>
+
+<file path=ppt/slides/slide13.xml><?xml version="1.0" encoding="utf-8"?>
+<p:sld xmlns:a="http://schemas.openxmlformats.org/drawingml/2006/main" xmlns:r="http://schemas.openxmlformats.org/officeDocument/2006/relationships" xmlns:p="http://schemas.openxmlformats.org/presentationml/2006/main">
+  <p:cSld>
+    <p:spTree>
+      <p:nvGrpSpPr>
+        <p:cNvPr id="1" name=""/>
+        <p:cNvGrpSpPr/>
+        <p:nvPr/>
+      </p:nvGrpSpPr>
+      <p:grpSpPr>
+        <a:xfrm>
+          <a:off x="0" y="0"/>
+          <a:ext cx="0" cy="0"/>
+          <a:chOff x="0" y="0"/>
+          <a:chExt cx="0" cy="0"/>
+        </a:xfrm>
+      </p:grpSpPr>
+      <p:sp>
+        <p:nvSpPr>
+          <p:cNvPr id="2" name="Titre 1">
+            <a:extLst>
+              <a:ext uri="{FF2B5EF4-FFF2-40B4-BE49-F238E27FC236}">
+                <a16:creationId xmlns:a16="http://schemas.microsoft.com/office/drawing/2014/main" id="{C9F1F4E3-D02A-1DF6-7BE2-43E31956271F}"/>
+              </a:ext>
+            </a:extLst>
+          </p:cNvPr>
+          <p:cNvSpPr>
+            <a:spLocks noGrp="1"/>
+          </p:cNvSpPr>
+          <p:nvPr>
+            <p:ph type="title"/>
+          </p:nvPr>
+        </p:nvSpPr>
+        <p:spPr/>
+        <p:txBody>
+          <a:bodyPr/>
+          <a:lstStyle/>
+          <a:p>
+            <a:r>
+              <a:rPr lang="fr-FR" b="1" dirty="0"/>
+              <a:t>Données en temps réel - API Binance/PostgreSQL</a:t>
+            </a:r>
+            <a:endParaRPr lang="fr-FR" dirty="0"/>
+          </a:p>
+        </p:txBody>
+      </p:sp>
+      <p:sp>
+        <p:nvSpPr>
+          <p:cNvPr id="4" name="Rectangle 1">
+            <a:extLst>
+              <a:ext uri="{FF2B5EF4-FFF2-40B4-BE49-F238E27FC236}">
+                <a16:creationId xmlns:a16="http://schemas.microsoft.com/office/drawing/2014/main" id="{CC0E743E-FF2E-0EC1-60EB-CF09F4BE056C}"/>
+              </a:ext>
+            </a:extLst>
+          </p:cNvPr>
+          <p:cNvSpPr>
+            <a:spLocks noGrp="1" noChangeArrowheads="1"/>
+          </p:cNvSpPr>
+          <p:nvPr>
+            <p:ph idx="1"/>
+          </p:nvPr>
+        </p:nvSpPr>
+        <p:spPr bwMode="auto">
+          <a:xfrm>
+            <a:off x="942975" y="2382940"/>
+            <a:ext cx="9448800" cy="3328091"/>
+          </a:xfrm>
+          <a:prstGeom prst="rect">
+            <a:avLst/>
+          </a:prstGeom>
+        </p:spPr>
+        <p:txBody>
+          <a:bodyPr vert="horz" lIns="91440" tIns="45720" rIns="91440" bIns="45720" rtlCol="0">
+            <a:normAutofit/>
+          </a:bodyPr>
+          <a:lstStyle/>
+          <a:p>
+            <a:pPr marL="182880" marR="0" lvl="0" indent="-182880" algn="just" defTabSz="914400" rtl="0" eaLnBrk="1" fontAlgn="auto" latinLnBrk="0" hangingPunct="1">
+              <a:lnSpc>
+                <a:spcPct val="110000"/>
+              </a:lnSpc>
+              <a:spcBef>
+                <a:spcPts val="900"/>
+              </a:spcBef>
+              <a:spcAft>
+                <a:spcPts val="0"/>
+              </a:spcAft>
+              <a:buClr>
+                <a:prstClr val="black">
+                  <a:lumMod val="85000"/>
+                  <a:lumOff val="15000"/>
+                </a:prstClr>
+              </a:buClr>
+              <a:buSzTx/>
+              <a:buFont typeface="Garamond" pitchFamily="18" charset="0"/>
+              <a:buChar char="◦"/>
+              <a:tabLst/>
+              <a:defRPr/>
+            </a:pPr>
+            <a:r>
+              <a:rPr kumimoji="0" lang="fr-FR" sz="1500" b="1" i="0" u="none" strike="noStrike" kern="1200" cap="none" spc="0" normalizeH="0" baseline="0" noProof="0" dirty="0">
+                <a:ln>
+                  <a:noFill/>
+                </a:ln>
+                <a:solidFill>
+                  <a:prstClr val="black"/>
+                </a:solidFill>
+                <a:effectLst/>
+                <a:uLnTx/>
+                <a:uFillTx/>
+                <a:latin typeface="Avenir Next LT Pro" panose="02020404030301010803"/>
+                <a:ea typeface="+mn-ea"/>
+                <a:cs typeface="+mn-cs"/>
+              </a:rPr>
+              <a:t>Récupération des données:</a:t>
+            </a:r>
+          </a:p>
+          <a:p>
+            <a:pPr marL="457200" marR="0" lvl="1" indent="-182880" algn="just" defTabSz="914400" rtl="0" eaLnBrk="1" fontAlgn="auto" latinLnBrk="0" hangingPunct="1">
+              <a:lnSpc>
+                <a:spcPct val="100000"/>
+              </a:lnSpc>
+              <a:spcBef>
+                <a:spcPts val="500"/>
+              </a:spcBef>
+              <a:spcAft>
+                <a:spcPts val="0"/>
+              </a:spcAft>
+              <a:buClr>
+                <a:prstClr val="black">
+                  <a:lumMod val="85000"/>
+                  <a:lumOff val="15000"/>
+                </a:prstClr>
+              </a:buClr>
+              <a:buSzTx/>
+              <a:buFont typeface="Garamond" pitchFamily="18" charset="0"/>
+              <a:buChar char="◦"/>
+              <a:tabLst/>
+              <a:defRPr/>
+            </a:pPr>
+            <a:r>
+              <a:rPr kumimoji="0" lang="fr-FR" sz="1300" b="0" i="0" u="none" strike="noStrike" kern="1200" cap="none" spc="0" normalizeH="0" baseline="0" noProof="0" dirty="0">
+                <a:ln>
+                  <a:noFill/>
+                </a:ln>
+                <a:solidFill>
+                  <a:prstClr val="black"/>
+                </a:solidFill>
+                <a:effectLst/>
+                <a:uLnTx/>
+                <a:uFillTx/>
+                <a:latin typeface="Avenir Next LT Pro" panose="02020404030301010803"/>
+                <a:ea typeface="+mn-ea"/>
+                <a:cs typeface="+mn-cs"/>
+              </a:rPr>
+              <a:t>Utilisation du service de </a:t>
+            </a:r>
+            <a:r>
+              <a:rPr kumimoji="0" lang="fr-FR" sz="1300" b="0" i="0" u="none" strike="noStrike" kern="1200" cap="none" spc="0" normalizeH="0" baseline="0" noProof="0" dirty="0" err="1">
+                <a:ln>
+                  <a:noFill/>
+                </a:ln>
+                <a:solidFill>
+                  <a:prstClr val="black"/>
+                </a:solidFill>
+                <a:effectLst/>
+                <a:uLnTx/>
+                <a:uFillTx/>
+                <a:latin typeface="Avenir Next LT Pro" panose="02020404030301010803"/>
+                <a:ea typeface="+mn-ea"/>
+                <a:cs typeface="+mn-cs"/>
+              </a:rPr>
+              <a:t>WebSocket</a:t>
+            </a:r>
+            <a:r>
+              <a:rPr kumimoji="0" lang="fr-FR" sz="1300" b="0" i="0" u="none" strike="noStrike" kern="1200" cap="none" spc="0" normalizeH="0" baseline="0" noProof="0" dirty="0">
+                <a:ln>
+                  <a:noFill/>
+                </a:ln>
+                <a:solidFill>
+                  <a:prstClr val="black"/>
+                </a:solidFill>
+                <a:effectLst/>
+                <a:uLnTx/>
+                <a:uFillTx/>
+                <a:latin typeface="Avenir Next LT Pro" panose="02020404030301010803"/>
+                <a:ea typeface="+mn-ea"/>
+                <a:cs typeface="+mn-cs"/>
+              </a:rPr>
+              <a:t> de l’API Binance</a:t>
+            </a:r>
+          </a:p>
+          <a:p>
+            <a:pPr marL="457200" marR="0" lvl="1" indent="-182880" algn="just" defTabSz="914400" rtl="0" eaLnBrk="1" fontAlgn="auto" latinLnBrk="0" hangingPunct="1">
+              <a:lnSpc>
+                <a:spcPct val="100000"/>
+              </a:lnSpc>
+              <a:spcBef>
+                <a:spcPts val="500"/>
+              </a:spcBef>
+              <a:spcAft>
+                <a:spcPts val="0"/>
+              </a:spcAft>
+              <a:buClr>
+                <a:prstClr val="black">
+                  <a:lumMod val="85000"/>
+                  <a:lumOff val="15000"/>
+                </a:prstClr>
+              </a:buClr>
+              <a:buSzTx/>
+              <a:buFont typeface="Garamond" pitchFamily="18" charset="0"/>
+              <a:buChar char="◦"/>
+              <a:tabLst/>
+              <a:defRPr/>
+            </a:pPr>
+            <a:r>
+              <a:rPr kumimoji="0" lang="fr-FR" sz="1300" b="0" i="0" u="none" strike="noStrike" kern="1200" cap="none" spc="0" normalizeH="0" baseline="0" noProof="0" dirty="0">
+                <a:ln>
+                  <a:noFill/>
+                </a:ln>
+                <a:solidFill>
+                  <a:prstClr val="black"/>
+                </a:solidFill>
+                <a:effectLst/>
+                <a:uLnTx/>
+                <a:uFillTx/>
+                <a:latin typeface="Avenir Next LT Pro" panose="02020404030301010803"/>
+                <a:ea typeface="+mn-ea"/>
+                <a:cs typeface="+mn-cs"/>
+              </a:rPr>
+              <a:t>Configuration des </a:t>
+            </a:r>
+            <a:r>
+              <a:rPr kumimoji="0" lang="fr-FR" sz="1300" b="0" i="0" u="none" strike="noStrike" kern="1200" cap="none" spc="0" normalizeH="0" baseline="0" noProof="0" dirty="0" err="1">
+                <a:ln>
+                  <a:noFill/>
+                </a:ln>
+                <a:solidFill>
+                  <a:prstClr val="black"/>
+                </a:solidFill>
+                <a:effectLst/>
+                <a:uLnTx/>
+                <a:uFillTx/>
+                <a:latin typeface="Avenir Next LT Pro" panose="02020404030301010803"/>
+                <a:ea typeface="+mn-ea"/>
+                <a:cs typeface="+mn-cs"/>
+              </a:rPr>
+              <a:t>tickers</a:t>
+            </a:r>
+            <a:r>
+              <a:rPr kumimoji="0" lang="fr-FR" sz="1300" b="0" i="0" u="none" strike="noStrike" kern="1200" cap="none" spc="0" normalizeH="0" baseline="0" noProof="0" dirty="0">
+                <a:ln>
+                  <a:noFill/>
+                </a:ln>
+                <a:solidFill>
+                  <a:prstClr val="black"/>
+                </a:solidFill>
+                <a:effectLst/>
+                <a:uLnTx/>
+                <a:uFillTx/>
+                <a:latin typeface="Avenir Next LT Pro" panose="02020404030301010803"/>
+                <a:ea typeface="+mn-ea"/>
+                <a:cs typeface="+mn-cs"/>
+              </a:rPr>
+              <a:t> récupérés</a:t>
+            </a:r>
+          </a:p>
+          <a:p>
+            <a:pPr marL="457200" marR="0" lvl="1" indent="-182880" algn="just" defTabSz="914400" rtl="0" eaLnBrk="1" fontAlgn="auto" latinLnBrk="0" hangingPunct="1">
+              <a:lnSpc>
+                <a:spcPct val="100000"/>
+              </a:lnSpc>
+              <a:spcBef>
+                <a:spcPts val="500"/>
+              </a:spcBef>
+              <a:spcAft>
+                <a:spcPts val="0"/>
+              </a:spcAft>
+              <a:buClr>
+                <a:prstClr val="black">
+                  <a:lumMod val="85000"/>
+                  <a:lumOff val="15000"/>
+                </a:prstClr>
+              </a:buClr>
+              <a:buSzTx/>
+              <a:buFont typeface="Garamond" pitchFamily="18" charset="0"/>
+              <a:buChar char="◦"/>
+              <a:tabLst/>
+              <a:defRPr/>
+            </a:pPr>
+            <a:r>
+              <a:rPr kumimoji="0" lang="fr-FR" sz="1300" b="0" i="0" u="none" strike="noStrike" kern="1200" cap="none" spc="0" normalizeH="0" baseline="0" noProof="0" dirty="0">
+                <a:ln>
+                  <a:noFill/>
+                </a:ln>
+                <a:solidFill>
+                  <a:prstClr val="black"/>
+                </a:solidFill>
+                <a:effectLst/>
+                <a:uLnTx/>
+                <a:uFillTx/>
+                <a:latin typeface="Avenir Next LT Pro" panose="02020404030301010803"/>
+                <a:ea typeface="+mn-ea"/>
+                <a:cs typeface="+mn-cs"/>
+              </a:rPr>
+              <a:t>Création dynamique de tables pour chaque </a:t>
+            </a:r>
+            <a:r>
+              <a:rPr kumimoji="0" lang="fr-FR" sz="1300" b="0" i="0" u="none" strike="noStrike" kern="1200" cap="none" spc="0" normalizeH="0" baseline="0" noProof="0" dirty="0" err="1">
+                <a:ln>
+                  <a:noFill/>
+                </a:ln>
+                <a:solidFill>
+                  <a:prstClr val="black"/>
+                </a:solidFill>
+                <a:effectLst/>
+                <a:uLnTx/>
+                <a:uFillTx/>
+                <a:latin typeface="Avenir Next LT Pro" panose="02020404030301010803"/>
+                <a:ea typeface="+mn-ea"/>
+                <a:cs typeface="+mn-cs"/>
+              </a:rPr>
+              <a:t>tickers</a:t>
+            </a:r>
+            <a:endParaRPr kumimoji="0" lang="fr-FR" sz="1300" b="0" i="0" u="none" strike="noStrike" kern="1200" cap="none" spc="0" normalizeH="0" baseline="0" noProof="0" dirty="0">
+              <a:ln>
+                <a:noFill/>
+              </a:ln>
+              <a:solidFill>
+                <a:prstClr val="black"/>
+              </a:solidFill>
+              <a:effectLst/>
+              <a:uLnTx/>
+              <a:uFillTx/>
+              <a:latin typeface="Avenir Next LT Pro" panose="02020404030301010803"/>
+              <a:ea typeface="+mn-ea"/>
+              <a:cs typeface="+mn-cs"/>
+            </a:endParaRPr>
+          </a:p>
+          <a:p>
+            <a:pPr marL="457200" marR="0" lvl="1" indent="-182880" algn="just" defTabSz="914400" rtl="0" eaLnBrk="1" fontAlgn="auto" latinLnBrk="0" hangingPunct="1">
+              <a:lnSpc>
+                <a:spcPct val="100000"/>
+              </a:lnSpc>
+              <a:spcBef>
+                <a:spcPts val="500"/>
+              </a:spcBef>
+              <a:spcAft>
+                <a:spcPts val="0"/>
+              </a:spcAft>
+              <a:buClr>
+                <a:prstClr val="black">
+                  <a:lumMod val="85000"/>
+                  <a:lumOff val="15000"/>
+                </a:prstClr>
+              </a:buClr>
+              <a:buSzTx/>
+              <a:buFont typeface="Garamond" pitchFamily="18" charset="0"/>
+              <a:buChar char="◦"/>
+              <a:tabLst/>
+              <a:defRPr/>
+            </a:pPr>
+            <a:r>
+              <a:rPr lang="fr-FR" dirty="0">
+                <a:solidFill>
+                  <a:prstClr val="black"/>
+                </a:solidFill>
+                <a:latin typeface="Avenir Next LT Pro" panose="02020404030301010803"/>
+              </a:rPr>
+              <a:t>Intervalle de récupération des données modulable</a:t>
+            </a:r>
+            <a:endParaRPr kumimoji="0" lang="fr-FR" sz="1300" b="0" i="0" u="none" strike="noStrike" kern="1200" cap="none" spc="0" normalizeH="0" baseline="0" noProof="0" dirty="0">
+              <a:ln>
+                <a:noFill/>
+              </a:ln>
+              <a:solidFill>
+                <a:prstClr val="black"/>
+              </a:solidFill>
+              <a:effectLst/>
+              <a:uLnTx/>
+              <a:uFillTx/>
+              <a:latin typeface="Avenir Next LT Pro" panose="02020404030301010803"/>
+              <a:ea typeface="+mn-ea"/>
+              <a:cs typeface="+mn-cs"/>
+            </a:endParaRPr>
+          </a:p>
+          <a:p>
+            <a:pPr marL="182880" marR="0" lvl="0" indent="-182880" algn="just" defTabSz="914400" rtl="0" eaLnBrk="1" fontAlgn="auto" latinLnBrk="0" hangingPunct="1">
+              <a:lnSpc>
+                <a:spcPct val="110000"/>
+              </a:lnSpc>
+              <a:spcBef>
+                <a:spcPts val="900"/>
+              </a:spcBef>
+              <a:spcAft>
+                <a:spcPts val="0"/>
+              </a:spcAft>
+              <a:buClr>
+                <a:prstClr val="black">
+                  <a:lumMod val="85000"/>
+                  <a:lumOff val="15000"/>
+                </a:prstClr>
+              </a:buClr>
+              <a:buSzTx/>
+              <a:buFont typeface="Garamond" pitchFamily="18" charset="0"/>
+              <a:buChar char="◦"/>
+              <a:tabLst/>
+              <a:defRPr/>
+            </a:pPr>
+            <a:r>
+              <a:rPr kumimoji="0" lang="fr-FR" sz="1500" b="1" i="0" u="none" strike="noStrike" kern="1200" cap="none" spc="0" normalizeH="0" baseline="0" noProof="0" dirty="0">
+                <a:ln>
+                  <a:noFill/>
+                </a:ln>
+                <a:solidFill>
+                  <a:prstClr val="black"/>
+                </a:solidFill>
+                <a:effectLst/>
+                <a:uLnTx/>
+                <a:uFillTx/>
+                <a:latin typeface="Avenir Next LT Pro" panose="02020404030301010803"/>
+                <a:ea typeface="+mn-ea"/>
+                <a:cs typeface="+mn-cs"/>
+              </a:rPr>
+              <a:t>Intégration des données:</a:t>
+            </a:r>
+          </a:p>
+          <a:p>
+            <a:pPr marL="457200" marR="0" lvl="1" indent="-182880" algn="just" defTabSz="914400" rtl="0" eaLnBrk="1" fontAlgn="auto" latinLnBrk="0" hangingPunct="1">
+              <a:lnSpc>
+                <a:spcPct val="100000"/>
+              </a:lnSpc>
+              <a:spcBef>
+                <a:spcPts val="500"/>
+              </a:spcBef>
+              <a:spcAft>
+                <a:spcPts val="0"/>
+              </a:spcAft>
+              <a:buClr>
+                <a:prstClr val="black">
+                  <a:lumMod val="85000"/>
+                  <a:lumOff val="15000"/>
+                </a:prstClr>
+              </a:buClr>
+              <a:buSzTx/>
+              <a:buFont typeface="Garamond" pitchFamily="18" charset="0"/>
+              <a:buChar char="◦"/>
+              <a:tabLst/>
+              <a:defRPr/>
+            </a:pPr>
+            <a:r>
+              <a:rPr kumimoji="0" lang="fr-FR" sz="1300" b="0" i="0" u="none" strike="noStrike" kern="1200" cap="none" spc="0" normalizeH="0" baseline="0" noProof="0" dirty="0">
+                <a:ln>
+                  <a:noFill/>
+                </a:ln>
+                <a:solidFill>
+                  <a:prstClr val="black"/>
+                </a:solidFill>
+                <a:effectLst/>
+                <a:uLnTx/>
+                <a:uFillTx/>
+                <a:latin typeface="Avenir Next LT Pro" panose="02020404030301010803"/>
+                <a:ea typeface="+mn-ea"/>
+                <a:cs typeface="+mn-cs"/>
+              </a:rPr>
+              <a:t>Utilisation de la méthode </a:t>
+            </a:r>
+            <a:r>
+              <a:rPr kumimoji="0" lang="fr-FR" sz="1300" b="0" i="0" u="none" strike="noStrike" kern="1200" cap="none" spc="0" normalizeH="0" baseline="0" noProof="0" dirty="0" err="1">
+                <a:ln>
+                  <a:noFill/>
+                </a:ln>
+                <a:solidFill>
+                  <a:prstClr val="black"/>
+                </a:solidFill>
+                <a:effectLst/>
+                <a:uLnTx/>
+                <a:uFillTx/>
+                <a:latin typeface="Avenir Next LT Pro" panose="02020404030301010803"/>
+                <a:ea typeface="+mn-ea"/>
+                <a:cs typeface="+mn-cs"/>
+              </a:rPr>
+              <a:t>callback_stream_msg</a:t>
+            </a:r>
+            <a:endParaRPr kumimoji="0" lang="fr-FR" sz="1300" b="0" i="0" u="none" strike="noStrike" kern="1200" cap="none" spc="0" normalizeH="0" baseline="0" noProof="0" dirty="0">
+              <a:ln>
+                <a:noFill/>
+              </a:ln>
+              <a:solidFill>
+                <a:prstClr val="black"/>
+              </a:solidFill>
+              <a:effectLst/>
+              <a:uLnTx/>
+              <a:uFillTx/>
+              <a:latin typeface="Avenir Next LT Pro" panose="02020404030301010803"/>
+              <a:ea typeface="+mn-ea"/>
+              <a:cs typeface="+mn-cs"/>
+            </a:endParaRPr>
+          </a:p>
+          <a:p>
+            <a:pPr marL="457200" marR="0" lvl="1" indent="-182880" algn="just" defTabSz="914400" rtl="0" eaLnBrk="1" fontAlgn="auto" latinLnBrk="0" hangingPunct="1">
+              <a:lnSpc>
+                <a:spcPct val="100000"/>
+              </a:lnSpc>
+              <a:spcBef>
+                <a:spcPts val="500"/>
+              </a:spcBef>
+              <a:spcAft>
+                <a:spcPts val="0"/>
+              </a:spcAft>
+              <a:buClr>
+                <a:prstClr val="black">
+                  <a:lumMod val="85000"/>
+                  <a:lumOff val="15000"/>
+                </a:prstClr>
+              </a:buClr>
+              <a:buSzTx/>
+              <a:buFont typeface="Garamond" pitchFamily="18" charset="0"/>
+              <a:buChar char="◦"/>
+              <a:tabLst/>
+              <a:defRPr/>
+            </a:pPr>
+            <a:r>
+              <a:rPr kumimoji="0" lang="fr-FR" sz="1300" b="0" i="0" u="none" strike="noStrike" kern="1200" cap="none" spc="0" normalizeH="0" baseline="0" noProof="0" dirty="0">
+                <a:ln>
+                  <a:noFill/>
+                </a:ln>
+                <a:solidFill>
+                  <a:prstClr val="black"/>
+                </a:solidFill>
+                <a:effectLst/>
+                <a:uLnTx/>
+                <a:uFillTx/>
+                <a:latin typeface="Avenir Next LT Pro" panose="02020404030301010803"/>
+                <a:ea typeface="+mn-ea"/>
+                <a:cs typeface="+mn-cs"/>
+              </a:rPr>
+              <a:t>Gère l’insertion des données dans la BDD</a:t>
+            </a:r>
+          </a:p>
+          <a:p>
+            <a:pPr marL="457200" marR="0" lvl="1" indent="-182880" algn="just" defTabSz="914400" rtl="0" eaLnBrk="1" fontAlgn="auto" latinLnBrk="0" hangingPunct="1">
+              <a:lnSpc>
+                <a:spcPct val="100000"/>
+              </a:lnSpc>
+              <a:spcBef>
+                <a:spcPts val="500"/>
+              </a:spcBef>
+              <a:spcAft>
+                <a:spcPts val="0"/>
+              </a:spcAft>
+              <a:buClr>
+                <a:prstClr val="black">
+                  <a:lumMod val="85000"/>
+                  <a:lumOff val="15000"/>
+                </a:prstClr>
+              </a:buClr>
+              <a:buSzTx/>
+              <a:buFont typeface="Garamond" pitchFamily="18" charset="0"/>
+              <a:buChar char="◦"/>
+              <a:tabLst/>
+              <a:defRPr/>
+            </a:pPr>
+            <a:r>
+              <a:rPr kumimoji="0" lang="fr-FR" sz="1300" b="0" i="0" u="none" strike="noStrike" kern="1200" cap="none" spc="0" normalizeH="0" baseline="0" noProof="0" dirty="0">
+                <a:ln>
+                  <a:noFill/>
+                </a:ln>
+                <a:solidFill>
+                  <a:prstClr val="black"/>
+                </a:solidFill>
+                <a:effectLst/>
+                <a:uLnTx/>
+                <a:uFillTx/>
+                <a:latin typeface="Avenir Next LT Pro" panose="02020404030301010803"/>
+                <a:ea typeface="+mn-ea"/>
+                <a:cs typeface="+mn-cs"/>
+              </a:rPr>
+              <a:t>Fermeture de la connexion à la BDD et au </a:t>
+            </a:r>
+            <a:r>
+              <a:rPr kumimoji="0" lang="fr-FR" sz="1300" b="0" i="0" u="none" strike="noStrike" kern="1200" cap="none" spc="0" normalizeH="0" baseline="0" noProof="0" dirty="0" err="1">
+                <a:ln>
+                  <a:noFill/>
+                </a:ln>
+                <a:solidFill>
+                  <a:prstClr val="black"/>
+                </a:solidFill>
+                <a:effectLst/>
+                <a:uLnTx/>
+                <a:uFillTx/>
+                <a:latin typeface="Avenir Next LT Pro" panose="02020404030301010803"/>
+                <a:ea typeface="+mn-ea"/>
+                <a:cs typeface="+mn-cs"/>
+              </a:rPr>
+              <a:t>websocket</a:t>
+            </a:r>
+            <a:r>
+              <a:rPr kumimoji="0" lang="fr-FR" sz="1300" b="0" i="0" u="none" strike="noStrike" kern="1200" cap="none" spc="0" normalizeH="0" baseline="0" noProof="0" dirty="0">
+                <a:ln>
+                  <a:noFill/>
+                </a:ln>
+                <a:solidFill>
+                  <a:prstClr val="black"/>
+                </a:solidFill>
+                <a:effectLst/>
+                <a:uLnTx/>
+                <a:uFillTx/>
+                <a:latin typeface="Avenir Next LT Pro" panose="02020404030301010803"/>
+                <a:ea typeface="+mn-ea"/>
+                <a:cs typeface="+mn-cs"/>
+              </a:rPr>
+              <a:t> une fois le script terminée</a:t>
+            </a:r>
+          </a:p>
+          <a:p>
+            <a:pPr>
+              <a:buFont typeface="+mj-lt"/>
+              <a:buAutoNum type="arabicPeriod"/>
+            </a:pPr>
+            <a:endParaRPr lang="fr-FR" altLang="fr-FR" b="1" dirty="0"/>
+          </a:p>
+        </p:txBody>
+      </p:sp>
+    </p:spTree>
+    <p:extLst>
+      <p:ext uri="{BB962C8B-B14F-4D97-AF65-F5344CB8AC3E}">
+        <p14:creationId xmlns:p14="http://schemas.microsoft.com/office/powerpoint/2010/main" val="2264334901"/>
+      </p:ext>
+    </p:extLst>
+  </p:cSld>
+  <p:clrMapOvr>
+    <a:masterClrMapping/>
+  </p:clrMapOvr>
+</p:sld>
+</file>
+
+<file path=ppt/slides/slide14.xml><?xml version="1.0" encoding="utf-8"?>
+<p:sld xmlns:a="http://schemas.openxmlformats.org/drawingml/2006/main" xmlns:r="http://schemas.openxmlformats.org/officeDocument/2006/relationships" xmlns:p="http://schemas.openxmlformats.org/presentationml/2006/main">
+  <p:cSld>
+    <p:spTree>
+      <p:nvGrpSpPr>
+        <p:cNvPr id="1" name=""/>
+        <p:cNvGrpSpPr/>
+        <p:nvPr/>
+      </p:nvGrpSpPr>
+      <p:grpSpPr>
+        <a:xfrm>
+          <a:off x="0" y="0"/>
+          <a:ext cx="0" cy="0"/>
+          <a:chOff x="0" y="0"/>
+          <a:chExt cx="0" cy="0"/>
+        </a:xfrm>
+      </p:grpSpPr>
+      <p:sp>
+        <p:nvSpPr>
+          <p:cNvPr id="168" name="PlaceHolder 1"/>
+          <p:cNvSpPr>
+            <a:spLocks noGrp="1"/>
+          </p:cNvSpPr>
+          <p:nvPr>
+            <p:ph type="title"/>
+          </p:nvPr>
+        </p:nvSpPr>
+        <p:spPr>
+          <a:xfrm>
+            <a:off x="1066680" y="642600"/>
+            <a:ext cx="10058040" cy="1371240"/>
+          </a:xfrm>
+          <a:prstGeom prst="rect">
+            <a:avLst/>
+          </a:prstGeom>
+          <a:noFill/>
+          <a:ln w="0">
+            <a:noFill/>
+          </a:ln>
+        </p:spPr>
+        <p:txBody>
+          <a:bodyPr anchor="ctr">
+            <a:noAutofit/>
+          </a:bodyPr>
+          <a:lstStyle/>
+          <a:p>
+            <a:pPr>
+              <a:lnSpc>
+                <a:spcPct val="90000"/>
+              </a:lnSpc>
+              <a:buNone/>
+            </a:pPr>
+            <a:r>
               <a:rPr lang="fr-FR" sz="4000" b="0" strike="noStrike" spc="-1">
                 <a:solidFill>
                   <a:srgbClr val="262626"/>
                 </a:solidFill>
                 <a:latin typeface="Avenir Next LT Pro Light"/>
               </a:rPr>
-              <a:t>Machine learning</a:t>
+              <a:t>StratégieS de trading</a:t>
             </a:r>
             <a:endParaRPr lang="fr-FR" sz="4000" b="0" strike="noStrike" spc="-1">
               <a:solidFill>
@@ -16525,7 +22742,7 @@
       </p:sp>
       <p:sp>
         <p:nvSpPr>
-          <p:cNvPr id="171" name="PlaceHolder 2"/>
+          <p:cNvPr id="169" name="PlaceHolder 2"/>
           <p:cNvSpPr>
             <a:spLocks noGrp="1"/>
           </p:cNvSpPr>
@@ -16562,9 +22779,18 @@
               <a:buClr>
                 <a:srgbClr val="262626"/>
               </a:buClr>
-              <a:buFont typeface="Garamond"/>
-              <a:buChar char="◦"/>
+              <a:buFont typeface="Avenir Next LT Pro Light"/>
+              <a:buAutoNum type="arabicPeriod"/>
             </a:pPr>
+            <a:r>
+              <a:rPr lang="fr-FR" sz="1500" b="1" strike="noStrike" spc="-1">
+                <a:solidFill>
+                  <a:srgbClr val="000000"/>
+                </a:solidFill>
+                <a:latin typeface="Avenir Next LT Pro"/>
+              </a:rPr>
+              <a:t>Stratégie Long Terme</a:t>
+            </a:r>
             <a:r>
               <a:rPr lang="fr-FR" sz="1500" b="0" strike="noStrike" spc="-1">
                 <a:solidFill>
@@ -16572,8 +22798,139 @@
                 </a:solidFill>
                 <a:latin typeface="Avenir Next LT Pro"/>
               </a:rPr>
-              <a:t>"Étant donné que notre formation est axée sur le Data Engineering, notre priorité a été d'établir des flux de données fiables et des interactions systèmes optimisées. Bien que le modèle de Machine Learning soit fonctionnel, l'accent a été mis sur les aspects d'ingénierie des données du projet."</a:t>
-            </a:r>
+              <a:t>: Utilisation des moyennes mobiles pour identifier les opportunités d'investissement à long terme basées sur les données historiques.</a:t>
+            </a:r>
+          </a:p>
+          <a:p>
+            <a:pPr marL="182880" indent="-182880">
+              <a:lnSpc>
+                <a:spcPct val="110000"/>
+              </a:lnSpc>
+              <a:spcBef>
+                <a:spcPts val="901"/>
+              </a:spcBef>
+              <a:buClr>
+                <a:srgbClr val="262626"/>
+              </a:buClr>
+              <a:buFont typeface="Avenir Next LT Pro Light"/>
+              <a:buAutoNum type="arabicPeriod"/>
+            </a:pPr>
+            <a:r>
+              <a:rPr lang="fr-FR" sz="1500" b="1" strike="noStrike" spc="-1">
+                <a:solidFill>
+                  <a:srgbClr val="000000"/>
+                </a:solidFill>
+                <a:latin typeface="Avenir Next LT Pro"/>
+              </a:rPr>
+              <a:t>Stratégie Moyen Terme</a:t>
+            </a:r>
+            <a:r>
+              <a:rPr lang="fr-FR" sz="1500" b="0" strike="noStrike" spc="-1">
+                <a:solidFill>
+                  <a:srgbClr val="000000"/>
+                </a:solidFill>
+                <a:latin typeface="Avenir Next LT Pro"/>
+              </a:rPr>
+              <a:t>: Utilisation d'un modèle de Machine Learning pour prédire la 90e valeur sur la base des 59 dernières valeurs.</a:t>
+            </a:r>
+          </a:p>
+          <a:p>
+            <a:pPr marL="182880" indent="-182880">
+              <a:lnSpc>
+                <a:spcPct val="110000"/>
+              </a:lnSpc>
+              <a:spcBef>
+                <a:spcPts val="901"/>
+              </a:spcBef>
+              <a:buClr>
+                <a:srgbClr val="262626"/>
+              </a:buClr>
+              <a:buFont typeface="Avenir Next LT Pro Light"/>
+              <a:buAutoNum type="arabicPeriod"/>
+            </a:pPr>
+            <a:r>
+              <a:rPr lang="fr-FR" sz="1500" b="1" strike="noStrike" spc="-1">
+                <a:solidFill>
+                  <a:srgbClr val="000000"/>
+                </a:solidFill>
+                <a:latin typeface="Avenir Next LT Pro"/>
+              </a:rPr>
+              <a:t>Stratégie Court Terme</a:t>
+            </a:r>
+            <a:r>
+              <a:rPr lang="fr-FR" sz="1500" b="0" strike="noStrike" spc="-1">
+                <a:solidFill>
+                  <a:srgbClr val="000000"/>
+                </a:solidFill>
+                <a:latin typeface="Avenir Next LT Pro"/>
+              </a:rPr>
+              <a:t>: Focus sur les cryptomonnaies les plus volatiles avec un script de flux de données en streaming.</a:t>
+            </a:r>
+          </a:p>
+          <a:p>
+            <a:pPr marL="182880" indent="-182880">
+              <a:lnSpc>
+                <a:spcPct val="110000"/>
+              </a:lnSpc>
+              <a:spcBef>
+                <a:spcPts val="901"/>
+              </a:spcBef>
+              <a:buClr>
+                <a:srgbClr val="262626"/>
+              </a:buClr>
+              <a:buFont typeface="Garamond"/>
+              <a:buChar char="◦"/>
+            </a:pPr>
+            <a:r>
+              <a:rPr lang="fr-FR" sz="1500" b="0" strike="noStrike" spc="-1">
+                <a:solidFill>
+                  <a:srgbClr val="000000"/>
+                </a:solidFill>
+                <a:latin typeface="Avenir Next LT Pro"/>
+              </a:rPr>
+              <a:t>Chaque point pourrait être accompagné d'un petit graphique ou d'une capture d'écran pour illustrer la stratégie.</a:t>
+            </a:r>
+          </a:p>
+          <a:p>
+            <a:pPr marL="182880" indent="-182880">
+              <a:lnSpc>
+                <a:spcPct val="110000"/>
+              </a:lnSpc>
+              <a:spcBef>
+                <a:spcPts val="901"/>
+              </a:spcBef>
+              <a:buClr>
+                <a:srgbClr val="262626"/>
+              </a:buClr>
+              <a:buFont typeface="Garamond"/>
+              <a:buChar char="◦"/>
+            </a:pPr>
+            <a:r>
+              <a:rPr lang="fr-FR" sz="1500" b="0" strike="noStrike" spc="-1">
+                <a:solidFill>
+                  <a:srgbClr val="000000"/>
+                </a:solidFill>
+                <a:latin typeface="Avenir Next LT Pro"/>
+              </a:rPr>
+              <a:t>Vous pourriez aussi dire : "Nous avons choisi de présenter ces différentes stratégies non pas pour leur efficacité en tant que robots de trading, mais pour montrer la robustesse et la flexibilité de notre architecture de données."</a:t>
+            </a:r>
+          </a:p>
+          <a:p>
+            <a:pPr>
+              <a:lnSpc>
+                <a:spcPct val="110000"/>
+              </a:lnSpc>
+              <a:spcBef>
+                <a:spcPts val="901"/>
+              </a:spcBef>
+              <a:buNone/>
+            </a:pPr>
+            <a:endParaRPr lang="fr-FR" sz="1500" b="0" strike="noStrike" spc="-1">
+              <a:solidFill>
+                <a:srgbClr val="000000"/>
+              </a:solidFill>
+              <a:latin typeface="Avenir Next LT Pro"/>
+            </a:endParaRPr>
           </a:p>
         </p:txBody>
       </p:sp>
@@ -16585,7 +22942,139 @@
 </p:sld>
 </file>
 
-<file path=ppt/slides/slide13.xml><?xml version="1.0" encoding="utf-8"?>
+<file path=ppt/slides/slide15.xml><?xml version="1.0" encoding="utf-8"?>
+<p:sld xmlns:a="http://schemas.openxmlformats.org/drawingml/2006/main" xmlns:r="http://schemas.openxmlformats.org/officeDocument/2006/relationships" xmlns:p="http://schemas.openxmlformats.org/presentationml/2006/main">
+  <p:cSld>
+    <p:spTree>
+      <p:nvGrpSpPr>
+        <p:cNvPr id="1" name=""/>
+        <p:cNvGrpSpPr/>
+        <p:nvPr/>
+      </p:nvGrpSpPr>
+      <p:grpSpPr>
+        <a:xfrm>
+          <a:off x="0" y="0"/>
+          <a:ext cx="0" cy="0"/>
+          <a:chOff x="0" y="0"/>
+          <a:chExt cx="0" cy="0"/>
+        </a:xfrm>
+      </p:grpSpPr>
+      <p:sp>
+        <p:nvSpPr>
+          <p:cNvPr id="170" name="PlaceHolder 1"/>
+          <p:cNvSpPr>
+            <a:spLocks noGrp="1"/>
+          </p:cNvSpPr>
+          <p:nvPr>
+            <p:ph type="title"/>
+          </p:nvPr>
+        </p:nvSpPr>
+        <p:spPr>
+          <a:xfrm>
+            <a:off x="1066680" y="642600"/>
+            <a:ext cx="10058040" cy="1371240"/>
+          </a:xfrm>
+          <a:prstGeom prst="rect">
+            <a:avLst/>
+          </a:prstGeom>
+          <a:noFill/>
+          <a:ln w="0">
+            <a:noFill/>
+          </a:ln>
+        </p:spPr>
+        <p:txBody>
+          <a:bodyPr anchor="ctr">
+            <a:noAutofit/>
+          </a:bodyPr>
+          <a:lstStyle/>
+          <a:p>
+            <a:pPr>
+              <a:lnSpc>
+                <a:spcPct val="90000"/>
+              </a:lnSpc>
+              <a:buNone/>
+            </a:pPr>
+            <a:r>
+              <a:rPr lang="fr-FR" sz="4000" b="0" strike="noStrike" spc="-1">
+                <a:solidFill>
+                  <a:srgbClr val="262626"/>
+                </a:solidFill>
+                <a:latin typeface="Avenir Next LT Pro Light"/>
+              </a:rPr>
+              <a:t>Machine learning</a:t>
+            </a:r>
+            <a:endParaRPr lang="fr-FR" sz="4000" b="0" strike="noStrike" spc="-1">
+              <a:solidFill>
+                <a:srgbClr val="000000"/>
+              </a:solidFill>
+              <a:latin typeface="Avenir Next LT Pro"/>
+            </a:endParaRPr>
+          </a:p>
+        </p:txBody>
+      </p:sp>
+      <p:sp>
+        <p:nvSpPr>
+          <p:cNvPr id="171" name="PlaceHolder 2"/>
+          <p:cNvSpPr>
+            <a:spLocks noGrp="1"/>
+          </p:cNvSpPr>
+          <p:nvPr>
+            <p:ph/>
+          </p:nvPr>
+        </p:nvSpPr>
+        <p:spPr>
+          <a:xfrm>
+            <a:off x="1066680" y="2103120"/>
+            <a:ext cx="10058040" cy="3849120"/>
+          </a:xfrm>
+          <a:prstGeom prst="rect">
+            <a:avLst/>
+          </a:prstGeom>
+          <a:noFill/>
+          <a:ln w="0">
+            <a:noFill/>
+          </a:ln>
+        </p:spPr>
+        <p:txBody>
+          <a:bodyPr anchor="t">
+            <a:noAutofit/>
+          </a:bodyPr>
+          <a:lstStyle/>
+          <a:p>
+            <a:pPr marL="182880" indent="-182880">
+              <a:lnSpc>
+                <a:spcPct val="110000"/>
+              </a:lnSpc>
+              <a:spcBef>
+                <a:spcPts val="901"/>
+              </a:spcBef>
+              <a:buClr>
+                <a:srgbClr val="262626"/>
+              </a:buClr>
+              <a:buFont typeface="Garamond"/>
+              <a:buChar char="◦"/>
+            </a:pPr>
+            <a:r>
+              <a:rPr lang="fr-FR" sz="1500" b="0" strike="noStrike" spc="-1">
+                <a:solidFill>
+                  <a:srgbClr val="000000"/>
+                </a:solidFill>
+                <a:latin typeface="Avenir Next LT Pro"/>
+              </a:rPr>
+              <a:t>"Étant donné que notre formation est axée sur le Data Engineering, notre priorité a été d'établir des flux de données fiables et des interactions systèmes optimisées. Bien que le modèle de Machine Learning soit fonctionnel, l'accent a été mis sur les aspects d'ingénierie des données du projet."</a:t>
+            </a:r>
+          </a:p>
+        </p:txBody>
+      </p:sp>
+    </p:spTree>
+  </p:cSld>
+  <p:clrMapOvr>
+    <a:masterClrMapping/>
+  </p:clrMapOvr>
+</p:sld>
+</file>
+
+<file path=ppt/slides/slide16.xml><?xml version="1.0" encoding="utf-8"?>
 <p:sld xmlns:a="http://schemas.openxmlformats.org/drawingml/2006/main" xmlns:r="http://schemas.openxmlformats.org/officeDocument/2006/relationships" xmlns:p="http://schemas.openxmlformats.org/presentationml/2006/main">
   <p:cSld>
     <p:spTree>
@@ -19314,7 +25803,13 @@
       </p:grpSpPr>
       <p:sp>
         <p:nvSpPr>
-          <p:cNvPr id="164" name="PlaceHolder 1"/>
+          <p:cNvPr id="2" name="Titre 1">
+            <a:extLst>
+              <a:ext uri="{FF2B5EF4-FFF2-40B4-BE49-F238E27FC236}">
+                <a16:creationId xmlns:a16="http://schemas.microsoft.com/office/drawing/2014/main" id="{79423420-D8EB-0F90-6B97-E2C1FD637A3D}"/>
+              </a:ext>
+            </a:extLst>
+          </p:cNvPr>
           <p:cNvSpPr>
             <a:spLocks noGrp="1"/>
           </p:cNvSpPr>
@@ -19324,339 +25819,340 @@
         </p:nvSpPr>
         <p:spPr>
           <a:xfrm>
-            <a:off x="1066680" y="642600"/>
-            <a:ext cx="10058040" cy="1371240"/>
+            <a:off x="1066800" y="397144"/>
+            <a:ext cx="10058400" cy="1371600"/>
           </a:xfrm>
-          <a:prstGeom prst="rect">
-            <a:avLst/>
-          </a:prstGeom>
-          <a:noFill/>
-          <a:ln w="0">
-            <a:noFill/>
-          </a:ln>
         </p:spPr>
         <p:txBody>
-          <a:bodyPr anchor="ctr">
-            <a:noAutofit/>
+          <a:bodyPr/>
+          <a:lstStyle/>
+          <a:p>
+            <a:r>
+              <a:rPr lang="fr-FR" b="1" dirty="0"/>
+              <a:t>Récolte</a:t>
+            </a:r>
+            <a:r>
+              <a:rPr lang="fr-FR" dirty="0"/>
+              <a:t> </a:t>
+            </a:r>
+            <a:r>
+              <a:rPr lang="fr-FR" b="1" dirty="0"/>
+              <a:t>des données</a:t>
+            </a:r>
+          </a:p>
+        </p:txBody>
+      </p:sp>
+      <p:sp>
+        <p:nvSpPr>
+          <p:cNvPr id="3" name="Espace réservé du contenu 2">
+            <a:extLst>
+              <a:ext uri="{FF2B5EF4-FFF2-40B4-BE49-F238E27FC236}">
+                <a16:creationId xmlns:a16="http://schemas.microsoft.com/office/drawing/2014/main" id="{8FCE740D-4291-8F8C-8962-0FE98AADC9F6}"/>
+              </a:ext>
+            </a:extLst>
+          </p:cNvPr>
+          <p:cNvSpPr>
+            <a:spLocks noGrp="1"/>
+          </p:cNvSpPr>
+          <p:nvPr>
+            <p:ph idx="1"/>
+          </p:nvPr>
+        </p:nvSpPr>
+        <p:spPr>
+          <a:xfrm>
+            <a:off x="1066800" y="1560022"/>
+            <a:ext cx="10058400" cy="4671813"/>
+          </a:xfrm>
+        </p:spPr>
+        <p:txBody>
+          <a:bodyPr>
+            <a:normAutofit/>
           </a:bodyPr>
           <a:lstStyle/>
           <a:p>
-            <a:pPr>
-              <a:lnSpc>
-                <a:spcPct val="90000"/>
-              </a:lnSpc>
+            <a:pPr algn="just"/>
+            <a:r>
+              <a:rPr lang="fr-FR" b="1" dirty="0"/>
+              <a:t>Il existe différentes approches :</a:t>
+            </a:r>
+          </a:p>
+          <a:p>
+            <a:pPr lvl="1" algn="just"/>
+            <a:r>
+              <a:rPr lang="fr-FR" dirty="0"/>
+              <a:t>Scraper des sites spécialisés </a:t>
+            </a:r>
+          </a:p>
+          <a:p>
+            <a:pPr lvl="1" algn="just"/>
+            <a:r>
+              <a:rPr lang="fr-FR" dirty="0"/>
+              <a:t>Utiliser les données publiques des blockchains directement</a:t>
+            </a:r>
+          </a:p>
+          <a:p>
+            <a:pPr lvl="1" algn="just"/>
+            <a:r>
+              <a:rPr lang="fr-FR" dirty="0"/>
+              <a:t>Télécharger des BDD existantes</a:t>
+            </a:r>
+          </a:p>
+          <a:p>
+            <a:pPr lvl="1" algn="just"/>
+            <a:r>
+              <a:rPr lang="fr-FR" dirty="0"/>
+              <a:t>Utiliser les APIs des plateforme d’échange (Binance, eToro, Zengo…)</a:t>
+            </a:r>
+          </a:p>
+          <a:p>
+            <a:pPr marL="274320" lvl="1" indent="0" algn="just">
               <a:buNone/>
             </a:pPr>
-            <a:r>
-              <a:rPr lang="fr-FR" sz="4000" b="1" strike="noStrike" spc="-1">
-                <a:solidFill>
-                  <a:srgbClr val="262626"/>
-                </a:solidFill>
-                <a:latin typeface="Avenir Next LT Pro Light"/>
-              </a:rPr>
-              <a:t>Données historiques - API Binance/PostgreSQL</a:t>
-            </a:r>
-            <a:endParaRPr lang="fr-FR" sz="4000" b="0" strike="noStrike" spc="-1">
-              <a:solidFill>
-                <a:srgbClr val="000000"/>
-              </a:solidFill>
-              <a:latin typeface="Avenir Next LT Pro"/>
-            </a:endParaRPr>
-          </a:p>
-        </p:txBody>
-      </p:sp>
-      <p:sp>
-        <p:nvSpPr>
-          <p:cNvPr id="165" name="PlaceHolder 2"/>
-          <p:cNvSpPr>
-            <a:spLocks noGrp="1"/>
-          </p:cNvSpPr>
-          <p:nvPr>
-            <p:ph/>
-          </p:nvPr>
-        </p:nvSpPr>
-        <p:spPr>
-          <a:xfrm>
-            <a:off x="1066680" y="2103120"/>
-            <a:ext cx="10058040" cy="3849120"/>
-          </a:xfrm>
-          <a:prstGeom prst="rect">
-            <a:avLst/>
-          </a:prstGeom>
-          <a:noFill/>
-          <a:ln w="0">
-            <a:noFill/>
-          </a:ln>
-        </p:spPr>
-        <p:txBody>
-          <a:bodyPr anchor="t">
-            <a:normAutofit fontScale="72000" lnSpcReduction="10000"/>
-          </a:bodyPr>
-          <a:lstStyle/>
-          <a:p>
-            <a:pPr marL="182880" indent="-182880">
+            <a:endParaRPr lang="fr-FR" dirty="0"/>
+          </a:p>
+          <a:p>
+            <a:r>
+              <a:rPr lang="fr-FR" b="1" dirty="0"/>
+              <a:t> Utilisation de l’API Binance pour les données historiques/</a:t>
+            </a:r>
+            <a:r>
+              <a:rPr lang="fr-FR" b="1" dirty="0" err="1"/>
+              <a:t>stream</a:t>
+            </a:r>
+            <a:r>
+              <a:rPr lang="fr-FR" b="1" dirty="0"/>
+              <a:t>:</a:t>
+            </a:r>
+          </a:p>
+          <a:p>
+            <a:pPr marL="457200" marR="0" lvl="1" indent="-182880" algn="just" defTabSz="914400" rtl="0" eaLnBrk="1" fontAlgn="auto" latinLnBrk="0" hangingPunct="1">
               <a:lnSpc>
-                <a:spcPct val="110000"/>
+                <a:spcPct val="100000"/>
               </a:lnSpc>
               <a:spcBef>
-                <a:spcPts val="901"/>
+                <a:spcPts val="500"/>
               </a:spcBef>
+              <a:spcAft>
+                <a:spcPts val="0"/>
+              </a:spcAft>
               <a:buClr>
-                <a:srgbClr val="262626"/>
+                <a:prstClr val="black">
+                  <a:lumMod val="85000"/>
+                  <a:lumOff val="15000"/>
+                </a:prstClr>
               </a:buClr>
-              <a:buFont typeface="Avenir Next LT Pro Light"/>
-              <a:buAutoNum type="arabicPeriod"/>
+              <a:buSzTx/>
+              <a:buFont typeface="Garamond" pitchFamily="18" charset="0"/>
+              <a:buChar char="◦"/>
+              <a:tabLst/>
+              <a:defRPr/>
             </a:pPr>
             <a:r>
-              <a:rPr lang="fr-FR" sz="1500" b="1" strike="noStrike" spc="-1">
+              <a:rPr kumimoji="0" lang="fr-FR" b="0" i="0" u="none" strike="noStrike" kern="1200" cap="none" spc="0" normalizeH="0" baseline="0" noProof="0" dirty="0">
+                <a:ln>
+                  <a:noFill/>
+                </a:ln>
                 <a:solidFill>
-                  <a:srgbClr val="000000"/>
+                  <a:prstClr val="black"/>
                 </a:solidFill>
-                <a:latin typeface="Avenir Next LT Pro"/>
+                <a:effectLst/>
+                <a:uLnTx/>
+                <a:uFillTx/>
+                <a:ea typeface="+mn-ea"/>
+                <a:cs typeface="+mn-cs"/>
               </a:rPr>
-              <a:t>Utilisation de la librairie Binance Python</a:t>
-            </a:r>
-            <a:r>
-              <a:rPr lang="fr-FR" sz="1500" b="0" strike="noStrike" spc="-1">
+              <a:t>Large gamme de données (nombre de monnaies, prix en temps réel, informations de transactions)</a:t>
+            </a:r>
+          </a:p>
+          <a:p>
+            <a:pPr lvl="1" algn="just">
+              <a:buClr>
+                <a:prstClr val="black">
+                  <a:lumMod val="85000"/>
+                  <a:lumOff val="15000"/>
+                </a:prstClr>
+              </a:buClr>
+              <a:defRPr/>
+            </a:pPr>
+            <a:r>
+              <a:rPr kumimoji="0" lang="fr-FR" b="0" i="0" u="none" strike="noStrike" kern="1200" cap="none" spc="0" normalizeH="0" baseline="0" noProof="0" dirty="0">
+                <a:ln>
+                  <a:noFill/>
+                </a:ln>
                 <a:solidFill>
-                  <a:srgbClr val="000000"/>
+                  <a:prstClr val="black"/>
                 </a:solidFill>
-                <a:latin typeface="Avenir Next LT Pro"/>
+                <a:effectLst/>
+                <a:uLnTx/>
+                <a:uFillTx/>
+                <a:ea typeface="+mn-ea"/>
+                <a:cs typeface="+mn-cs"/>
               </a:rPr>
-              <a:t>: Vous pouvez préciser que vous avez utilisé la bibliothèque Python pour interagir avec l'API Binance, ce qui a facilité le processus.</a:t>
-            </a:r>
-          </a:p>
-          <a:p>
-            <a:pPr marL="182880" indent="-182880">
+              <a:t>Support de plusieurs langages de programmation et documentation complète</a:t>
+            </a:r>
+          </a:p>
+          <a:p>
+            <a:pPr marL="457200" marR="0" lvl="1" indent="-182880" algn="just" defTabSz="914400" rtl="0" eaLnBrk="1" fontAlgn="auto" latinLnBrk="0" hangingPunct="1">
               <a:lnSpc>
-                <a:spcPct val="110000"/>
+                <a:spcPct val="100000"/>
               </a:lnSpc>
               <a:spcBef>
-                <a:spcPts val="901"/>
+                <a:spcPts val="500"/>
               </a:spcBef>
+              <a:spcAft>
+                <a:spcPts val="0"/>
+              </a:spcAft>
               <a:buClr>
-                <a:srgbClr val="262626"/>
+                <a:prstClr val="black">
+                  <a:lumMod val="85000"/>
+                  <a:lumOff val="15000"/>
+                </a:prstClr>
               </a:buClr>
-              <a:buFont typeface="Avenir Next LT Pro Light"/>
-              <a:buAutoNum type="arabicPeriod"/>
+              <a:buSzTx/>
+              <a:buFont typeface="Garamond" pitchFamily="18" charset="0"/>
+              <a:buChar char="◦"/>
+              <a:tabLst/>
+              <a:defRPr/>
             </a:pPr>
             <a:r>
-              <a:rPr lang="fr-FR" sz="1500" b="1" strike="noStrike" spc="-1">
+              <a:rPr kumimoji="0" lang="fr-FR" b="0" i="0" u="none" strike="noStrike" kern="1200" cap="none" spc="0" normalizeH="0" baseline="0" noProof="0" dirty="0">
+                <a:ln>
+                  <a:noFill/>
+                </a:ln>
                 <a:solidFill>
-                  <a:srgbClr val="000000"/>
+                  <a:prstClr val="black"/>
                 </a:solidFill>
-                <a:latin typeface="Avenir Next LT Pro"/>
+                <a:effectLst/>
+                <a:uLnTx/>
+                <a:uFillTx/>
+                <a:ea typeface="+mn-ea"/>
+                <a:cs typeface="+mn-cs"/>
               </a:rPr>
-              <a:t>Récupération des tickers</a:t>
-            </a:r>
-            <a:r>
-              <a:rPr lang="fr-FR" sz="1500" b="0" strike="noStrike" spc="-1">
-                <a:solidFill>
-                  <a:srgbClr val="000000"/>
-                </a:solidFill>
-                <a:latin typeface="Avenir Next LT Pro"/>
-              </a:rPr>
-              <a:t>: Mentionnez que votre script est capable de récupérer tous les tickers disponibles, ce qui donne une grande flexibilité à votre système.</a:t>
-            </a:r>
-          </a:p>
-          <a:p>
-            <a:pPr marL="182880" indent="-182880">
+              <a:t>Volume de négociation élevé</a:t>
+            </a:r>
+          </a:p>
+          <a:p>
+            <a:pPr marL="457200" marR="0" lvl="1" indent="-182880" algn="just" defTabSz="914400" rtl="0" eaLnBrk="1" fontAlgn="auto" latinLnBrk="0" hangingPunct="1">
               <a:lnSpc>
-                <a:spcPct val="110000"/>
+                <a:spcPct val="100000"/>
               </a:lnSpc>
               <a:spcBef>
-                <a:spcPts val="901"/>
+                <a:spcPts val="500"/>
               </a:spcBef>
+              <a:spcAft>
+                <a:spcPts val="0"/>
+              </a:spcAft>
               <a:buClr>
-                <a:srgbClr val="262626"/>
+                <a:prstClr val="black">
+                  <a:lumMod val="85000"/>
+                  <a:lumOff val="15000"/>
+                </a:prstClr>
               </a:buClr>
-              <a:buFont typeface="Avenir Next LT Pro Light"/>
-              <a:buAutoNum type="arabicPeriod"/>
+              <a:buSzTx/>
+              <a:buFont typeface="Garamond" pitchFamily="18" charset="0"/>
+              <a:buChar char="◦"/>
+              <a:tabLst/>
+              <a:defRPr/>
             </a:pPr>
             <a:r>
-              <a:rPr lang="fr-FR" sz="1500" b="1" strike="noStrike" spc="-1">
+              <a:rPr kumimoji="0" lang="fr-FR" b="0" i="0" u="none" strike="noStrike" kern="1200" cap="none" spc="0" normalizeH="0" baseline="0" noProof="0" dirty="0">
+                <a:ln>
+                  <a:noFill/>
+                </a:ln>
                 <a:solidFill>
-                  <a:srgbClr val="000000"/>
+                  <a:prstClr val="black"/>
                 </a:solidFill>
-                <a:latin typeface="Avenir Next LT Pro"/>
+                <a:effectLst/>
+                <a:uLnTx/>
+                <a:uFillTx/>
+                <a:ea typeface="+mn-ea"/>
+                <a:cs typeface="+mn-cs"/>
               </a:rPr>
-              <a:t>Formatage des données</a:t>
-            </a:r>
-            <a:r>
-              <a:rPr lang="fr-FR" sz="1500" b="0" strike="noStrike" spc="-1">
-                <a:solidFill>
-                  <a:srgbClr val="000000"/>
-                </a:solidFill>
-                <a:latin typeface="Avenir Next LT Pro"/>
-              </a:rPr>
-              <a:t>: Parlez du fait que vous transformez les données récupérées en un DataFrame pour un traitement plus facile et que vous ajoutez une colonne "data_origin" pour indiquer qu'il s'agit de données historiques.</a:t>
-            </a:r>
-          </a:p>
-          <a:p>
-            <a:pPr marL="182880" indent="-182880">
+              <a:t>Données pré-processée et extrêmement structurées</a:t>
+            </a:r>
+          </a:p>
+          <a:p>
+            <a:pPr marL="457200" marR="0" lvl="1" indent="-182880" algn="just" defTabSz="914400" rtl="0" eaLnBrk="1" fontAlgn="auto" latinLnBrk="0" hangingPunct="1">
               <a:lnSpc>
-                <a:spcPct val="110000"/>
+                <a:spcPct val="100000"/>
               </a:lnSpc>
               <a:spcBef>
-                <a:spcPts val="901"/>
+                <a:spcPts val="500"/>
               </a:spcBef>
+              <a:spcAft>
+                <a:spcPts val="0"/>
+              </a:spcAft>
               <a:buClr>
-                <a:srgbClr val="262626"/>
+                <a:prstClr val="black">
+                  <a:lumMod val="85000"/>
+                  <a:lumOff val="15000"/>
+                </a:prstClr>
               </a:buClr>
-              <a:buFont typeface="Avenir Next LT Pro Light"/>
-              <a:buAutoNum type="arabicPeriod"/>
+              <a:buSzTx/>
+              <a:buFont typeface="Garamond" pitchFamily="18" charset="0"/>
+              <a:buChar char="◦"/>
+              <a:tabLst/>
+              <a:defRPr/>
             </a:pPr>
-            <a:r>
-              <a:rPr lang="fr-FR" sz="1500" b="1" strike="noStrike" spc="-1">
-                <a:solidFill>
-                  <a:srgbClr val="000000"/>
-                </a:solidFill>
-                <a:latin typeface="Avenir Next LT Pro"/>
-              </a:rPr>
-              <a:t>Export en JSON</a:t>
-            </a:r>
-            <a:r>
-              <a:rPr lang="fr-FR" sz="1500" b="0" strike="noStrike" spc="-1">
-                <a:solidFill>
-                  <a:srgbClr val="000000"/>
-                </a:solidFill>
-                <a:latin typeface="Avenir Next LT Pro"/>
-              </a:rPr>
-              <a:t>: Enfin, expliquez que vous exportez ces données dans un fichier JSON, qui servira ensuite pour l'étape de stockage dans PostgreSQL.</a:t>
-            </a:r>
-          </a:p>
-          <a:p>
-            <a:pPr marL="182880" indent="-182880">
-              <a:lnSpc>
-                <a:spcPct val="110000"/>
-              </a:lnSpc>
-              <a:spcBef>
-                <a:spcPts val="901"/>
-              </a:spcBef>
-              <a:buClr>
-                <a:srgbClr val="262626"/>
-              </a:buClr>
-              <a:buFont typeface="Avenir Next LT Pro Light"/>
-              <a:buAutoNum type="arabicPeriod"/>
-            </a:pPr>
-            <a:r>
-              <a:rPr lang="fr-FR" sz="1500" b="1" strike="noStrike" spc="-1">
-                <a:solidFill>
-                  <a:srgbClr val="000000"/>
-                </a:solidFill>
-                <a:latin typeface="Avenir Next LT Pro"/>
-              </a:rPr>
-              <a:t>Code snippet</a:t>
-            </a:r>
-            <a:r>
-              <a:rPr lang="fr-FR" sz="1500" b="0" strike="noStrike" spc="-1">
-                <a:solidFill>
-                  <a:srgbClr val="000000"/>
-                </a:solidFill>
-                <a:latin typeface="Avenir Next LT Pro"/>
-              </a:rPr>
-              <a:t>: Vous pouvez également montrer un petit extrait de code ou une capture d'écran du script pour illustrer votre explication.</a:t>
-            </a:r>
-          </a:p>
-          <a:p>
-            <a:pPr marL="182880" indent="-182880">
-              <a:lnSpc>
-                <a:spcPct val="110000"/>
-              </a:lnSpc>
-              <a:spcBef>
-                <a:spcPts val="901"/>
-              </a:spcBef>
-              <a:buClr>
-                <a:srgbClr val="262626"/>
-              </a:buClr>
-              <a:buFont typeface="Avenir Next LT Pro Light"/>
-              <a:buAutoNum type="arabicPeriod"/>
-            </a:pPr>
-            <a:r>
-              <a:rPr lang="fr-FR" sz="1500" b="0" strike="noStrike" spc="-1">
-                <a:solidFill>
-                  <a:srgbClr val="000000"/>
-                </a:solidFill>
-                <a:latin typeface="Avenir Next LT Pro"/>
-              </a:rPr>
-              <a:t> Initialisation de la BDD PostgreSQL: Indiquez que ce second script est utilisé pour peupler la base de données PostgreSQL à partir du fichier JSON généré par le premier script.</a:t>
-            </a:r>
-          </a:p>
-          <a:p>
-            <a:pPr marL="182880" indent="-182880">
-              <a:lnSpc>
-                <a:spcPct val="110000"/>
-              </a:lnSpc>
-              <a:spcBef>
-                <a:spcPts val="901"/>
-              </a:spcBef>
-              <a:buClr>
-                <a:srgbClr val="262626"/>
-              </a:buClr>
-              <a:buFont typeface="Avenir Next LT Pro Light"/>
-              <a:buAutoNum type="arabicPeriod"/>
-            </a:pPr>
-            <a:r>
-              <a:rPr lang="fr-FR" sz="1500" b="0" strike="noStrike" spc="-1">
-                <a:solidFill>
-                  <a:srgbClr val="000000"/>
-                </a:solidFill>
-                <a:latin typeface="Avenir Next LT Pro"/>
-              </a:rPr>
-              <a:t>    Configuration modulaire: Soulignez que les informations de configuration sont stockées de manière externe, ce qui rend le script facile à adapter pour d'autres utilisateurs ou environnements.</a:t>
-            </a:r>
-          </a:p>
-          <a:p>
-            <a:pPr marL="182880" indent="-182880">
-              <a:lnSpc>
-                <a:spcPct val="110000"/>
-              </a:lnSpc>
-              <a:spcBef>
-                <a:spcPts val="901"/>
-              </a:spcBef>
-              <a:buClr>
-                <a:srgbClr val="262626"/>
-              </a:buClr>
-              <a:buFont typeface="Avenir Next LT Pro Light"/>
-              <a:buAutoNum type="arabicPeriod"/>
-            </a:pPr>
-            <a:r>
-              <a:rPr lang="fr-FR" sz="1500" b="0" strike="noStrike" spc="-1">
-                <a:solidFill>
-                  <a:srgbClr val="000000"/>
-                </a:solidFill>
-                <a:latin typeface="Avenir Next LT Pro"/>
-              </a:rPr>
-              <a:t>    Fermeture de la connexion à la BDD: Il peut être utile de mentionner que votre code prend en charge la gestion correcte des ressources en fermant explicitement la connexion à la base de données une fois l'opération terminée.</a:t>
-            </a:r>
-          </a:p>
-          <a:p>
-            <a:pPr marL="182880" indent="-182880">
-              <a:lnSpc>
-                <a:spcPct val="110000"/>
-              </a:lnSpc>
-              <a:spcBef>
-                <a:spcPts val="901"/>
-              </a:spcBef>
-              <a:buClr>
-                <a:srgbClr val="262626"/>
-              </a:buClr>
-              <a:buFont typeface="Avenir Next LT Pro Light"/>
-              <a:buAutoNum type="arabicPeriod"/>
-            </a:pPr>
-            <a:r>
-              <a:rPr lang="fr-FR" sz="1500" b="0" strike="noStrike" spc="-1">
-                <a:solidFill>
-                  <a:srgbClr val="000000"/>
-                </a:solidFill>
-                <a:latin typeface="Avenir Next LT Pro"/>
-              </a:rPr>
-              <a:t>    Réinitialisation de la BDD: Vous pouvez évoquer que le paramètre reset=True permet de réinitialiser la base de données, ce qui pourrait être utile pour des tests ou des mises à jour de données.</a:t>
-            </a:r>
+            <a:endParaRPr kumimoji="0" lang="fr-FR" b="0" i="0" u="none" strike="noStrike" kern="1200" cap="none" spc="0" normalizeH="0" baseline="0" noProof="0" dirty="0">
+              <a:ln>
+                <a:noFill/>
+              </a:ln>
+              <a:solidFill>
+                <a:prstClr val="black"/>
+              </a:solidFill>
+              <a:effectLst/>
+              <a:uLnTx/>
+              <a:uFillTx/>
+              <a:ea typeface="+mn-ea"/>
+              <a:cs typeface="+mn-cs"/>
+            </a:endParaRPr>
+          </a:p>
+          <a:p>
+            <a:r>
+              <a:rPr lang="fr-FR" b="1" dirty="0" err="1"/>
+              <a:t>Scraping</a:t>
+            </a:r>
+            <a:r>
+              <a:rPr lang="fr-FR" b="1" dirty="0"/>
+              <a:t> de sites Web pour analyse de sentiment ou ML:</a:t>
+            </a:r>
+          </a:p>
+          <a:p>
+            <a:pPr lvl="1"/>
+            <a:r>
+              <a:rPr lang="fr-FR" dirty="0"/>
+              <a:t>Scrap de pages Wikipédia ou de forums spécialisés </a:t>
+            </a:r>
+          </a:p>
+          <a:p>
+            <a:pPr lvl="1"/>
+            <a:r>
+              <a:rPr lang="fr-FR" dirty="0"/>
+              <a:t>Scrap de sites de trading </a:t>
+            </a:r>
+          </a:p>
+          <a:p>
+            <a:pPr lvl="1"/>
+            <a:r>
+              <a:rPr lang="fr-FR" dirty="0"/>
+              <a:t>Récupération de données non-structurées</a:t>
+            </a:r>
+          </a:p>
+          <a:p>
+            <a:endParaRPr lang="fr-FR" dirty="0"/>
+          </a:p>
+          <a:p>
+            <a:endParaRPr lang="fr-FR" dirty="0"/>
           </a:p>
         </p:txBody>
       </p:sp>
     </p:spTree>
+    <p:extLst>
+      <p:ext uri="{BB962C8B-B14F-4D97-AF65-F5344CB8AC3E}">
+        <p14:creationId xmlns:p14="http://schemas.microsoft.com/office/powerpoint/2010/main" val="2894166802"/>
+      </p:ext>
+    </p:extLst>
   </p:cSld>
   <p:clrMapOvr>
     <a:masterClrMapping/>
@@ -20349,6 +26845,282 @@
 </file>
 
 <file path=ppt/theme/theme4.xml><?xml version="1.0" encoding="utf-8"?>
+<a:theme xmlns:a="http://schemas.openxmlformats.org/drawingml/2006/main" name="SavonVTI">
+  <a:themeElements>
+    <a:clrScheme name="Median">
+      <a:dk1>
+        <a:sysClr val="windowText" lastClr="000000"/>
+      </a:dk1>
+      <a:lt1>
+        <a:sysClr val="window" lastClr="FFFFFF"/>
+      </a:lt1>
+      <a:dk2>
+        <a:srgbClr val="775F55"/>
+      </a:dk2>
+      <a:lt2>
+        <a:srgbClr val="EBDDC3"/>
+      </a:lt2>
+      <a:accent1>
+        <a:srgbClr val="94B6D2"/>
+      </a:accent1>
+      <a:accent2>
+        <a:srgbClr val="DD8047"/>
+      </a:accent2>
+      <a:accent3>
+        <a:srgbClr val="A5AB81"/>
+      </a:accent3>
+      <a:accent4>
+        <a:srgbClr val="D8B25C"/>
+      </a:accent4>
+      <a:accent5>
+        <a:srgbClr val="7BA79D"/>
+      </a:accent5>
+      <a:accent6>
+        <a:srgbClr val="968C8C"/>
+      </a:accent6>
+      <a:hlink>
+        <a:srgbClr val="F7B615"/>
+      </a:hlink>
+      <a:folHlink>
+        <a:srgbClr val="704404"/>
+      </a:folHlink>
+    </a:clrScheme>
+    <a:fontScheme name="Savon">
+      <a:majorFont>
+        <a:latin typeface="Avenir Next LT Pro Light" panose="02020404030301010803"/>
+        <a:ea typeface=""/>
+        <a:cs typeface=""/>
+        <a:font script="Jpan" typeface="ＭＳ ゴシック"/>
+        <a:font script="Hang" typeface="맑은 고딕"/>
+        <a:font script="Hans" typeface="宋体"/>
+        <a:font script="Hant" typeface="新細明體"/>
+        <a:font script="Arab" typeface="Tahoma"/>
+        <a:font script="Hebr" typeface="Gisha"/>
+        <a:font script="Thai" typeface="DilleniaUPC"/>
+        <a:font script="Ethi" typeface="Nyala"/>
+        <a:font script="Beng" typeface="Vrinda"/>
+        <a:font script="Gujr" typeface="Shruti"/>
+        <a:font script="Khmr" typeface="DaunPenh"/>
+        <a:font script="Knda" typeface="Tunga"/>
+        <a:font script="Guru" typeface="Raavi"/>
+        <a:font script="Cans" typeface="Euphemia"/>
+        <a:font script="Cher" typeface="Plantagenet Cherokee"/>
+        <a:font script="Yiii" typeface="Microsoft Yi Baiti"/>
+        <a:font script="Tibt" typeface="Microsoft Himalaya"/>
+        <a:font script="Thaa" typeface="MV Boli"/>
+        <a:font script="Deva" typeface="Mangal"/>
+        <a:font script="Telu" typeface="Gautami"/>
+        <a:font script="Taml" typeface="Latha"/>
+        <a:font script="Syrc" typeface="Estrangelo Edessa"/>
+        <a:font script="Orya" typeface="Kalinga"/>
+        <a:font script="Mlym" typeface="Kartika"/>
+        <a:font script="Laoo" typeface="DokChampa"/>
+        <a:font script="Sinh" typeface="Iskoola Pota"/>
+        <a:font script="Mong" typeface="Mongolian Baiti"/>
+        <a:font script="Viet" typeface="Tahoma"/>
+        <a:font script="Uigh" typeface="Microsoft Uighur"/>
+        <a:font script="Geor" typeface="Sylfaen"/>
+      </a:majorFont>
+      <a:minorFont>
+        <a:latin typeface="Avenir Next LT Pro" panose="02020404030301010803"/>
+        <a:ea typeface=""/>
+        <a:cs typeface=""/>
+        <a:font script="Jpan" typeface="ＭＳ ゴシック"/>
+        <a:font script="Hang" typeface="맑은 고딕"/>
+        <a:font script="Hans" typeface="宋体"/>
+        <a:font script="Hant" typeface="新細明體"/>
+        <a:font script="Arab" typeface="Tahoma"/>
+        <a:font script="Hebr" typeface="Gisha"/>
+        <a:font script="Thai" typeface="DilleniaUPC"/>
+        <a:font script="Ethi" typeface="Nyala"/>
+        <a:font script="Beng" typeface="Vrinda"/>
+        <a:font script="Gujr" typeface="Shruti"/>
+        <a:font script="Khmr" typeface="DaunPenh"/>
+        <a:font script="Knda" typeface="Tunga"/>
+        <a:font script="Guru" typeface="Raavi"/>
+        <a:font script="Cans" typeface="Euphemia"/>
+        <a:font script="Cher" typeface="Plantagenet Cherokee"/>
+        <a:font script="Yiii" typeface="Microsoft Yi Baiti"/>
+        <a:font script="Tibt" typeface="Microsoft Himalaya"/>
+        <a:font script="Thaa" typeface="MV Boli"/>
+        <a:font script="Deva" typeface="Mangal"/>
+        <a:font script="Telu" typeface="Gautami"/>
+        <a:font script="Taml" typeface="Latha"/>
+        <a:font script="Syrc" typeface="Estrangelo Edessa"/>
+        <a:font script="Orya" typeface="Kalinga"/>
+        <a:font script="Mlym" typeface="Kartika"/>
+        <a:font script="Laoo" typeface="DokChampa"/>
+        <a:font script="Sinh" typeface="Iskoola Pota"/>
+        <a:font script="Mong" typeface="Mongolian Baiti"/>
+        <a:font script="Viet" typeface="Verdana"/>
+        <a:font script="Uigh" typeface="Microsoft Uighur"/>
+        <a:font script="Geor" typeface="Sylfaen"/>
+      </a:minorFont>
+    </a:fontScheme>
+    <a:fmtScheme name="Savon">
+      <a:fillStyleLst>
+        <a:solidFill>
+          <a:schemeClr val="phClr"/>
+        </a:solidFill>
+        <a:gradFill rotWithShape="1">
+          <a:gsLst>
+            <a:gs pos="0">
+              <a:schemeClr val="phClr">
+                <a:tint val="60000"/>
+                <a:satMod val="105000"/>
+                <a:lumMod val="105000"/>
+              </a:schemeClr>
+            </a:gs>
+            <a:gs pos="100000">
+              <a:schemeClr val="phClr">
+                <a:tint val="65000"/>
+                <a:satMod val="100000"/>
+                <a:lumMod val="100000"/>
+              </a:schemeClr>
+            </a:gs>
+            <a:gs pos="100000">
+              <a:schemeClr val="phClr">
+                <a:tint val="70000"/>
+                <a:satMod val="100000"/>
+                <a:lumMod val="100000"/>
+              </a:schemeClr>
+            </a:gs>
+          </a:gsLst>
+          <a:lin ang="5400000" scaled="0"/>
+        </a:gradFill>
+        <a:gradFill rotWithShape="1">
+          <a:gsLst>
+            <a:gs pos="0">
+              <a:schemeClr val="phClr">
+                <a:satMod val="100000"/>
+                <a:lumMod val="100000"/>
+              </a:schemeClr>
+            </a:gs>
+            <a:gs pos="50000">
+              <a:schemeClr val="phClr">
+                <a:shade val="99000"/>
+                <a:satMod val="105000"/>
+                <a:lumMod val="100000"/>
+              </a:schemeClr>
+            </a:gs>
+            <a:gs pos="100000">
+              <a:schemeClr val="phClr">
+                <a:shade val="98000"/>
+                <a:satMod val="105000"/>
+                <a:lumMod val="100000"/>
+              </a:schemeClr>
+            </a:gs>
+          </a:gsLst>
+          <a:lin ang="5400000" scaled="0"/>
+        </a:gradFill>
+      </a:fillStyleLst>
+      <a:lnStyleLst>
+        <a:ln w="6350" cap="flat" cmpd="sng" algn="ctr">
+          <a:solidFill>
+            <a:schemeClr val="phClr"/>
+          </a:solidFill>
+          <a:prstDash val="solid"/>
+        </a:ln>
+        <a:ln w="12700" cap="flat" cmpd="sng" algn="ctr">
+          <a:solidFill>
+            <a:schemeClr val="phClr"/>
+          </a:solidFill>
+          <a:prstDash val="solid"/>
+        </a:ln>
+        <a:ln w="19050" cap="flat" cmpd="sng" algn="ctr">
+          <a:solidFill>
+            <a:schemeClr val="phClr"/>
+          </a:solidFill>
+          <a:prstDash val="solid"/>
+        </a:ln>
+      </a:lnStyleLst>
+      <a:effectStyleLst>
+        <a:effectStyle>
+          <a:effectLst/>
+        </a:effectStyle>
+        <a:effectStyle>
+          <a:effectLst>
+            <a:outerShdw blurRad="38100" dist="12700" dir="5400000" algn="ctr" rotWithShape="0">
+              <a:srgbClr val="000000">
+                <a:alpha val="63000"/>
+              </a:srgbClr>
+            </a:outerShdw>
+          </a:effectLst>
+        </a:effectStyle>
+        <a:effectStyle>
+          <a:effectLst>
+            <a:outerShdw blurRad="57150" dist="19050" dir="5400000" algn="ctr" rotWithShape="0">
+              <a:srgbClr val="000000">
+                <a:alpha val="63000"/>
+              </a:srgbClr>
+            </a:outerShdw>
+          </a:effectLst>
+          <a:scene3d>
+            <a:camera prst="orthographicFront">
+              <a:rot lat="0" lon="0" rev="0"/>
+            </a:camera>
+            <a:lightRig rig="flat" dir="tl">
+              <a:rot lat="0" lon="0" rev="4200000"/>
+            </a:lightRig>
+          </a:scene3d>
+          <a:sp3d prstMaterial="flat">
+            <a:bevelT w="50800" h="63500" prst="riblet"/>
+          </a:sp3d>
+        </a:effectStyle>
+      </a:effectStyleLst>
+      <a:bgFillStyleLst>
+        <a:solidFill>
+          <a:schemeClr val="phClr"/>
+        </a:solidFill>
+        <a:gradFill rotWithShape="1">
+          <a:gsLst>
+            <a:gs pos="0">
+              <a:schemeClr val="phClr">
+                <a:tint val="80000"/>
+                <a:shade val="100000"/>
+                <a:satMod val="300000"/>
+              </a:schemeClr>
+            </a:gs>
+            <a:gs pos="100000">
+              <a:schemeClr val="phClr">
+                <a:tint val="100000"/>
+                <a:shade val="30000"/>
+                <a:satMod val="200000"/>
+              </a:schemeClr>
+            </a:gs>
+          </a:gsLst>
+          <a:path path="circle">
+            <a:fillToRect l="50000" t="50000" r="50000" b="50000"/>
+          </a:path>
+        </a:gradFill>
+        <a:blipFill rotWithShape="1">
+          <a:blip xmlns:r="http://schemas.openxmlformats.org/officeDocument/2006/relationships" r:embed="rId1">
+            <a:duotone>
+              <a:schemeClr val="phClr">
+                <a:tint val="95000"/>
+              </a:schemeClr>
+              <a:schemeClr val="phClr">
+                <a:shade val="92000"/>
+                <a:satMod val="115000"/>
+              </a:schemeClr>
+            </a:duotone>
+          </a:blip>
+          <a:tile tx="0" ty="0" sx="60000" sy="60000" flip="none" algn="tl"/>
+        </a:blipFill>
+      </a:bgFillStyleLst>
+    </a:fmtScheme>
+  </a:themeElements>
+  <a:objectDefaults/>
+  <a:extraClrSchemeLst/>
+  <a:extLst>
+    <a:ext uri="{05A4C25C-085E-4340-85A3-A5531E510DB2}">
+      <thm15:themeFamily xmlns:thm15="http://schemas.microsoft.com/office/thememl/2012/main" name="Office_44285935_TF56219246.potx" id="{8F840B30-69DA-400A-87AC-4164E6BD9D8E}" vid="{A45A904E-BEE4-48A3-A5E9-5F27A465CFDE}"/>
+    </a:ext>
+  </a:extLst>
+</a:theme>
+</file>
+
+<file path=ppt/theme/theme5.xml><?xml version="1.0" encoding="utf-8"?>
 <a:theme xmlns:a="http://schemas.openxmlformats.org/drawingml/2006/main" name="Office Theme">
   <a:themeElements>
     <a:clrScheme name="Office">
